--- a/mlflow/MLflowpptx.pptx
+++ b/mlflow/MLflowpptx.pptx
@@ -2,18 +2,26 @@
 <file path=ppt/presentation.xml><?xml version="1.0" encoding="utf-8"?>
 <p:presentation xmlns:a="http://schemas.openxmlformats.org/drawingml/2006/main" xmlns:r="http://schemas.openxmlformats.org/officeDocument/2006/relationships" xmlns:p="http://schemas.openxmlformats.org/presentationml/2006/main" autoCompressPictures="0">
   <p:sldMasterIdLst>
-    <p:sldMasterId id="2147483684" r:id="rId1"/>
+    <p:sldMasterId id="2147483648" r:id="rId1"/>
   </p:sldMasterIdLst>
   <p:sldIdLst>
-    <p:sldId id="256" r:id="rId2"/>
-    <p:sldId id="257" r:id="rId3"/>
-    <p:sldId id="259" r:id="rId4"/>
-    <p:sldId id="258" r:id="rId5"/>
-    <p:sldId id="262" r:id="rId6"/>
-    <p:sldId id="263" r:id="rId7"/>
-    <p:sldId id="264" r:id="rId8"/>
-    <p:sldId id="261" r:id="rId9"/>
-    <p:sldId id="260" r:id="rId10"/>
+    <p:sldId id="256" r:id="rId3"/>
+    <p:sldId id="257" r:id="rId4"/>
+    <p:sldId id="259" r:id="rId5"/>
+    <p:sldId id="258" r:id="rId6"/>
+    <p:sldId id="262" r:id="rId7"/>
+    <p:sldId id="263" r:id="rId8"/>
+    <p:sldId id="264" r:id="rId9"/>
+    <p:sldId id="261" r:id="rId10"/>
+    <p:sldId id="260" r:id="rId11"/>
+    <p:sldId id="268" r:id="rId12"/>
+    <p:sldId id="269" r:id="rId13"/>
+    <p:sldId id="270" r:id="rId14"/>
+    <p:sldId id="271" r:id="rId15"/>
+    <p:sldId id="272" r:id="rId16"/>
+    <p:sldId id="273" r:id="rId17"/>
+    <p:sldId id="274" r:id="rId18"/>
+    <p:sldId id="267" r:id="rId19"/>
   </p:sldIdLst>
   <p:sldSz cx="12192000" cy="6858000"/>
   <p:notesSz cx="6858000" cy="9144000"/>
@@ -125,15 +133,23 @@
           <p14:sldIdLst>
             <p14:sldId id="259"/>
             <p14:sldId id="258"/>
-            <p14:sldId id="262"/>
             <p14:sldId id="263"/>
             <p14:sldId id="264"/>
+            <p14:sldId id="262"/>
             <p14:sldId id="261"/>
           </p14:sldIdLst>
         </p14:section>
         <p14:section name="Mlflow Projects" id="{072F6B13-4753-48EF-A2D7-463321962950}">
           <p14:sldIdLst>
+            <p14:sldId id="267"/>
             <p14:sldId id="260"/>
+            <p14:sldId id="268"/>
+            <p14:sldId id="269"/>
+            <p14:sldId id="272"/>
+            <p14:sldId id="270"/>
+            <p14:sldId id="273"/>
+            <p14:sldId id="271"/>
+            <p14:sldId id="274"/>
           </p14:sldIdLst>
         </p14:section>
       </p14:sectionLst>
@@ -338,7 +354,6 @@
           <a:p>
             <a:fld id="{96DFF08F-DC6B-4601-B491-B0F83F6DD2DA}" type="datetimeFigureOut">
               <a:rPr lang="en-US" dirty="0"/>
-              <a:t>10/2/2020</a:t>
             </a:fld>
             <a:endParaRPr lang="en-US" dirty="0"/>
           </a:p>
@@ -396,7 +411,6 @@
           <a:p>
             <a:fld id="{4FAB73BC-B049-4115-A692-8D63A059BFB8}" type="slidenum">
               <a:rPr lang="en-US" dirty="0"/>
-              <a:t>‹#›</a:t>
             </a:fld>
             <a:endParaRPr lang="en-US" dirty="0"/>
           </a:p>
@@ -505,6 +519,7 @@
               <a:rPr lang="zh-CN" altLang="en-US" smtClean="0"/>
               <a:t>单击此处编辑母版文本样式</a:t>
             </a:r>
+            <a:endParaRPr lang="zh-CN" altLang="en-US" smtClean="0"/>
           </a:p>
           <a:p>
             <a:pPr lvl="1"/>
@@ -512,6 +527,7 @@
               <a:rPr lang="zh-CN" altLang="en-US" smtClean="0"/>
               <a:t>第二级</a:t>
             </a:r>
+            <a:endParaRPr lang="zh-CN" altLang="en-US" smtClean="0"/>
           </a:p>
           <a:p>
             <a:pPr lvl="2"/>
@@ -519,6 +535,7 @@
               <a:rPr lang="zh-CN" altLang="en-US" smtClean="0"/>
               <a:t>第三级</a:t>
             </a:r>
+            <a:endParaRPr lang="zh-CN" altLang="en-US" smtClean="0"/>
           </a:p>
           <a:p>
             <a:pPr lvl="3"/>
@@ -526,6 +543,7 @@
               <a:rPr lang="zh-CN" altLang="en-US" smtClean="0"/>
               <a:t>第四级</a:t>
             </a:r>
+            <a:endParaRPr lang="zh-CN" altLang="en-US" smtClean="0"/>
           </a:p>
           <a:p>
             <a:pPr lvl="4"/>
@@ -554,7 +572,6 @@
           <a:p>
             <a:fld id="{96DFF08F-DC6B-4601-B491-B0F83F6DD2DA}" type="datetimeFigureOut">
               <a:rPr lang="en-US" dirty="0"/>
-              <a:t>10/2/2020</a:t>
             </a:fld>
             <a:endParaRPr lang="en-US" dirty="0"/>
           </a:p>
@@ -596,7 +613,6 @@
           <a:p>
             <a:fld id="{4FAB73BC-B049-4115-A692-8D63A059BFB8}" type="slidenum">
               <a:rPr lang="en-US" dirty="0"/>
-              <a:t>‹#›</a:t>
             </a:fld>
             <a:endParaRPr lang="en-US" dirty="0"/>
           </a:p>
@@ -680,6 +696,7 @@
               <a:rPr lang="zh-CN" altLang="en-US" smtClean="0"/>
               <a:t>单击此处编辑母版文本样式</a:t>
             </a:r>
+            <a:endParaRPr lang="zh-CN" altLang="en-US" smtClean="0"/>
           </a:p>
           <a:p>
             <a:pPr lvl="1"/>
@@ -687,6 +704,7 @@
               <a:rPr lang="zh-CN" altLang="en-US" smtClean="0"/>
               <a:t>第二级</a:t>
             </a:r>
+            <a:endParaRPr lang="zh-CN" altLang="en-US" smtClean="0"/>
           </a:p>
           <a:p>
             <a:pPr lvl="2"/>
@@ -694,6 +712,7 @@
               <a:rPr lang="zh-CN" altLang="en-US" smtClean="0"/>
               <a:t>第三级</a:t>
             </a:r>
+            <a:endParaRPr lang="zh-CN" altLang="en-US" smtClean="0"/>
           </a:p>
           <a:p>
             <a:pPr lvl="3"/>
@@ -701,6 +720,7 @@
               <a:rPr lang="zh-CN" altLang="en-US" smtClean="0"/>
               <a:t>第四级</a:t>
             </a:r>
+            <a:endParaRPr lang="zh-CN" altLang="en-US" smtClean="0"/>
           </a:p>
           <a:p>
             <a:pPr lvl="4"/>
@@ -729,7 +749,6 @@
           <a:p>
             <a:fld id="{96DFF08F-DC6B-4601-B491-B0F83F6DD2DA}" type="datetimeFigureOut">
               <a:rPr lang="en-US" dirty="0"/>
-              <a:t>10/2/2020</a:t>
             </a:fld>
             <a:endParaRPr lang="en-US" dirty="0"/>
           </a:p>
@@ -771,7 +790,6 @@
           <a:p>
             <a:fld id="{4FAB73BC-B049-4115-A692-8D63A059BFB8}" type="slidenum">
               <a:rPr lang="en-US" dirty="0"/>
-              <a:t>‹#›</a:t>
             </a:fld>
             <a:endParaRPr lang="en-US" dirty="0"/>
           </a:p>
@@ -845,6 +863,7 @@
               <a:rPr lang="zh-CN" altLang="en-US" smtClean="0"/>
               <a:t>单击此处编辑母版文本样式</a:t>
             </a:r>
+            <a:endParaRPr lang="zh-CN" altLang="en-US" smtClean="0"/>
           </a:p>
           <a:p>
             <a:pPr lvl="1"/>
@@ -852,6 +871,7 @@
               <a:rPr lang="zh-CN" altLang="en-US" smtClean="0"/>
               <a:t>第二级</a:t>
             </a:r>
+            <a:endParaRPr lang="zh-CN" altLang="en-US" smtClean="0"/>
           </a:p>
           <a:p>
             <a:pPr lvl="2"/>
@@ -859,6 +879,7 @@
               <a:rPr lang="zh-CN" altLang="en-US" smtClean="0"/>
               <a:t>第三级</a:t>
             </a:r>
+            <a:endParaRPr lang="zh-CN" altLang="en-US" smtClean="0"/>
           </a:p>
           <a:p>
             <a:pPr lvl="3"/>
@@ -866,6 +887,7 @@
               <a:rPr lang="zh-CN" altLang="en-US" smtClean="0"/>
               <a:t>第四级</a:t>
             </a:r>
+            <a:endParaRPr lang="zh-CN" altLang="en-US" smtClean="0"/>
           </a:p>
           <a:p>
             <a:pPr lvl="4"/>
@@ -894,7 +916,6 @@
           <a:p>
             <a:fld id="{96DFF08F-DC6B-4601-B491-B0F83F6DD2DA}" type="datetimeFigureOut">
               <a:rPr lang="en-US" dirty="0"/>
-              <a:t>10/2/2020</a:t>
             </a:fld>
             <a:endParaRPr lang="en-US" dirty="0"/>
           </a:p>
@@ -936,7 +957,6 @@
           <a:p>
             <a:fld id="{4FAB73BC-B049-4115-A692-8D63A059BFB8}" type="slidenum">
               <a:rPr lang="en-US" dirty="0"/>
-              <a:t>‹#›</a:t>
             </a:fld>
             <a:endParaRPr lang="en-US" dirty="0"/>
           </a:p>
@@ -1120,6 +1140,7 @@
               <a:rPr lang="zh-CN" altLang="en-US" smtClean="0"/>
               <a:t>单击此处编辑母版文本样式</a:t>
             </a:r>
+            <a:endParaRPr lang="zh-CN" altLang="en-US" smtClean="0"/>
           </a:p>
         </p:txBody>
       </p:sp>
@@ -1140,7 +1161,6 @@
           <a:p>
             <a:fld id="{96DFF08F-DC6B-4601-B491-B0F83F6DD2DA}" type="datetimeFigureOut">
               <a:rPr lang="en-US" dirty="0"/>
-              <a:t>10/2/2020</a:t>
             </a:fld>
             <a:endParaRPr lang="en-US" dirty="0"/>
           </a:p>
@@ -1182,7 +1202,6 @@
           <a:p>
             <a:fld id="{4FAB73BC-B049-4115-A692-8D63A059BFB8}" type="slidenum">
               <a:rPr lang="en-US" dirty="0"/>
-              <a:t>‹#›</a:t>
             </a:fld>
             <a:endParaRPr lang="en-US" dirty="0"/>
           </a:p>
@@ -1324,6 +1343,7 @@
               <a:rPr lang="zh-CN" altLang="en-US" smtClean="0"/>
               <a:t>单击此处编辑母版文本样式</a:t>
             </a:r>
+            <a:endParaRPr lang="zh-CN" altLang="en-US" smtClean="0"/>
           </a:p>
           <a:p>
             <a:pPr lvl="1"/>
@@ -1331,6 +1351,7 @@
               <a:rPr lang="zh-CN" altLang="en-US" smtClean="0"/>
               <a:t>第二级</a:t>
             </a:r>
+            <a:endParaRPr lang="zh-CN" altLang="en-US" smtClean="0"/>
           </a:p>
           <a:p>
             <a:pPr lvl="2"/>
@@ -1338,6 +1359,7 @@
               <a:rPr lang="zh-CN" altLang="en-US" smtClean="0"/>
               <a:t>第三级</a:t>
             </a:r>
+            <a:endParaRPr lang="zh-CN" altLang="en-US" smtClean="0"/>
           </a:p>
           <a:p>
             <a:pPr lvl="3"/>
@@ -1345,6 +1367,7 @@
               <a:rPr lang="zh-CN" altLang="en-US" smtClean="0"/>
               <a:t>第四级</a:t>
             </a:r>
+            <a:endParaRPr lang="zh-CN" altLang="en-US" smtClean="0"/>
           </a:p>
           <a:p>
             <a:pPr lvl="4"/>
@@ -1409,6 +1432,7 @@
               <a:rPr lang="zh-CN" altLang="en-US" smtClean="0"/>
               <a:t>单击此处编辑母版文本样式</a:t>
             </a:r>
+            <a:endParaRPr lang="zh-CN" altLang="en-US" smtClean="0"/>
           </a:p>
           <a:p>
             <a:pPr lvl="1"/>
@@ -1416,6 +1440,7 @@
               <a:rPr lang="zh-CN" altLang="en-US" smtClean="0"/>
               <a:t>第二级</a:t>
             </a:r>
+            <a:endParaRPr lang="zh-CN" altLang="en-US" smtClean="0"/>
           </a:p>
           <a:p>
             <a:pPr lvl="2"/>
@@ -1423,6 +1448,7 @@
               <a:rPr lang="zh-CN" altLang="en-US" smtClean="0"/>
               <a:t>第三级</a:t>
             </a:r>
+            <a:endParaRPr lang="zh-CN" altLang="en-US" smtClean="0"/>
           </a:p>
           <a:p>
             <a:pPr lvl="3"/>
@@ -1430,6 +1456,7 @@
               <a:rPr lang="zh-CN" altLang="en-US" smtClean="0"/>
               <a:t>第四级</a:t>
             </a:r>
+            <a:endParaRPr lang="zh-CN" altLang="en-US" smtClean="0"/>
           </a:p>
           <a:p>
             <a:pPr lvl="4"/>
@@ -1458,7 +1485,6 @@
           <a:p>
             <a:fld id="{96DFF08F-DC6B-4601-B491-B0F83F6DD2DA}" type="datetimeFigureOut">
               <a:rPr lang="en-US" dirty="0"/>
-              <a:t>10/2/2020</a:t>
             </a:fld>
             <a:endParaRPr lang="en-US" dirty="0"/>
           </a:p>
@@ -1500,7 +1526,6 @@
           <a:p>
             <a:fld id="{4FAB73BC-B049-4115-A692-8D63A059BFB8}" type="slidenum">
               <a:rPr lang="en-US" dirty="0"/>
-              <a:t>‹#›</a:t>
             </a:fld>
             <a:endParaRPr lang="en-US" dirty="0"/>
           </a:p>
@@ -1619,6 +1644,7 @@
               <a:rPr lang="zh-CN" altLang="en-US" smtClean="0"/>
               <a:t>单击此处编辑母版文本样式</a:t>
             </a:r>
+            <a:endParaRPr lang="zh-CN" altLang="en-US" smtClean="0"/>
           </a:p>
         </p:txBody>
       </p:sp>
@@ -1675,6 +1701,7 @@
               <a:rPr lang="zh-CN" altLang="en-US" smtClean="0"/>
               <a:t>单击此处编辑母版文本样式</a:t>
             </a:r>
+            <a:endParaRPr lang="zh-CN" altLang="en-US" smtClean="0"/>
           </a:p>
           <a:p>
             <a:pPr lvl="1"/>
@@ -1682,6 +1709,7 @@
               <a:rPr lang="zh-CN" altLang="en-US" smtClean="0"/>
               <a:t>第二级</a:t>
             </a:r>
+            <a:endParaRPr lang="zh-CN" altLang="en-US" smtClean="0"/>
           </a:p>
           <a:p>
             <a:pPr lvl="2"/>
@@ -1689,6 +1717,7 @@
               <a:rPr lang="zh-CN" altLang="en-US" smtClean="0"/>
               <a:t>第三级</a:t>
             </a:r>
+            <a:endParaRPr lang="zh-CN" altLang="en-US" smtClean="0"/>
           </a:p>
           <a:p>
             <a:pPr lvl="3"/>
@@ -1696,6 +1725,7 @@
               <a:rPr lang="zh-CN" altLang="en-US" smtClean="0"/>
               <a:t>第四级</a:t>
             </a:r>
+            <a:endParaRPr lang="zh-CN" altLang="en-US" smtClean="0"/>
           </a:p>
           <a:p>
             <a:pPr lvl="4"/>
@@ -1772,6 +1802,7 @@
               <a:rPr lang="zh-CN" altLang="en-US" smtClean="0"/>
               <a:t>单击此处编辑母版文本样式</a:t>
             </a:r>
+            <a:endParaRPr lang="zh-CN" altLang="en-US" smtClean="0"/>
           </a:p>
         </p:txBody>
       </p:sp>
@@ -1828,6 +1859,7 @@
               <a:rPr lang="zh-CN" altLang="en-US" smtClean="0"/>
               <a:t>单击此处编辑母版文本样式</a:t>
             </a:r>
+            <a:endParaRPr lang="zh-CN" altLang="en-US" smtClean="0"/>
           </a:p>
           <a:p>
             <a:pPr lvl="1"/>
@@ -1835,6 +1867,7 @@
               <a:rPr lang="zh-CN" altLang="en-US" smtClean="0"/>
               <a:t>第二级</a:t>
             </a:r>
+            <a:endParaRPr lang="zh-CN" altLang="en-US" smtClean="0"/>
           </a:p>
           <a:p>
             <a:pPr lvl="2"/>
@@ -1842,6 +1875,7 @@
               <a:rPr lang="zh-CN" altLang="en-US" smtClean="0"/>
               <a:t>第三级</a:t>
             </a:r>
+            <a:endParaRPr lang="zh-CN" altLang="en-US" smtClean="0"/>
           </a:p>
           <a:p>
             <a:pPr lvl="3"/>
@@ -1849,6 +1883,7 @@
               <a:rPr lang="zh-CN" altLang="en-US" smtClean="0"/>
               <a:t>第四级</a:t>
             </a:r>
+            <a:endParaRPr lang="zh-CN" altLang="en-US" smtClean="0"/>
           </a:p>
           <a:p>
             <a:pPr lvl="4"/>
@@ -1877,7 +1912,6 @@
           <a:p>
             <a:fld id="{96DFF08F-DC6B-4601-B491-B0F83F6DD2DA}" type="datetimeFigureOut">
               <a:rPr lang="en-US" dirty="0"/>
-              <a:t>10/2/2020</a:t>
             </a:fld>
             <a:endParaRPr lang="en-US" dirty="0"/>
           </a:p>
@@ -1919,7 +1953,6 @@
           <a:p>
             <a:fld id="{4FAB73BC-B049-4115-A692-8D63A059BFB8}" type="slidenum">
               <a:rPr lang="en-US" dirty="0"/>
-              <a:t>‹#›</a:t>
             </a:fld>
             <a:endParaRPr lang="en-US" dirty="0"/>
           </a:p>
@@ -1990,7 +2023,6 @@
           <a:p>
             <a:fld id="{96DFF08F-DC6B-4601-B491-B0F83F6DD2DA}" type="datetimeFigureOut">
               <a:rPr lang="en-US" dirty="0"/>
-              <a:t>10/2/2020</a:t>
             </a:fld>
             <a:endParaRPr lang="en-US" dirty="0"/>
           </a:p>
@@ -2032,7 +2064,6 @@
           <a:p>
             <a:fld id="{4FAB73BC-B049-4115-A692-8D63A059BFB8}" type="slidenum">
               <a:rPr lang="en-US" dirty="0"/>
-              <a:t>‹#›</a:t>
             </a:fld>
             <a:endParaRPr lang="en-US" dirty="0"/>
           </a:p>
@@ -2080,7 +2111,6 @@
           <a:p>
             <a:fld id="{96DFF08F-DC6B-4601-B491-B0F83F6DD2DA}" type="datetimeFigureOut">
               <a:rPr lang="en-US" dirty="0"/>
-              <a:t>10/2/2020</a:t>
             </a:fld>
             <a:endParaRPr lang="en-US" dirty="0"/>
           </a:p>
@@ -2122,7 +2152,6 @@
           <a:p>
             <a:fld id="{4FAB73BC-B049-4115-A692-8D63A059BFB8}" type="slidenum">
               <a:rPr lang="en-US" dirty="0"/>
-              <a:t>‹#›</a:t>
             </a:fld>
             <a:endParaRPr lang="en-US" dirty="0"/>
           </a:p>
@@ -2243,6 +2272,7 @@
               <a:rPr lang="zh-CN" altLang="en-US" smtClean="0"/>
               <a:t>单击此处编辑母版文本样式</a:t>
             </a:r>
+            <a:endParaRPr lang="zh-CN" altLang="en-US" smtClean="0"/>
           </a:p>
           <a:p>
             <a:pPr lvl="1"/>
@@ -2250,6 +2280,7 @@
               <a:rPr lang="zh-CN" altLang="en-US" smtClean="0"/>
               <a:t>第二级</a:t>
             </a:r>
+            <a:endParaRPr lang="zh-CN" altLang="en-US" smtClean="0"/>
           </a:p>
           <a:p>
             <a:pPr lvl="2"/>
@@ -2257,6 +2288,7 @@
               <a:rPr lang="zh-CN" altLang="en-US" smtClean="0"/>
               <a:t>第三级</a:t>
             </a:r>
+            <a:endParaRPr lang="zh-CN" altLang="en-US" smtClean="0"/>
           </a:p>
           <a:p>
             <a:pPr lvl="3"/>
@@ -2264,6 +2296,7 @@
               <a:rPr lang="zh-CN" altLang="en-US" smtClean="0"/>
               <a:t>第四级</a:t>
             </a:r>
+            <a:endParaRPr lang="zh-CN" altLang="en-US" smtClean="0"/>
           </a:p>
           <a:p>
             <a:pPr lvl="4"/>
@@ -2345,6 +2378,7 @@
               <a:rPr lang="zh-CN" altLang="en-US" smtClean="0"/>
               <a:t>单击此处编辑母版文本样式</a:t>
             </a:r>
+            <a:endParaRPr lang="zh-CN" altLang="en-US" smtClean="0"/>
           </a:p>
         </p:txBody>
       </p:sp>
@@ -2365,7 +2399,6 @@
           <a:p>
             <a:fld id="{96DFF08F-DC6B-4601-B491-B0F83F6DD2DA}" type="datetimeFigureOut">
               <a:rPr lang="en-US" dirty="0"/>
-              <a:t>10/2/2020</a:t>
             </a:fld>
             <a:endParaRPr lang="en-US" dirty="0"/>
           </a:p>
@@ -2407,7 +2440,6 @@
           <a:p>
             <a:fld id="{4FAB73BC-B049-4115-A692-8D63A059BFB8}" type="slidenum">
               <a:rPr lang="en-US" dirty="0"/>
-              <a:t>‹#›</a:t>
             </a:fld>
             <a:endParaRPr lang="en-US" dirty="0"/>
           </a:p>
@@ -2612,6 +2644,7 @@
               <a:rPr lang="zh-CN" altLang="en-US" smtClean="0"/>
               <a:t>单击此处编辑母版文本样式</a:t>
             </a:r>
+            <a:endParaRPr lang="zh-CN" altLang="en-US" smtClean="0"/>
           </a:p>
         </p:txBody>
       </p:sp>
@@ -2632,7 +2665,6 @@
           <a:p>
             <a:fld id="{96DFF08F-DC6B-4601-B491-B0F83F6DD2DA}" type="datetimeFigureOut">
               <a:rPr lang="en-US" dirty="0"/>
-              <a:t>10/2/2020</a:t>
             </a:fld>
             <a:endParaRPr lang="en-US" dirty="0"/>
           </a:p>
@@ -2674,7 +2706,6 @@
           <a:p>
             <a:fld id="{4FAB73BC-B049-4115-A692-8D63A059BFB8}" type="slidenum">
               <a:rPr lang="en-US" dirty="0"/>
-              <a:t>‹#›</a:t>
             </a:fld>
             <a:endParaRPr lang="en-US" dirty="0"/>
           </a:p>
@@ -2816,6 +2847,7 @@
               <a:rPr lang="zh-CN" altLang="en-US" smtClean="0"/>
               <a:t>单击此处编辑母版文本样式</a:t>
             </a:r>
+            <a:endParaRPr lang="zh-CN" altLang="en-US" smtClean="0"/>
           </a:p>
           <a:p>
             <a:pPr lvl="1"/>
@@ -2823,6 +2855,7 @@
               <a:rPr lang="zh-CN" altLang="en-US" smtClean="0"/>
               <a:t>第二级</a:t>
             </a:r>
+            <a:endParaRPr lang="zh-CN" altLang="en-US" smtClean="0"/>
           </a:p>
           <a:p>
             <a:pPr lvl="2"/>
@@ -2830,6 +2863,7 @@
               <a:rPr lang="zh-CN" altLang="en-US" smtClean="0"/>
               <a:t>第三级</a:t>
             </a:r>
+            <a:endParaRPr lang="zh-CN" altLang="en-US" smtClean="0"/>
           </a:p>
           <a:p>
             <a:pPr lvl="3"/>
@@ -2837,6 +2871,7 @@
               <a:rPr lang="zh-CN" altLang="en-US" smtClean="0"/>
               <a:t>第四级</a:t>
             </a:r>
+            <a:endParaRPr lang="zh-CN" altLang="en-US" smtClean="0"/>
           </a:p>
           <a:p>
             <a:pPr lvl="4"/>
@@ -2881,8 +2916,6 @@
           <a:p>
             <a:fld id="{96DFF08F-DC6B-4601-B491-B0F83F6DD2DA}" type="datetimeFigureOut">
               <a:rPr lang="en-US" dirty="0"/>
-              <a:pPr/>
-              <a:t>10/2/2020</a:t>
             </a:fld>
             <a:endParaRPr lang="en-US" dirty="0"/>
           </a:p>
@@ -2956,8 +2989,6 @@
           <a:p>
             <a:fld id="{4FAB73BC-B049-4115-A692-8D63A059BFB8}" type="slidenum">
               <a:rPr lang="en-US" dirty="0"/>
-              <a:pPr/>
-              <a:t>‹#›</a:t>
             </a:fld>
             <a:endParaRPr lang="en-US" dirty="0"/>
           </a:p>
@@ -2967,17 +2998,17 @@
   </p:cSld>
   <p:clrMap bg1="lt1" tx1="dk1" bg2="lt2" tx2="dk2" accent1="accent1" accent2="accent2" accent3="accent3" accent4="accent4" accent5="accent5" accent6="accent6" hlink="hlink" folHlink="folHlink"/>
   <p:sldLayoutIdLst>
-    <p:sldLayoutId id="2147483685" r:id="rId1"/>
-    <p:sldLayoutId id="2147483686" r:id="rId2"/>
-    <p:sldLayoutId id="2147483687" r:id="rId3"/>
-    <p:sldLayoutId id="2147483688" r:id="rId4"/>
-    <p:sldLayoutId id="2147483689" r:id="rId5"/>
-    <p:sldLayoutId id="2147483690" r:id="rId6"/>
-    <p:sldLayoutId id="2147483691" r:id="rId7"/>
-    <p:sldLayoutId id="2147483692" r:id="rId8"/>
-    <p:sldLayoutId id="2147483693" r:id="rId9"/>
-    <p:sldLayoutId id="2147483694" r:id="rId10"/>
-    <p:sldLayoutId id="2147483695" r:id="rId11"/>
+    <p:sldLayoutId id="2147483649" r:id="rId1"/>
+    <p:sldLayoutId id="2147483650" r:id="rId2"/>
+    <p:sldLayoutId id="2147483651" r:id="rId3"/>
+    <p:sldLayoutId id="2147483652" r:id="rId4"/>
+    <p:sldLayoutId id="2147483653" r:id="rId5"/>
+    <p:sldLayoutId id="2147483654" r:id="rId6"/>
+    <p:sldLayoutId id="2147483655" r:id="rId7"/>
+    <p:sldLayoutId id="2147483656" r:id="rId8"/>
+    <p:sldLayoutId id="2147483657" r:id="rId9"/>
+    <p:sldLayoutId id="2147483658" r:id="rId10"/>
+    <p:sldLayoutId id="2147483659" r:id="rId11"/>
   </p:sldLayoutIdLst>
   <p:txStyles>
     <p:titleStyle>
@@ -3122,7 +3153,7 @@
           <a:cs typeface="+mn-cs"/>
         </a:defRPr>
       </a:lvl5pPr>
-      <a:lvl6pPr marL="1600000" indent="-228600" algn="l" defTabSz="914400" rtl="0" eaLnBrk="1" latinLnBrk="0" hangingPunct="1">
+      <a:lvl6pPr marL="1600200" indent="-228600" algn="l" defTabSz="914400" rtl="0" eaLnBrk="1" latinLnBrk="0" hangingPunct="1">
         <a:lnSpc>
           <a:spcPct val="90000"/>
         </a:lnSpc>
@@ -3147,7 +3178,7 @@
           <a:cs typeface="+mn-cs"/>
         </a:defRPr>
       </a:lvl6pPr>
-      <a:lvl7pPr marL="1900000" indent="-228600" algn="l" defTabSz="914400" rtl="0" eaLnBrk="1" latinLnBrk="0" hangingPunct="1">
+      <a:lvl7pPr marL="1899920" indent="-228600" algn="l" defTabSz="914400" rtl="0" eaLnBrk="1" latinLnBrk="0" hangingPunct="1">
         <a:lnSpc>
           <a:spcPct val="90000"/>
         </a:lnSpc>
@@ -3172,7 +3203,7 @@
           <a:cs typeface="+mn-cs"/>
         </a:defRPr>
       </a:lvl7pPr>
-      <a:lvl8pPr marL="2200000" indent="-228600" algn="l" defTabSz="914400" rtl="0" eaLnBrk="1" latinLnBrk="0" hangingPunct="1">
+      <a:lvl8pPr marL="2200275" indent="-228600" algn="l" defTabSz="914400" rtl="0" eaLnBrk="1" latinLnBrk="0" hangingPunct="1">
         <a:lnSpc>
           <a:spcPct val="90000"/>
         </a:lnSpc>
@@ -3197,7 +3228,7 @@
           <a:cs typeface="+mn-cs"/>
         </a:defRPr>
       </a:lvl8pPr>
-      <a:lvl9pPr marL="2500000" indent="-228600" algn="l" defTabSz="914400" rtl="0" eaLnBrk="1" latinLnBrk="0" hangingPunct="1">
+      <a:lvl9pPr marL="2499995" indent="-228600" algn="l" defTabSz="914400" rtl="0" eaLnBrk="1" latinLnBrk="0" hangingPunct="1">
         <a:lnSpc>
           <a:spcPct val="90000"/>
         </a:lnSpc>
@@ -3390,11 +3421,1328 @@
         </p:txBody>
       </p:sp>
     </p:spTree>
-    <p:extLst>
-      <p:ext uri="{BB962C8B-B14F-4D97-AF65-F5344CB8AC3E}">
-        <p14:creationId xmlns:p14="http://schemas.microsoft.com/office/powerpoint/2010/main" val="360785112"/>
-      </p:ext>
-    </p:extLst>
+  </p:cSld>
+  <p:clrMapOvr>
+    <a:masterClrMapping/>
+  </p:clrMapOvr>
+  <p:timing>
+    <p:tnLst>
+      <p:par>
+        <p:cTn id="1" dur="indefinite" restart="never" nodeType="tmRoot"/>
+      </p:par>
+    </p:tnLst>
+  </p:timing>
+</p:sld>
+</file>
+
+<file path=ppt/slides/slide10.xml><?xml version="1.0" encoding="utf-8"?>
+<p:sld xmlns:a="http://schemas.openxmlformats.org/drawingml/2006/main" xmlns:r="http://schemas.openxmlformats.org/officeDocument/2006/relationships" xmlns:p="http://schemas.openxmlformats.org/presentationml/2006/main">
+  <p:cSld>
+    <p:spTree>
+      <p:nvGrpSpPr>
+        <p:cNvPr id="1" name=""/>
+        <p:cNvGrpSpPr/>
+        <p:nvPr/>
+      </p:nvGrpSpPr>
+      <p:grpSpPr>
+        <a:xfrm>
+          <a:off x="0" y="0"/>
+          <a:ext cx="0" cy="0"/>
+          <a:chOff x="0" y="0"/>
+          <a:chExt cx="0" cy="0"/>
+        </a:xfrm>
+      </p:grpSpPr>
+      <p:sp>
+        <p:nvSpPr>
+          <p:cNvPr id="2" name="标题 1"/>
+          <p:cNvSpPr>
+            <a:spLocks noGrp="1"/>
+          </p:cNvSpPr>
+          <p:nvPr>
+            <p:ph type="title"/>
+          </p:nvPr>
+        </p:nvSpPr>
+        <p:spPr>
+          <a:xfrm>
+            <a:off x="1140351" y="263610"/>
+            <a:ext cx="9875520" cy="1356360"/>
+          </a:xfrm>
+        </p:spPr>
+        <p:txBody>
+          <a:bodyPr/>
+          <a:lstStyle/>
+          <a:p>
+            <a:r>
+              <a:rPr lang="zh-CN" altLang="en-US" dirty="0" err="1" smtClean="0"/>
+              <a:t>简介</a:t>
+            </a:r>
+            <a:endParaRPr lang="zh-CN" altLang="en-US" dirty="0" err="1" smtClean="0"/>
+          </a:p>
+        </p:txBody>
+      </p:sp>
+      <p:sp>
+        <p:nvSpPr>
+          <p:cNvPr id="3" name="内容占位符 2"/>
+          <p:cNvSpPr>
+            <a:spLocks noGrp="1"/>
+          </p:cNvSpPr>
+          <p:nvPr>
+            <p:ph idx="1"/>
+          </p:nvPr>
+        </p:nvSpPr>
+        <p:spPr>
+          <a:xfrm>
+            <a:off x="1143000" y="1499286"/>
+            <a:ext cx="9872871" cy="4596714"/>
+          </a:xfrm>
+        </p:spPr>
+        <p:txBody>
+          <a:bodyPr>
+            <a:normAutofit/>
+          </a:bodyPr>
+          <a:lstStyle/>
+          <a:p>
+            <a:pPr>
+              <a:lnSpc>
+                <a:spcPct val="150000"/>
+              </a:lnSpc>
+            </a:pPr>
+            <a:r>
+              <a:rPr lang="zh-CN" altLang="en-US" dirty="0" smtClean="0"/>
+              <a:t>本质上，</a:t>
+            </a:r>
+            <a:r>
+              <a:rPr lang="en-US" altLang="zh-CN" dirty="0" smtClean="0"/>
+              <a:t>Mlflow Projects</a:t>
+            </a:r>
+            <a:r>
+              <a:rPr lang="zh-CN" altLang="en-US" dirty="0" smtClean="0"/>
+              <a:t>就是一个规范，通过该规范组织、描述代码，使得数据科学家或者自动化工具可以直接运行。</a:t>
+            </a:r>
+            <a:endParaRPr lang="zh-CN" altLang="en-US" dirty="0" smtClean="0"/>
+          </a:p>
+          <a:p>
+            <a:pPr>
+              <a:lnSpc>
+                <a:spcPct val="150000"/>
+              </a:lnSpc>
+            </a:pPr>
+            <a:r>
+              <a:rPr lang="zh-CN" altLang="en-US" dirty="0" smtClean="0"/>
+              <a:t>每个工程是一个包含代码的文件目录或者</a:t>
+            </a:r>
+            <a:r>
+              <a:rPr lang="en-US" altLang="zh-CN" dirty="0" smtClean="0"/>
+              <a:t>git</a:t>
+            </a:r>
+            <a:r>
+              <a:rPr lang="zh-CN" altLang="en-US" dirty="0" smtClean="0"/>
+              <a:t>仓库。</a:t>
+            </a:r>
+            <a:endParaRPr lang="en-US" altLang="zh-CN" dirty="0" smtClean="0"/>
+          </a:p>
+          <a:p>
+            <a:pPr>
+              <a:lnSpc>
+                <a:spcPct val="150000"/>
+              </a:lnSpc>
+            </a:pPr>
+            <a:r>
+              <a:rPr lang="en-US" altLang="zh-CN" dirty="0" smtClean="0"/>
+              <a:t>Mlflow</a:t>
+            </a:r>
+            <a:r>
+              <a:rPr lang="zh-CN" altLang="en-US" dirty="0" smtClean="0"/>
+              <a:t>可以基于目录下约定好的文件运行一些工程（如，conda.yaml会被认为是</a:t>
+            </a:r>
+            <a:r>
+              <a:rPr lang="en-US" altLang="zh-CN" dirty="0" smtClean="0"/>
+              <a:t>conda</a:t>
+            </a:r>
+            <a:r>
+              <a:rPr lang="zh-CN" altLang="en-US" dirty="0" smtClean="0"/>
+              <a:t>环境），我们可以增加一个</a:t>
+            </a:r>
+            <a:r>
+              <a:rPr lang="en-US" altLang="zh-CN" dirty="0" smtClean="0"/>
+              <a:t>yaml</a:t>
+            </a:r>
+            <a:r>
+              <a:rPr lang="zh-CN" altLang="en-US" dirty="0" smtClean="0"/>
+              <a:t>格式的MLproject文件来更详细的表述工程。</a:t>
+            </a:r>
+            <a:endParaRPr lang="zh-CN" altLang="en-US" dirty="0" smtClean="0"/>
+          </a:p>
+        </p:txBody>
+      </p:sp>
+    </p:spTree>
+  </p:cSld>
+  <p:clrMapOvr>
+    <a:masterClrMapping/>
+  </p:clrMapOvr>
+  <p:timing>
+    <p:tnLst>
+      <p:par>
+        <p:cTn id="1" dur="indefinite" restart="never" nodeType="tmRoot"/>
+      </p:par>
+    </p:tnLst>
+  </p:timing>
+</p:sld>
+</file>
+
+<file path=ppt/slides/slide11.xml><?xml version="1.0" encoding="utf-8"?>
+<p:sld xmlns:a="http://schemas.openxmlformats.org/drawingml/2006/main" xmlns:r="http://schemas.openxmlformats.org/officeDocument/2006/relationships" xmlns:p="http://schemas.openxmlformats.org/presentationml/2006/main">
+  <p:cSld>
+    <p:spTree>
+      <p:nvGrpSpPr>
+        <p:cNvPr id="1" name=""/>
+        <p:cNvGrpSpPr/>
+        <p:nvPr/>
+      </p:nvGrpSpPr>
+      <p:grpSpPr>
+        <a:xfrm>
+          <a:off x="0" y="0"/>
+          <a:ext cx="0" cy="0"/>
+          <a:chOff x="0" y="0"/>
+          <a:chExt cx="0" cy="0"/>
+        </a:xfrm>
+      </p:grpSpPr>
+      <p:sp>
+        <p:nvSpPr>
+          <p:cNvPr id="3" name="内容占位符 2"/>
+          <p:cNvSpPr>
+            <a:spLocks noGrp="1"/>
+          </p:cNvSpPr>
+          <p:nvPr>
+            <p:ph idx="1"/>
+          </p:nvPr>
+        </p:nvSpPr>
+        <p:spPr>
+          <a:xfrm>
+            <a:off x="1159510" y="958266"/>
+            <a:ext cx="9872871" cy="4596714"/>
+          </a:xfrm>
+        </p:spPr>
+        <p:txBody>
+          <a:bodyPr>
+            <a:normAutofit/>
+          </a:bodyPr>
+          <a:lstStyle/>
+          <a:p>
+            <a:pPr>
+              <a:lnSpc>
+                <a:spcPct val="150000"/>
+              </a:lnSpc>
+            </a:pPr>
+            <a:r>
+              <a:rPr lang="zh-CN" altLang="en-US" dirty="0" smtClean="0"/>
+              <a:t>每个工程可以指定如下属性：</a:t>
+            </a:r>
+            <a:endParaRPr lang="zh-CN" altLang="en-US" dirty="0" smtClean="0"/>
+          </a:p>
+          <a:p>
+            <a:pPr lvl="1">
+              <a:lnSpc>
+                <a:spcPct val="150000"/>
+              </a:lnSpc>
+            </a:pPr>
+            <a:r>
+              <a:rPr lang="zh-CN" altLang="en-US" dirty="0" smtClean="0"/>
+              <a:t>Name：项目名称。</a:t>
+            </a:r>
+            <a:endParaRPr lang="zh-CN" altLang="en-US" dirty="0" smtClean="0"/>
+          </a:p>
+          <a:p>
+            <a:pPr lvl="1">
+              <a:lnSpc>
+                <a:spcPct val="150000"/>
+              </a:lnSpc>
+            </a:pPr>
+            <a:r>
+              <a:rPr lang="zh-CN" altLang="en-US" dirty="0" smtClean="0"/>
+              <a:t>Entry Points：</a:t>
+            </a:r>
+            <a:endParaRPr lang="zh-CN" altLang="en-US" dirty="0" smtClean="0"/>
+          </a:p>
+          <a:p>
+            <a:pPr lvl="2">
+              <a:lnSpc>
+                <a:spcPct val="150000"/>
+              </a:lnSpc>
+            </a:pPr>
+            <a:r>
+              <a:rPr lang="zh-CN" altLang="en-US" dirty="0" smtClean="0"/>
+              <a:t>可以在项目中运行的命令，以及有关其参数的信息。</a:t>
+            </a:r>
+            <a:endParaRPr lang="zh-CN" altLang="en-US" dirty="0" smtClean="0"/>
+          </a:p>
+          <a:p>
+            <a:pPr lvl="2">
+              <a:lnSpc>
+                <a:spcPct val="150000"/>
+              </a:lnSpc>
+            </a:pPr>
+            <a:r>
+              <a:rPr lang="zh-CN" altLang="en-US" dirty="0" smtClean="0"/>
+              <a:t>大多数项目至少包含一个调用的入口点。有些项目包含多个入口点。</a:t>
+            </a:r>
+            <a:endParaRPr lang="zh-CN" altLang="en-US" dirty="0" smtClean="0"/>
+          </a:p>
+          <a:p>
+            <a:pPr lvl="2">
+              <a:lnSpc>
+                <a:spcPct val="150000"/>
+              </a:lnSpc>
+            </a:pPr>
+            <a:r>
+              <a:rPr lang="zh-CN" altLang="en-US" dirty="0" smtClean="0"/>
+              <a:t>可以是</a:t>
+            </a:r>
+            <a:r>
+              <a:rPr lang="en-US" altLang="zh-CN" dirty="0" smtClean="0"/>
+              <a:t>.py</a:t>
+            </a:r>
+            <a:r>
+              <a:rPr lang="zh-CN" altLang="en-US" dirty="0" smtClean="0"/>
+              <a:t>或者</a:t>
+            </a:r>
+            <a:r>
+              <a:rPr lang="en-US" altLang="zh-CN" dirty="0" smtClean="0"/>
+              <a:t>.sh</a:t>
+            </a:r>
+            <a:r>
+              <a:rPr lang="zh-CN" altLang="en-US" dirty="0" smtClean="0"/>
+              <a:t>文件。</a:t>
+            </a:r>
+            <a:endParaRPr lang="zh-CN" altLang="en-US" dirty="0" smtClean="0"/>
+          </a:p>
+          <a:p>
+            <a:pPr lvl="2">
+              <a:lnSpc>
+                <a:spcPct val="150000"/>
+              </a:lnSpc>
+            </a:pPr>
+            <a:r>
+              <a:rPr lang="zh-CN" altLang="en-US" dirty="0" smtClean="0"/>
+              <a:t>指定入口点的时候可以同时指定相应的参数（包括数据类型、默认值）</a:t>
+            </a:r>
+            <a:endParaRPr lang="zh-CN" altLang="en-US" dirty="0" smtClean="0"/>
+          </a:p>
+          <a:p>
+            <a:pPr lvl="1">
+              <a:lnSpc>
+                <a:spcPct val="150000"/>
+              </a:lnSpc>
+            </a:pPr>
+            <a:r>
+              <a:rPr lang="zh-CN" altLang="en-US" dirty="0" smtClean="0"/>
+              <a:t>Environment</a:t>
+            </a:r>
+            <a:r>
+              <a:rPr lang="en-US" altLang="zh-CN" dirty="0" smtClean="0"/>
+              <a:t>:</a:t>
+            </a:r>
+            <a:r>
+              <a:rPr lang="zh-CN" altLang="en-US" dirty="0" smtClean="0"/>
+              <a:t>代码执行软件环境，包括所有依赖。</a:t>
+            </a:r>
+            <a:endParaRPr lang="zh-CN" altLang="en-US" dirty="0" smtClean="0"/>
+          </a:p>
+        </p:txBody>
+      </p:sp>
+    </p:spTree>
+  </p:cSld>
+  <p:clrMapOvr>
+    <a:masterClrMapping/>
+  </p:clrMapOvr>
+  <p:timing>
+    <p:tnLst>
+      <p:par>
+        <p:cTn id="1" dur="indefinite" restart="never" nodeType="tmRoot"/>
+      </p:par>
+    </p:tnLst>
+  </p:timing>
+</p:sld>
+</file>
+
+<file path=ppt/slides/slide12.xml><?xml version="1.0" encoding="utf-8"?>
+<p:sld xmlns:a="http://schemas.openxmlformats.org/drawingml/2006/main" xmlns:r="http://schemas.openxmlformats.org/officeDocument/2006/relationships" xmlns:p="http://schemas.openxmlformats.org/presentationml/2006/main">
+  <p:cSld>
+    <p:spTree>
+      <p:nvGrpSpPr>
+        <p:cNvPr id="1" name=""/>
+        <p:cNvGrpSpPr/>
+        <p:nvPr/>
+      </p:nvGrpSpPr>
+      <p:grpSpPr>
+        <a:xfrm>
+          <a:off x="0" y="0"/>
+          <a:ext cx="0" cy="0"/>
+          <a:chOff x="0" y="0"/>
+          <a:chExt cx="0" cy="0"/>
+        </a:xfrm>
+      </p:grpSpPr>
+      <p:sp>
+        <p:nvSpPr>
+          <p:cNvPr id="2" name="标题 1"/>
+          <p:cNvSpPr>
+            <a:spLocks noGrp="1"/>
+          </p:cNvSpPr>
+          <p:nvPr>
+            <p:ph type="title"/>
+          </p:nvPr>
+        </p:nvSpPr>
+        <p:spPr>
+          <a:xfrm>
+            <a:off x="1140351" y="263610"/>
+            <a:ext cx="9875520" cy="1356360"/>
+          </a:xfrm>
+        </p:spPr>
+        <p:txBody>
+          <a:bodyPr/>
+          <a:lstStyle/>
+          <a:p>
+            <a:r>
+              <a:rPr lang="zh-CN" altLang="en-US" dirty="0" err="1" smtClean="0"/>
+              <a:t>工程环境</a:t>
+            </a:r>
+            <a:endParaRPr lang="zh-CN" altLang="en-US" dirty="0" err="1" smtClean="0"/>
+          </a:p>
+        </p:txBody>
+      </p:sp>
+      <p:sp>
+        <p:nvSpPr>
+          <p:cNvPr id="3" name="内容占位符 2"/>
+          <p:cNvSpPr>
+            <a:spLocks noGrp="1"/>
+          </p:cNvSpPr>
+          <p:nvPr>
+            <p:ph idx="1"/>
+          </p:nvPr>
+        </p:nvSpPr>
+        <p:spPr>
+          <a:xfrm>
+            <a:off x="1143000" y="1499286"/>
+            <a:ext cx="9872871" cy="4596714"/>
+          </a:xfrm>
+        </p:spPr>
+        <p:txBody>
+          <a:bodyPr>
+            <a:normAutofit/>
+          </a:bodyPr>
+          <a:lstStyle/>
+          <a:p>
+            <a:pPr>
+              <a:lnSpc>
+                <a:spcPct val="150000"/>
+              </a:lnSpc>
+            </a:pPr>
+            <a:r>
+              <a:rPr lang="en-US" altLang="zh-CN" dirty="0" smtClean="0"/>
+              <a:t>Mlflow</a:t>
+            </a:r>
+            <a:r>
+              <a:rPr lang="zh-CN" altLang="en-US" dirty="0" smtClean="0"/>
+              <a:t>目前支持三种环境：</a:t>
+            </a:r>
+            <a:endParaRPr lang="zh-CN" altLang="en-US" dirty="0" smtClean="0"/>
+          </a:p>
+          <a:p>
+            <a:pPr lvl="1">
+              <a:lnSpc>
+                <a:spcPct val="150000"/>
+              </a:lnSpc>
+            </a:pPr>
+            <a:r>
+              <a:rPr lang="zh-CN" altLang="en-US" dirty="0" smtClean="0"/>
+              <a:t>Conda environment：支持</a:t>
+            </a:r>
+            <a:r>
+              <a:rPr lang="en-US" altLang="zh-CN" dirty="0" smtClean="0"/>
+              <a:t>python</a:t>
+            </a:r>
+            <a:r>
+              <a:rPr lang="zh-CN" altLang="en-US" dirty="0" smtClean="0"/>
+              <a:t>和本地库（如，CuDNN</a:t>
+            </a:r>
+            <a:r>
+              <a:rPr lang="en-US" altLang="zh-CN" dirty="0" smtClean="0"/>
+              <a:t>/</a:t>
+            </a:r>
+            <a:r>
+              <a:rPr lang="zh-CN" altLang="en-US" dirty="0" smtClean="0"/>
+              <a:t>Intel MKL）。</a:t>
+            </a:r>
+            <a:endParaRPr lang="zh-CN" altLang="en-US" dirty="0" smtClean="0"/>
+          </a:p>
+          <a:p>
+            <a:pPr lvl="1">
+              <a:lnSpc>
+                <a:spcPct val="150000"/>
+              </a:lnSpc>
+            </a:pPr>
+            <a:r>
+              <a:rPr lang="zh-CN" altLang="en-US" dirty="0" smtClean="0"/>
+              <a:t>Docker container environment：支持非</a:t>
+            </a:r>
+            <a:r>
+              <a:rPr lang="en-US" altLang="zh-CN" dirty="0" smtClean="0"/>
+              <a:t>python</a:t>
+            </a:r>
+            <a:r>
+              <a:rPr lang="zh-CN" altLang="en-US" dirty="0" smtClean="0"/>
+              <a:t>依赖（如，</a:t>
+            </a:r>
+            <a:r>
+              <a:rPr lang="en-US" altLang="zh-CN" dirty="0" smtClean="0"/>
+              <a:t>java</a:t>
+            </a:r>
+            <a:r>
+              <a:rPr lang="zh-CN" altLang="en-US" dirty="0" smtClean="0"/>
+              <a:t>库）。</a:t>
+            </a:r>
+            <a:r>
+              <a:rPr lang="en-US" altLang="zh-CN" dirty="0" smtClean="0"/>
+              <a:t>mlflow</a:t>
+            </a:r>
+            <a:r>
+              <a:rPr lang="zh-CN" altLang="en-US" dirty="0" smtClean="0"/>
+              <a:t>会把代码打入指定的镜像中。必须有 MLprojec</a:t>
+            </a:r>
+            <a:r>
+              <a:rPr lang="en-US" altLang="zh-CN" dirty="0" smtClean="0"/>
+              <a:t>t</a:t>
+            </a:r>
+            <a:r>
+              <a:rPr lang="zh-CN" altLang="en-US" dirty="0" smtClean="0"/>
+              <a:t>文件。</a:t>
+            </a:r>
+            <a:endParaRPr lang="zh-CN" altLang="en-US" dirty="0" smtClean="0"/>
+          </a:p>
+          <a:p>
+            <a:pPr lvl="1">
+              <a:lnSpc>
+                <a:spcPct val="150000"/>
+              </a:lnSpc>
+            </a:pPr>
+            <a:r>
+              <a:rPr lang="zh-CN" altLang="en-US" dirty="0" smtClean="0"/>
+              <a:t>System environment：当前环境</a:t>
+            </a:r>
+            <a:endParaRPr lang="zh-CN" altLang="en-US" dirty="0" smtClean="0"/>
+          </a:p>
+        </p:txBody>
+      </p:sp>
+    </p:spTree>
+  </p:cSld>
+  <p:clrMapOvr>
+    <a:masterClrMapping/>
+  </p:clrMapOvr>
+  <p:timing>
+    <p:tnLst>
+      <p:par>
+        <p:cTn id="1" dur="indefinite" restart="never" nodeType="tmRoot"/>
+      </p:par>
+    </p:tnLst>
+  </p:timing>
+</p:sld>
+</file>
+
+<file path=ppt/slides/slide13.xml><?xml version="1.0" encoding="utf-8"?>
+<p:sld xmlns:a="http://schemas.openxmlformats.org/drawingml/2006/main" xmlns:r="http://schemas.openxmlformats.org/officeDocument/2006/relationships" xmlns:p="http://schemas.openxmlformats.org/presentationml/2006/main">
+  <p:cSld>
+    <p:spTree>
+      <p:nvGrpSpPr>
+        <p:cNvPr id="1" name=""/>
+        <p:cNvGrpSpPr/>
+        <p:nvPr/>
+      </p:nvGrpSpPr>
+      <p:grpSpPr>
+        <a:xfrm>
+          <a:off x="0" y="0"/>
+          <a:ext cx="0" cy="0"/>
+          <a:chOff x="0" y="0"/>
+          <a:chExt cx="0" cy="0"/>
+        </a:xfrm>
+      </p:grpSpPr>
+      <p:sp>
+        <p:nvSpPr>
+          <p:cNvPr id="2" name="标题 1"/>
+          <p:cNvSpPr>
+            <a:spLocks noGrp="1"/>
+          </p:cNvSpPr>
+          <p:nvPr>
+            <p:ph type="title"/>
+          </p:nvPr>
+        </p:nvSpPr>
+        <p:spPr>
+          <a:xfrm>
+            <a:off x="1140351" y="263610"/>
+            <a:ext cx="9875520" cy="1356360"/>
+          </a:xfrm>
+        </p:spPr>
+        <p:txBody>
+          <a:bodyPr/>
+          <a:lstStyle/>
+          <a:p>
+            <a:r>
+              <a:rPr lang="zh-CN" altLang="en-US" dirty="0" err="1" smtClean="0"/>
+              <a:t>工程目录</a:t>
+            </a:r>
+            <a:endParaRPr lang="zh-CN" altLang="en-US" dirty="0" err="1" smtClean="0"/>
+          </a:p>
+        </p:txBody>
+      </p:sp>
+      <p:sp>
+        <p:nvSpPr>
+          <p:cNvPr id="3" name="内容占位符 2"/>
+          <p:cNvSpPr>
+            <a:spLocks noGrp="1"/>
+          </p:cNvSpPr>
+          <p:nvPr>
+            <p:ph idx="1"/>
+          </p:nvPr>
+        </p:nvSpPr>
+        <p:spPr>
+          <a:xfrm>
+            <a:off x="1143000" y="1499286"/>
+            <a:ext cx="9872871" cy="4596714"/>
+          </a:xfrm>
+        </p:spPr>
+        <p:txBody>
+          <a:bodyPr>
+            <a:normAutofit/>
+          </a:bodyPr>
+          <a:lstStyle/>
+          <a:p>
+            <a:pPr>
+              <a:lnSpc>
+                <a:spcPct val="150000"/>
+              </a:lnSpc>
+            </a:pPr>
+            <a:r>
+              <a:rPr lang="zh-CN" altLang="en-US" dirty="0" smtClean="0"/>
+              <a:t>运行不包含MLproject文件的目录或者仓库时，</a:t>
+            </a:r>
+            <a:r>
+              <a:rPr lang="en-US" altLang="zh-CN" dirty="0" smtClean="0"/>
+              <a:t>Mlflow</a:t>
+            </a:r>
+            <a:r>
+              <a:rPr lang="zh-CN" altLang="en-US" dirty="0" smtClean="0"/>
+              <a:t>利用下面的规范检测工程属性：</a:t>
+            </a:r>
+            <a:endParaRPr lang="zh-CN" altLang="en-US" dirty="0" smtClean="0"/>
+          </a:p>
+          <a:p>
+            <a:pPr lvl="1">
+              <a:lnSpc>
+                <a:spcPct val="150000"/>
+              </a:lnSpc>
+            </a:pPr>
+            <a:r>
+              <a:rPr lang="zh-CN" altLang="en-US" dirty="0" smtClean="0">
+                <a:sym typeface="+mn-ea"/>
+              </a:rPr>
+              <a:t>Name：目录名称</a:t>
+            </a:r>
+            <a:r>
+              <a:rPr lang="zh-CN" altLang="en-US" dirty="0" smtClean="0"/>
+              <a:t>。</a:t>
+            </a:r>
+            <a:endParaRPr lang="zh-CN" altLang="en-US" dirty="0" smtClean="0"/>
+          </a:p>
+          <a:p>
+            <a:pPr lvl="1">
+              <a:lnSpc>
+                <a:spcPct val="150000"/>
+              </a:lnSpc>
+            </a:pPr>
+            <a:r>
+              <a:rPr lang="zh-CN" altLang="en-US" dirty="0" smtClean="0">
+                <a:sym typeface="+mn-ea"/>
+              </a:rPr>
+              <a:t>Entry Points：任意的</a:t>
+            </a:r>
+            <a:r>
+              <a:rPr lang="en-US" altLang="zh-CN" dirty="0" smtClean="0">
+                <a:sym typeface="+mn-ea"/>
+              </a:rPr>
+              <a:t>.py</a:t>
+            </a:r>
+            <a:r>
+              <a:rPr lang="zh-CN" altLang="en-US" dirty="0" smtClean="0">
+                <a:sym typeface="+mn-ea"/>
+              </a:rPr>
+              <a:t>或者</a:t>
+            </a:r>
+            <a:r>
+              <a:rPr lang="en-US" altLang="zh-CN" dirty="0" smtClean="0">
+                <a:sym typeface="+mn-ea"/>
+              </a:rPr>
+              <a:t>.sh</a:t>
+            </a:r>
+            <a:r>
+              <a:rPr lang="zh-CN" altLang="en-US" dirty="0" smtClean="0">
+                <a:sym typeface="+mn-ea"/>
+              </a:rPr>
+              <a:t>文件</a:t>
+            </a:r>
+            <a:r>
+              <a:rPr lang="zh-CN" altLang="en-US" dirty="0" smtClean="0"/>
+              <a:t>。默认不包含任何参数，可以在运行时指定。</a:t>
+            </a:r>
+            <a:endParaRPr lang="zh-CN" altLang="en-US" dirty="0" smtClean="0"/>
+          </a:p>
+          <a:p>
+            <a:pPr lvl="1">
+              <a:lnSpc>
+                <a:spcPct val="150000"/>
+              </a:lnSpc>
+            </a:pPr>
+            <a:r>
+              <a:rPr lang="zh-CN" altLang="en-US" dirty="0" smtClean="0">
+                <a:sym typeface="+mn-ea"/>
+              </a:rPr>
+              <a:t>Environment</a:t>
+            </a:r>
+            <a:r>
+              <a:rPr lang="zh-CN" altLang="en-US" dirty="0" smtClean="0"/>
+              <a:t>：</a:t>
+            </a:r>
+            <a:r>
+              <a:rPr lang="en-US" altLang="zh-CN" dirty="0" smtClean="0"/>
+              <a:t>conda</a:t>
+            </a:r>
+            <a:r>
+              <a:rPr lang="zh-CN" altLang="en-US" dirty="0" smtClean="0"/>
+              <a:t>环境通过conda.yaml指定。如果没有该文件</a:t>
+            </a:r>
+            <a:r>
+              <a:rPr lang="en-US" altLang="zh-CN" dirty="0" smtClean="0"/>
+              <a:t>mlflow</a:t>
+            </a:r>
+            <a:r>
+              <a:rPr lang="zh-CN" altLang="en-US" dirty="0" smtClean="0"/>
+              <a:t>使用一个只包含</a:t>
+            </a:r>
+            <a:r>
+              <a:rPr lang="en-US" altLang="zh-CN" dirty="0" smtClean="0"/>
+              <a:t>python</a:t>
+            </a:r>
+            <a:r>
+              <a:rPr lang="zh-CN" altLang="en-US" dirty="0" smtClean="0"/>
+              <a:t>的</a:t>
+            </a:r>
+            <a:r>
+              <a:rPr lang="en-US" altLang="zh-CN" dirty="0" smtClean="0"/>
+              <a:t>conda</a:t>
+            </a:r>
+            <a:r>
+              <a:rPr lang="zh-CN" altLang="en-US" dirty="0" smtClean="0"/>
+              <a:t>环境运行。</a:t>
+            </a:r>
+            <a:endParaRPr lang="zh-CN" altLang="en-US" dirty="0" smtClean="0"/>
+          </a:p>
+        </p:txBody>
+      </p:sp>
+    </p:spTree>
+  </p:cSld>
+  <p:clrMapOvr>
+    <a:masterClrMapping/>
+  </p:clrMapOvr>
+  <p:timing>
+    <p:tnLst>
+      <p:par>
+        <p:cTn id="1" dur="indefinite" restart="never" nodeType="tmRoot"/>
+      </p:par>
+    </p:tnLst>
+  </p:timing>
+</p:sld>
+</file>
+
+<file path=ppt/slides/slide14.xml><?xml version="1.0" encoding="utf-8"?>
+<p:sld xmlns:a="http://schemas.openxmlformats.org/drawingml/2006/main" xmlns:r="http://schemas.openxmlformats.org/officeDocument/2006/relationships" xmlns:p="http://schemas.openxmlformats.org/presentationml/2006/main">
+  <p:cSld>
+    <p:spTree>
+      <p:nvGrpSpPr>
+        <p:cNvPr id="1" name=""/>
+        <p:cNvGrpSpPr/>
+        <p:nvPr/>
+      </p:nvGrpSpPr>
+      <p:grpSpPr>
+        <a:xfrm>
+          <a:off x="0" y="0"/>
+          <a:ext cx="0" cy="0"/>
+          <a:chOff x="0" y="0"/>
+          <a:chExt cx="0" cy="0"/>
+        </a:xfrm>
+      </p:grpSpPr>
+      <p:pic>
+        <p:nvPicPr>
+          <p:cNvPr id="5" name="内容占位符 4"/>
+          <p:cNvPicPr>
+            <a:picLocks noChangeAspect="1"/>
+          </p:cNvPicPr>
+          <p:nvPr>
+            <p:ph idx="1"/>
+          </p:nvPr>
+        </p:nvPicPr>
+        <p:blipFill>
+          <a:blip r:embed="rId1"/>
+          <a:stretch>
+            <a:fillRect/>
+          </a:stretch>
+        </p:blipFill>
+        <p:spPr>
+          <a:xfrm>
+            <a:off x="1140460" y="1439545"/>
+            <a:ext cx="6197600" cy="4216400"/>
+          </a:xfrm>
+          <a:prstGeom prst="rect">
+            <a:avLst/>
+          </a:prstGeom>
+        </p:spPr>
+      </p:pic>
+      <p:sp>
+        <p:nvSpPr>
+          <p:cNvPr id="2" name="标题 1"/>
+          <p:cNvSpPr>
+            <a:spLocks noGrp="1"/>
+          </p:cNvSpPr>
+          <p:nvPr>
+            <p:ph type="title"/>
+          </p:nvPr>
+        </p:nvSpPr>
+        <p:spPr>
+          <a:xfrm>
+            <a:off x="1140351" y="263610"/>
+            <a:ext cx="9875520" cy="1356360"/>
+          </a:xfrm>
+        </p:spPr>
+        <p:txBody>
+          <a:bodyPr/>
+          <a:lstStyle/>
+          <a:p>
+            <a:r>
+              <a:rPr lang="zh-CN" altLang="en-US" dirty="0" err="1" smtClean="0"/>
+              <a:t>MLproject文件</a:t>
+            </a:r>
+            <a:endParaRPr lang="zh-CN" altLang="en-US" dirty="0" err="1" smtClean="0"/>
+          </a:p>
+        </p:txBody>
+      </p:sp>
+      <p:sp>
+        <p:nvSpPr>
+          <p:cNvPr id="7" name="文本框 6"/>
+          <p:cNvSpPr txBox="1"/>
+          <p:nvPr/>
+        </p:nvSpPr>
+        <p:spPr>
+          <a:xfrm>
+            <a:off x="7470140" y="1439545"/>
+            <a:ext cx="4063365" cy="1383665"/>
+          </a:xfrm>
+          <a:prstGeom prst="rect">
+            <a:avLst/>
+          </a:prstGeom>
+          <a:noFill/>
+        </p:spPr>
+        <p:txBody>
+          <a:bodyPr wrap="square" rtlCol="0">
+            <a:spAutoFit/>
+          </a:bodyPr>
+          <a:p>
+            <a:pPr marL="285750" indent="-285750">
+              <a:buFont typeface="Arial" panose="020B0604020202090204" pitchFamily="34" charset="0"/>
+              <a:buChar char="•"/>
+            </a:pPr>
+            <a:r>
+              <a:rPr lang="zh-CN" altLang="en-US" dirty="0" smtClean="0">
+                <a:solidFill>
+                  <a:schemeClr val="accent1"/>
+                </a:solidFill>
+              </a:rPr>
+              <a:t>yaml格式</a:t>
+            </a:r>
+            <a:endParaRPr lang="zh-CN" altLang="en-US" dirty="0" smtClean="0">
+              <a:solidFill>
+                <a:schemeClr val="accent1"/>
+              </a:solidFill>
+            </a:endParaRPr>
+          </a:p>
+          <a:p>
+            <a:pPr marL="285750" indent="-285750">
+              <a:buFont typeface="Arial" panose="020B0604020202090204" pitchFamily="34" charset="0"/>
+              <a:buChar char="•"/>
+            </a:pPr>
+            <a:r>
+              <a:rPr lang="zh-CN" altLang="en-US" dirty="0" smtClean="0">
+                <a:solidFill>
+                  <a:schemeClr val="accent1"/>
+                </a:solidFill>
+              </a:rPr>
+              <a:t>位于工程根目录下</a:t>
+            </a:r>
+            <a:endParaRPr lang="zh-CN" altLang="en-US" dirty="0" smtClean="0">
+              <a:solidFill>
+                <a:schemeClr val="accent1"/>
+              </a:solidFill>
+            </a:endParaRPr>
+          </a:p>
+          <a:p>
+            <a:pPr lvl="1" indent="0">
+              <a:buFont typeface="Arial" panose="020B0604020202090204" pitchFamily="34" charset="0"/>
+              <a:buNone/>
+            </a:pPr>
+            <a:endParaRPr lang="zh-CN" altLang="en-US" sz="1600" dirty="0" smtClean="0">
+              <a:solidFill>
+                <a:schemeClr val="accent1"/>
+              </a:solidFill>
+            </a:endParaRPr>
+          </a:p>
+          <a:p>
+            <a:pPr lvl="1" indent="0">
+              <a:buFont typeface="Arial" panose="020B0604020202090204" pitchFamily="34" charset="0"/>
+              <a:buNone/>
+            </a:pPr>
+            <a:endParaRPr lang="zh-CN" altLang="en-US" sz="1600" dirty="0" smtClean="0">
+              <a:solidFill>
+                <a:schemeClr val="accent1"/>
+              </a:solidFill>
+            </a:endParaRPr>
+          </a:p>
+          <a:p>
+            <a:pPr marL="285750" indent="-285750">
+              <a:buFont typeface="Arial" panose="020B0604020202090204" pitchFamily="34" charset="0"/>
+              <a:buChar char="•"/>
+            </a:pPr>
+            <a:endParaRPr lang="zh-CN" altLang="en-US" sz="1600"/>
+          </a:p>
+        </p:txBody>
+      </p:sp>
+    </p:spTree>
+  </p:cSld>
+  <p:clrMapOvr>
+    <a:masterClrMapping/>
+  </p:clrMapOvr>
+  <p:timing>
+    <p:tnLst>
+      <p:par>
+        <p:cTn id="1" dur="indefinite" restart="never" nodeType="tmRoot"/>
+      </p:par>
+    </p:tnLst>
+  </p:timing>
+</p:sld>
+</file>
+
+<file path=ppt/slides/slide15.xml><?xml version="1.0" encoding="utf-8"?>
+<p:sld xmlns:a="http://schemas.openxmlformats.org/drawingml/2006/main" xmlns:r="http://schemas.openxmlformats.org/officeDocument/2006/relationships" xmlns:p="http://schemas.openxmlformats.org/presentationml/2006/main">
+  <p:cSld>
+    <p:spTree>
+      <p:nvGrpSpPr>
+        <p:cNvPr id="1" name=""/>
+        <p:cNvGrpSpPr/>
+        <p:nvPr/>
+      </p:nvGrpSpPr>
+      <p:grpSpPr>
+        <a:xfrm>
+          <a:off x="0" y="0"/>
+          <a:ext cx="0" cy="0"/>
+          <a:chOff x="0" y="0"/>
+          <a:chExt cx="0" cy="0"/>
+        </a:xfrm>
+      </p:grpSpPr>
+      <p:sp>
+        <p:nvSpPr>
+          <p:cNvPr id="3" name="内容占位符 2"/>
+          <p:cNvSpPr>
+            <a:spLocks noGrp="1"/>
+          </p:cNvSpPr>
+          <p:nvPr>
+            <p:ph idx="1"/>
+          </p:nvPr>
+        </p:nvSpPr>
+        <p:spPr>
+          <a:xfrm>
+            <a:off x="1159510" y="958266"/>
+            <a:ext cx="9872871" cy="4596714"/>
+          </a:xfrm>
+        </p:spPr>
+        <p:txBody>
+          <a:bodyPr>
+            <a:normAutofit/>
+          </a:bodyPr>
+          <a:lstStyle/>
+          <a:p>
+            <a:pPr marL="285750" indent="-285750">
+              <a:buFont typeface="Arial" panose="020B0604020202090204" pitchFamily="34" charset="0"/>
+              <a:buChar char="•"/>
+            </a:pPr>
+            <a:r>
+              <a:rPr lang="zh-CN" altLang="en-US" sz="2200" dirty="0" smtClean="0">
+                <a:sym typeface="+mn-ea"/>
+              </a:rPr>
+              <a:t>指定环境：</a:t>
+            </a:r>
+            <a:endParaRPr lang="zh-CN" altLang="en-US" sz="2200" dirty="0" smtClean="0">
+              <a:solidFill>
+                <a:schemeClr val="accent1"/>
+              </a:solidFill>
+            </a:endParaRPr>
+          </a:p>
+          <a:p>
+            <a:pPr marL="742950" lvl="1" indent="-285750">
+              <a:buFont typeface="Arial" panose="020B0604020202090204" pitchFamily="34" charset="0"/>
+              <a:buChar char="•"/>
+            </a:pPr>
+            <a:r>
+              <a:rPr lang="en-US" altLang="zh-CN" sz="2200" dirty="0" smtClean="0">
+                <a:sym typeface="+mn-ea"/>
+              </a:rPr>
+              <a:t>conda</a:t>
+            </a:r>
+            <a:endParaRPr lang="en-US" altLang="zh-CN" sz="2200" dirty="0" smtClean="0">
+              <a:solidFill>
+                <a:schemeClr val="accent1"/>
+              </a:solidFill>
+            </a:endParaRPr>
+          </a:p>
+          <a:p>
+            <a:pPr lvl="1" indent="0">
+              <a:buFont typeface="Arial" panose="020B0604020202090204" pitchFamily="34" charset="0"/>
+              <a:buNone/>
+            </a:pPr>
+            <a:r>
+              <a:rPr lang="en-US" altLang="zh-CN" sz="2200" dirty="0" smtClean="0">
+                <a:sym typeface="+mn-ea"/>
+              </a:rPr>
+              <a:t> </a:t>
+            </a:r>
+            <a:endParaRPr lang="en-US" altLang="zh-CN" sz="2200" dirty="0" smtClean="0">
+              <a:solidFill>
+                <a:schemeClr val="accent1"/>
+              </a:solidFill>
+            </a:endParaRPr>
+          </a:p>
+          <a:p>
+            <a:pPr marL="742950" lvl="1" indent="-285750">
+              <a:buFont typeface="Arial" panose="020B0604020202090204" pitchFamily="34" charset="0"/>
+              <a:buChar char="•"/>
+            </a:pPr>
+            <a:r>
+              <a:rPr lang="en-US" altLang="zh-CN" sz="2200" dirty="0" smtClean="0">
+                <a:sym typeface="+mn-ea"/>
+              </a:rPr>
+              <a:t>docker</a:t>
+            </a:r>
+            <a:endParaRPr lang="en-US" altLang="zh-CN" sz="2200" dirty="0" smtClean="0">
+              <a:solidFill>
+                <a:schemeClr val="accent1"/>
+              </a:solidFill>
+            </a:endParaRPr>
+          </a:p>
+          <a:p>
+            <a:pPr>
+              <a:lnSpc>
+                <a:spcPct val="150000"/>
+              </a:lnSpc>
+            </a:pPr>
+            <a:endParaRPr lang="zh-CN" altLang="en-US" dirty="0" smtClean="0"/>
+          </a:p>
+          <a:p>
+            <a:pPr>
+              <a:lnSpc>
+                <a:spcPct val="150000"/>
+              </a:lnSpc>
+            </a:pPr>
+            <a:endParaRPr lang="zh-CN" altLang="en-US" dirty="0" smtClean="0"/>
+          </a:p>
+          <a:p>
+            <a:pPr>
+              <a:lnSpc>
+                <a:spcPct val="150000"/>
+              </a:lnSpc>
+            </a:pPr>
+            <a:r>
+              <a:rPr lang="zh-CN" altLang="en-US" dirty="0" smtClean="0"/>
+              <a:t>指定参数：</a:t>
+            </a:r>
+            <a:endParaRPr lang="zh-CN" altLang="en-US" dirty="0" smtClean="0"/>
+          </a:p>
+        </p:txBody>
+      </p:sp>
+      <p:pic>
+        <p:nvPicPr>
+          <p:cNvPr id="8" name="图片 7"/>
+          <p:cNvPicPr>
+            <a:picLocks noChangeAspect="1"/>
+          </p:cNvPicPr>
+          <p:nvPr/>
+        </p:nvPicPr>
+        <p:blipFill>
+          <a:blip r:embed="rId1"/>
+          <a:stretch>
+            <a:fillRect/>
+          </a:stretch>
+        </p:blipFill>
+        <p:spPr>
+          <a:xfrm>
+            <a:off x="3006725" y="1699895"/>
+            <a:ext cx="4533900" cy="292100"/>
+          </a:xfrm>
+          <a:prstGeom prst="rect">
+            <a:avLst/>
+          </a:prstGeom>
+        </p:spPr>
+      </p:pic>
+      <p:pic>
+        <p:nvPicPr>
+          <p:cNvPr id="9" name="图片 8"/>
+          <p:cNvPicPr>
+            <a:picLocks noChangeAspect="1"/>
+          </p:cNvPicPr>
+          <p:nvPr/>
+        </p:nvPicPr>
+        <p:blipFill>
+          <a:blip r:embed="rId2"/>
+          <a:stretch>
+            <a:fillRect/>
+          </a:stretch>
+        </p:blipFill>
+        <p:spPr>
+          <a:xfrm>
+            <a:off x="3006725" y="2426970"/>
+            <a:ext cx="8357235" cy="1092200"/>
+          </a:xfrm>
+          <a:prstGeom prst="rect">
+            <a:avLst/>
+          </a:prstGeom>
+        </p:spPr>
+      </p:pic>
+      <p:pic>
+        <p:nvPicPr>
+          <p:cNvPr id="2" name="图片 1"/>
+          <p:cNvPicPr>
+            <a:picLocks noChangeAspect="1"/>
+          </p:cNvPicPr>
+          <p:nvPr/>
+        </p:nvPicPr>
+        <p:blipFill>
+          <a:blip r:embed="rId3"/>
+          <a:stretch>
+            <a:fillRect/>
+          </a:stretch>
+        </p:blipFill>
+        <p:spPr>
+          <a:xfrm>
+            <a:off x="3006725" y="4090670"/>
+            <a:ext cx="2565400" cy="393700"/>
+          </a:xfrm>
+          <a:prstGeom prst="rect">
+            <a:avLst/>
+          </a:prstGeom>
+        </p:spPr>
+      </p:pic>
+      <p:pic>
+        <p:nvPicPr>
+          <p:cNvPr id="4" name="图片 3"/>
+          <p:cNvPicPr>
+            <a:picLocks noChangeAspect="1"/>
+          </p:cNvPicPr>
+          <p:nvPr/>
+        </p:nvPicPr>
+        <p:blipFill>
+          <a:blip r:embed="rId4"/>
+          <a:stretch>
+            <a:fillRect/>
+          </a:stretch>
+        </p:blipFill>
+        <p:spPr>
+          <a:xfrm>
+            <a:off x="3006725" y="4780280"/>
+            <a:ext cx="6439535" cy="1295400"/>
+          </a:xfrm>
+          <a:prstGeom prst="rect">
+            <a:avLst/>
+          </a:prstGeom>
+        </p:spPr>
+      </p:pic>
+    </p:spTree>
+  </p:cSld>
+  <p:clrMapOvr>
+    <a:masterClrMapping/>
+  </p:clrMapOvr>
+  <p:timing>
+    <p:tnLst>
+      <p:par>
+        <p:cTn id="1" dur="indefinite" restart="never" nodeType="tmRoot"/>
+      </p:par>
+    </p:tnLst>
+  </p:timing>
+</p:sld>
+</file>
+
+<file path=ppt/slides/slide16.xml><?xml version="1.0" encoding="utf-8"?>
+<p:sld xmlns:a="http://schemas.openxmlformats.org/drawingml/2006/main" xmlns:r="http://schemas.openxmlformats.org/officeDocument/2006/relationships" xmlns:p="http://schemas.openxmlformats.org/presentationml/2006/main">
+  <p:cSld>
+    <p:spTree>
+      <p:nvGrpSpPr>
+        <p:cNvPr id="1" name=""/>
+        <p:cNvGrpSpPr/>
+        <p:nvPr/>
+      </p:nvGrpSpPr>
+      <p:grpSpPr>
+        <a:xfrm>
+          <a:off x="0" y="0"/>
+          <a:ext cx="0" cy="0"/>
+          <a:chOff x="0" y="0"/>
+          <a:chExt cx="0" cy="0"/>
+        </a:xfrm>
+      </p:grpSpPr>
+      <p:sp>
+        <p:nvSpPr>
+          <p:cNvPr id="2" name="标题 1"/>
+          <p:cNvSpPr>
+            <a:spLocks noGrp="1"/>
+          </p:cNvSpPr>
+          <p:nvPr>
+            <p:ph type="title"/>
+          </p:nvPr>
+        </p:nvSpPr>
+        <p:spPr>
+          <a:xfrm>
+            <a:off x="1140351" y="263610"/>
+            <a:ext cx="9875520" cy="1356360"/>
+          </a:xfrm>
+        </p:spPr>
+        <p:txBody>
+          <a:bodyPr/>
+          <a:lstStyle/>
+          <a:p>
+            <a:r>
+              <a:rPr lang="zh-CN" altLang="en-US" dirty="0" err="1" smtClean="0"/>
+              <a:t>运行工程</a:t>
+            </a:r>
+            <a:endParaRPr lang="zh-CN" altLang="en-US" dirty="0" err="1" smtClean="0"/>
+          </a:p>
+        </p:txBody>
+      </p:sp>
+      <p:sp>
+        <p:nvSpPr>
+          <p:cNvPr id="3" name="内容占位符 2"/>
+          <p:cNvSpPr>
+            <a:spLocks noGrp="1"/>
+          </p:cNvSpPr>
+          <p:nvPr>
+            <p:ph idx="1"/>
+          </p:nvPr>
+        </p:nvSpPr>
+        <p:spPr>
+          <a:xfrm>
+            <a:off x="1143000" y="1499286"/>
+            <a:ext cx="9872871" cy="4596714"/>
+          </a:xfrm>
+        </p:spPr>
+        <p:txBody>
+          <a:bodyPr>
+            <a:normAutofit/>
+          </a:bodyPr>
+          <a:lstStyle/>
+          <a:p>
+            <a:pPr>
+              <a:lnSpc>
+                <a:spcPct val="150000"/>
+              </a:lnSpc>
+            </a:pPr>
+            <a:r>
+              <a:rPr lang="zh-CN" altLang="en-US" dirty="0" smtClean="0"/>
+              <a:t>两种方式运行</a:t>
+            </a:r>
+            <a:endParaRPr lang="zh-CN" altLang="en-US" dirty="0" smtClean="0"/>
+          </a:p>
+          <a:p>
+            <a:pPr lvl="1">
+              <a:lnSpc>
+                <a:spcPct val="150000"/>
+              </a:lnSpc>
+            </a:pPr>
+            <a:r>
+              <a:rPr lang="zh-CN" altLang="en-US" dirty="0" smtClean="0"/>
+              <a:t>命令行：mlflow run</a:t>
+            </a:r>
+            <a:endParaRPr lang="zh-CN" altLang="en-US" dirty="0" smtClean="0"/>
+          </a:p>
+          <a:p>
+            <a:pPr lvl="1">
+              <a:lnSpc>
+                <a:spcPct val="150000"/>
+              </a:lnSpc>
+            </a:pPr>
+            <a:r>
+              <a:rPr lang="zh-CN" altLang="en-US" dirty="0" smtClean="0"/>
+              <a:t>Python API：mlflow.projects.run()</a:t>
+            </a:r>
+            <a:endParaRPr lang="zh-CN" altLang="en-US" dirty="0" smtClean="0"/>
+          </a:p>
+        </p:txBody>
+      </p:sp>
+    </p:spTree>
+  </p:cSld>
+  <p:clrMapOvr>
+    <a:masterClrMapping/>
+  </p:clrMapOvr>
+  <p:timing>
+    <p:tnLst>
+      <p:par>
+        <p:cTn id="1" dur="indefinite" restart="never" nodeType="tmRoot"/>
+      </p:par>
+    </p:tnLst>
+  </p:timing>
+</p:sld>
+</file>
+
+<file path=ppt/slides/slide17.xml><?xml version="1.0" encoding="utf-8"?>
+<p:sld xmlns:a="http://schemas.openxmlformats.org/drawingml/2006/main" xmlns:r="http://schemas.openxmlformats.org/officeDocument/2006/relationships" xmlns:p="http://schemas.openxmlformats.org/presentationml/2006/main">
+  <p:cSld>
+    <p:spTree>
+      <p:nvGrpSpPr>
+        <p:cNvPr id="1" name=""/>
+        <p:cNvGrpSpPr/>
+        <p:nvPr/>
+      </p:nvGrpSpPr>
+      <p:grpSpPr>
+        <a:xfrm>
+          <a:off x="0" y="0"/>
+          <a:ext cx="0" cy="0"/>
+          <a:chOff x="0" y="0"/>
+          <a:chExt cx="0" cy="0"/>
+        </a:xfrm>
+      </p:grpSpPr>
+      <p:sp>
+        <p:nvSpPr>
+          <p:cNvPr id="2" name="标题 1"/>
+          <p:cNvSpPr>
+            <a:spLocks noGrp="1"/>
+          </p:cNvSpPr>
+          <p:nvPr>
+            <p:ph type="title"/>
+          </p:nvPr>
+        </p:nvSpPr>
+        <p:spPr/>
+        <p:txBody>
+          <a:bodyPr/>
+          <a:lstStyle/>
+          <a:p>
+            <a:r>
+              <a:rPr lang="zh-CN" altLang="en-US" cap="none" dirty="0" err="1"/>
+              <a:t>示例</a:t>
+            </a:r>
+            <a:endParaRPr lang="zh-CN" altLang="en-US" cap="none" dirty="0" err="1"/>
+          </a:p>
+        </p:txBody>
+      </p:sp>
+    </p:spTree>
   </p:cSld>
   <p:clrMapOvr>
     <a:masterClrMapping/>
@@ -3676,11 +5024,6 @@
         </p:txBody>
       </p:sp>
     </p:spTree>
-    <p:extLst>
-      <p:ext uri="{BB962C8B-B14F-4D97-AF65-F5344CB8AC3E}">
-        <p14:creationId xmlns:p14="http://schemas.microsoft.com/office/powerpoint/2010/main" val="2564487641"/>
-      </p:ext>
-    </p:extLst>
   </p:cSld>
   <p:clrMapOvr>
     <a:masterClrMapping/>
@@ -3740,11 +5083,6 @@
         </p:txBody>
       </p:sp>
     </p:spTree>
-    <p:extLst>
-      <p:ext uri="{BB962C8B-B14F-4D97-AF65-F5344CB8AC3E}">
-        <p14:creationId xmlns:p14="http://schemas.microsoft.com/office/powerpoint/2010/main" val="944379152"/>
-      </p:ext>
-    </p:extLst>
   </p:cSld>
   <p:clrMapOvr>
     <a:masterClrMapping/>
@@ -3960,11 +5298,6 @@
         </p:txBody>
       </p:sp>
     </p:spTree>
-    <p:extLst>
-      <p:ext uri="{BB962C8B-B14F-4D97-AF65-F5344CB8AC3E}">
-        <p14:creationId xmlns:p14="http://schemas.microsoft.com/office/powerpoint/2010/main" val="3219654406"/>
-      </p:ext>
-    </p:extLst>
   </p:cSld>
   <p:clrMapOvr>
     <a:masterClrMapping/>
@@ -4032,44 +5365,39 @@
           </p:cNvGraphicFramePr>
           <p:nvPr>
             <p:ph idx="1"/>
-            <p:extLst>
-              <p:ext uri="{D42A27DB-BD31-4B8C-83A1-F6EECF244321}">
-                <p14:modId xmlns:p14="http://schemas.microsoft.com/office/powerpoint/2010/main" val="4281305590"/>
-              </p:ext>
-            </p:extLst>
           </p:nvPr>
         </p:nvGraphicFramePr>
         <p:xfrm>
-          <a:off x="2052940" y="1746422"/>
-          <a:ext cx="8391924" cy="4596240"/>
+          <a:off x="3446965" y="2773272"/>
+          <a:ext cx="5603875" cy="2542540"/>
         </p:xfrm>
         <a:graphic>
           <a:graphicData uri="http://schemas.openxmlformats.org/presentationml/2006/ole">
             <mc:AlternateContent xmlns:mc="http://schemas.openxmlformats.org/markup-compatibility/2006">
               <mc:Choice xmlns:v="urn:schemas-microsoft-com:vml" Requires="v">
-                <p:oleObj spid="_x0000_s1055" name="文档" r:id="rId3" imgW="8621695" imgH="4721994" progId="Word.Document.12">
+                <p:oleObj spid="_x0000_s1055" name="文档" r:id="rId1" imgW="5765800" imgH="2616200" progId="Word.Document.12">
                   <p:embed/>
                 </p:oleObj>
               </mc:Choice>
               <mc:Fallback>
-                <p:oleObj name="文档" r:id="rId3" imgW="8621695" imgH="4721994" progId="Word.Document.12">
+                <p:oleObj name="文档" r:id="rId1" imgW="5765800" imgH="2616200" progId="Word.Document.12">
                   <p:embed/>
                   <p:pic>
                     <p:nvPicPr>
-                      <p:cNvPr id="0" name=""/>
+                      <p:cNvPr id="0" name="图片 1054"/>
                       <p:cNvPicPr/>
                       <p:nvPr/>
                     </p:nvPicPr>
                     <p:blipFill>
-                      <a:blip r:embed="rId4"/>
+                      <a:blip r:embed="rId2"/>
                       <a:stretch>
                         <a:fillRect/>
                       </a:stretch>
                     </p:blipFill>
                     <p:spPr>
                       <a:xfrm>
-                        <a:off x="2052940" y="1746422"/>
-                        <a:ext cx="8391924" cy="4596240"/>
+                        <a:off x="3446965" y="2773272"/>
+                        <a:ext cx="5603875" cy="2542540"/>
                       </a:xfrm>
                       <a:prstGeom prst="rect">
                         <a:avLst/>
@@ -4083,11 +5411,6 @@
         </a:graphic>
       </p:graphicFrame>
     </p:spTree>
-    <p:extLst>
-      <p:ext uri="{BB962C8B-B14F-4D97-AF65-F5344CB8AC3E}">
-        <p14:creationId xmlns:p14="http://schemas.microsoft.com/office/powerpoint/2010/main" val="597039133"/>
-      </p:ext>
-    </p:extLst>
   </p:cSld>
   <p:clrMapOvr>
     <a:masterClrMapping/>
@@ -4128,7 +5451,7 @@
           <p:nvPr/>
         </p:nvPicPr>
         <p:blipFill>
-          <a:blip r:embed="rId2"/>
+          <a:blip r:embed="rId1"/>
           <a:stretch>
             <a:fillRect/>
           </a:stretch>
@@ -4152,7 +5475,7 @@
           <p:nvPr/>
         </p:nvPicPr>
         <p:blipFill>
-          <a:blip r:embed="rId3"/>
+          <a:blip r:embed="rId2"/>
           <a:stretch>
             <a:fillRect/>
           </a:stretch>
@@ -4176,7 +5499,7 @@
           <p:nvPr/>
         </p:nvPicPr>
         <p:blipFill>
-          <a:blip r:embed="rId4"/>
+          <a:blip r:embed="rId3"/>
           <a:stretch>
             <a:fillRect/>
           </a:stretch>
@@ -4200,7 +5523,7 @@
           <p:nvPr/>
         </p:nvPicPr>
         <p:blipFill>
-          <a:blip r:embed="rId5"/>
+          <a:blip r:embed="rId4"/>
           <a:stretch>
             <a:fillRect/>
           </a:stretch>
@@ -4224,7 +5547,7 @@
           <p:nvPr/>
         </p:nvPicPr>
         <p:blipFill>
-          <a:blip r:embed="rId6"/>
+          <a:blip r:embed="rId5"/>
           <a:stretch>
             <a:fillRect/>
           </a:stretch>
@@ -4248,7 +5571,7 @@
           <p:nvPr/>
         </p:nvPicPr>
         <p:blipFill>
-          <a:blip r:embed="rId7"/>
+          <a:blip r:embed="rId6"/>
           <a:stretch>
             <a:fillRect/>
           </a:stretch>
@@ -4272,7 +5595,7 @@
           <p:nvPr/>
         </p:nvPicPr>
         <p:blipFill>
-          <a:blip r:embed="rId8"/>
+          <a:blip r:embed="rId7"/>
           <a:stretch>
             <a:fillRect/>
           </a:stretch>
@@ -4288,11 +5611,6 @@
         </p:spPr>
       </p:pic>
     </p:spTree>
-    <p:extLst>
-      <p:ext uri="{BB962C8B-B14F-4D97-AF65-F5344CB8AC3E}">
-        <p14:creationId xmlns:p14="http://schemas.microsoft.com/office/powerpoint/2010/main" val="3205686764"/>
-      </p:ext>
-    </p:extLst>
   </p:cSld>
   <p:clrMapOvr>
     <a:masterClrMapping/>
@@ -4671,7 +5989,7 @@
           <p:nvPr/>
         </p:nvPicPr>
         <p:blipFill>
-          <a:blip r:embed="rId2"/>
+          <a:blip r:embed="rId1"/>
           <a:stretch>
             <a:fillRect/>
           </a:stretch>
@@ -4695,7 +6013,7 @@
           <p:nvPr/>
         </p:nvPicPr>
         <p:blipFill>
-          <a:blip r:embed="rId3"/>
+          <a:blip r:embed="rId2"/>
           <a:stretch>
             <a:fillRect/>
           </a:stretch>
@@ -4719,7 +6037,7 @@
           <p:nvPr/>
         </p:nvPicPr>
         <p:blipFill>
-          <a:blip r:embed="rId4"/>
+          <a:blip r:embed="rId3"/>
           <a:stretch>
             <a:fillRect/>
           </a:stretch>
@@ -4743,7 +6061,7 @@
           <p:nvPr/>
         </p:nvPicPr>
         <p:blipFill>
-          <a:blip r:embed="rId5"/>
+          <a:blip r:embed="rId4"/>
           <a:stretch>
             <a:fillRect/>
           </a:stretch>
@@ -4759,11 +6077,6 @@
         </p:spPr>
       </p:pic>
     </p:spTree>
-    <p:extLst>
-      <p:ext uri="{BB962C8B-B14F-4D97-AF65-F5344CB8AC3E}">
-        <p14:creationId xmlns:p14="http://schemas.microsoft.com/office/powerpoint/2010/main" val="1480230693"/>
-      </p:ext>
-    </p:extLst>
   </p:cSld>
   <p:clrMapOvr>
     <a:masterClrMapping/>
@@ -5044,7 +6357,7 @@
         </p:spPr>
         <p:txBody>
           <a:bodyPr>
-            <a:normAutofit/>
+            <a:normAutofit lnSpcReduction="10000"/>
           </a:bodyPr>
           <a:lstStyle/>
           <a:p>
@@ -5161,7 +6474,33 @@
               <a:rPr lang="zh-CN" altLang="en-US" sz="1800" dirty="0" smtClean="0"/>
               <a:t>：</a:t>
             </a:r>
-            <a:endParaRPr lang="en-US" altLang="zh-CN" sz="1800" dirty="0" smtClean="0"/>
+            <a:r>
+              <a:rPr lang="en-US" altLang="zh-CN" sz="1800" dirty="0" smtClean="0">
+                <a:sym typeface="+mn-ea"/>
+              </a:rPr>
+              <a:t>key-value</a:t>
+            </a:r>
+            <a:r>
+              <a:rPr lang="zh-CN" altLang="en-US" sz="1800" dirty="0" smtClean="0">
+                <a:sym typeface="+mn-ea"/>
+              </a:rPr>
+              <a:t>形式的指标。运行过程中可以更新指标，例如，跟踪模型的损耗函数是如何收敛的。使用</a:t>
+            </a:r>
+            <a:r>
+              <a:rPr lang="en-US" altLang="zh-CN" sz="1800" dirty="0" smtClean="0">
+                <a:sym typeface="+mn-ea"/>
+              </a:rPr>
+              <a:t>Mlflow</a:t>
+            </a:r>
+            <a:r>
+              <a:rPr lang="zh-CN" altLang="en-US" sz="1800" dirty="0" smtClean="0">
+                <a:sym typeface="+mn-ea"/>
+              </a:rPr>
+              <a:t>记录、可视化指标的变化历史。</a:t>
+            </a:r>
+            <a:endParaRPr lang="zh-CN" altLang="en-US" sz="1800" dirty="0" smtClean="0">
+              <a:sym typeface="+mn-ea"/>
+            </a:endParaRPr>
           </a:p>
           <a:p>
             <a:pPr lvl="1">
@@ -5175,18 +6514,13 @@
             </a:r>
             <a:r>
               <a:rPr lang="zh-CN" altLang="en-US" sz="1800" dirty="0" smtClean="0"/>
-              <a:t>：任意形式的输出文件。</a:t>
-            </a:r>
-            <a:endParaRPr lang="en-US" altLang="zh-CN" sz="1800" dirty="0" smtClean="0"/>
+              <a:t>：任意形式的输出文件。比如，images (PNGs), models (pickled scikit-learn model), data files (Parquet file) as artifacts。</a:t>
+            </a:r>
+            <a:endParaRPr lang="zh-CN" altLang="en-US" sz="1800" dirty="0" smtClean="0"/>
           </a:p>
         </p:txBody>
       </p:sp>
     </p:spTree>
-    <p:extLst>
-      <p:ext uri="{BB962C8B-B14F-4D97-AF65-F5344CB8AC3E}">
-        <p14:creationId xmlns:p14="http://schemas.microsoft.com/office/powerpoint/2010/main" val="3236517396"/>
-      </p:ext>
-    </p:extLst>
   </p:cSld>
   <p:clrMapOvr>
     <a:masterClrMapping/>
@@ -5246,11 +6580,6 @@
         </p:txBody>
       </p:sp>
     </p:spTree>
-    <p:extLst>
-      <p:ext uri="{BB962C8B-B14F-4D97-AF65-F5344CB8AC3E}">
-        <p14:creationId xmlns:p14="http://schemas.microsoft.com/office/powerpoint/2010/main" val="4064053507"/>
-      </p:ext>
-    </p:extLst>
   </p:cSld>
   <p:clrMapOvr>
     <a:masterClrMapping/>
@@ -5308,7 +6637,7 @@
     </a:clrScheme>
     <a:fontScheme name="Basis">
       <a:majorFont>
-        <a:latin typeface="Corbel" panose="020B0503020204020204"/>
+        <a:latin typeface="Corbel"/>
         <a:ea typeface=""/>
         <a:cs typeface=""/>
         <a:font script="Jpan" typeface="ＭＳ ゴシック"/>
@@ -5343,7 +6672,7 @@
         <a:font script="Geor" typeface="Sylfaen"/>
       </a:majorFont>
       <a:minorFont>
-        <a:latin typeface="Corbel" panose="020B0503020204020204"/>
+        <a:latin typeface="Corbel"/>
         <a:ea typeface=""/>
         <a:cs typeface=""/>
         <a:font script="Jpan" typeface="ＭＳ ゴシック"/>
@@ -5492,11 +6821,9 @@
       </a:bgFillStyleLst>
     </a:fmtScheme>
   </a:themeElements>
-  <a:objectDefaults/>
-  <a:extraClrSchemeLst/>
   <a:extLst>
     <a:ext uri="{05A4C25C-085E-4340-85A3-A5531E510DB2}">
-      <thm15:themeFamily xmlns:thm15="http://schemas.microsoft.com/office/thememl/2012/main" name="Basis" id="{5665723A-49BA-4B57-8411-A56F8F207965}" vid="{90E45F77-AEFC-46EF-A7C1-5B338C297B02}"/>
+      <thm15:themeFamily xmlns:thm15="http://schemas.microsoft.com/office/thememl/2012/main" name="Office Theme" id="{62F939B6-93AF-4DB8-9C6B-D6C7DFDC589F}" vid="{4A3C46E8-61CC-4603-A589-7422A47A8E4A}"/>
     </a:ext>
   </a:extLst>
 </a:theme>

--- a/mlflow/MLflowpptx.pptx
+++ b/mlflow/MLflowpptx.pptx
@@ -5,23 +5,36 @@
     <p:sldMasterId id="2147483648" r:id="rId1"/>
   </p:sldMasterIdLst>
   <p:sldIdLst>
-    <p:sldId id="256" r:id="rId3"/>
-    <p:sldId id="257" r:id="rId4"/>
-    <p:sldId id="259" r:id="rId5"/>
-    <p:sldId id="258" r:id="rId6"/>
-    <p:sldId id="262" r:id="rId7"/>
-    <p:sldId id="263" r:id="rId8"/>
-    <p:sldId id="264" r:id="rId9"/>
-    <p:sldId id="261" r:id="rId10"/>
-    <p:sldId id="260" r:id="rId11"/>
-    <p:sldId id="268" r:id="rId12"/>
-    <p:sldId id="269" r:id="rId13"/>
-    <p:sldId id="270" r:id="rId14"/>
-    <p:sldId id="271" r:id="rId15"/>
-    <p:sldId id="272" r:id="rId16"/>
-    <p:sldId id="273" r:id="rId17"/>
-    <p:sldId id="274" r:id="rId18"/>
-    <p:sldId id="267" r:id="rId19"/>
+    <p:sldId id="256" r:id="rId2"/>
+    <p:sldId id="257" r:id="rId3"/>
+    <p:sldId id="259" r:id="rId4"/>
+    <p:sldId id="258" r:id="rId5"/>
+    <p:sldId id="262" r:id="rId6"/>
+    <p:sldId id="263" r:id="rId7"/>
+    <p:sldId id="264" r:id="rId8"/>
+    <p:sldId id="261" r:id="rId9"/>
+    <p:sldId id="260" r:id="rId10"/>
+    <p:sldId id="268" r:id="rId11"/>
+    <p:sldId id="269" r:id="rId12"/>
+    <p:sldId id="270" r:id="rId13"/>
+    <p:sldId id="271" r:id="rId14"/>
+    <p:sldId id="272" r:id="rId15"/>
+    <p:sldId id="273" r:id="rId16"/>
+    <p:sldId id="274" r:id="rId17"/>
+    <p:sldId id="277" r:id="rId18"/>
+    <p:sldId id="278" r:id="rId19"/>
+    <p:sldId id="279" r:id="rId20"/>
+    <p:sldId id="280" r:id="rId21"/>
+    <p:sldId id="281" r:id="rId22"/>
+    <p:sldId id="282" r:id="rId23"/>
+    <p:sldId id="283" r:id="rId24"/>
+    <p:sldId id="284" r:id="rId25"/>
+    <p:sldId id="285" r:id="rId26"/>
+    <p:sldId id="286" r:id="rId27"/>
+    <p:sldId id="289" r:id="rId28"/>
+    <p:sldId id="290" r:id="rId29"/>
+    <p:sldId id="287" r:id="rId30"/>
+    <p:sldId id="288" r:id="rId31"/>
   </p:sldIdLst>
   <p:sldSz cx="12192000" cy="6858000"/>
   <p:notesSz cx="6858000" cy="9144000"/>
@@ -133,26 +146,54 @@
           <p14:sldIdLst>
             <p14:sldId id="259"/>
             <p14:sldId id="258"/>
+            <p14:sldId id="262"/>
             <p14:sldId id="263"/>
             <p14:sldId id="264"/>
-            <p14:sldId id="262"/>
             <p14:sldId id="261"/>
           </p14:sldIdLst>
         </p14:section>
         <p14:section name="Mlflow Projects" id="{072F6B13-4753-48EF-A2D7-463321962950}">
           <p14:sldIdLst>
-            <p14:sldId id="267"/>
             <p14:sldId id="260"/>
             <p14:sldId id="268"/>
             <p14:sldId id="269"/>
+            <p14:sldId id="270"/>
+            <p14:sldId id="271"/>
             <p14:sldId id="272"/>
-            <p14:sldId id="270"/>
             <p14:sldId id="273"/>
-            <p14:sldId id="271"/>
             <p14:sldId id="274"/>
+            <p14:sldId id="277"/>
+          </p14:sldIdLst>
+        </p14:section>
+        <p14:section name="MLflow Models" id="{B80425CC-B980-41B5-AE2F-4592A78EEBB5}">
+          <p14:sldIdLst>
+            <p14:sldId id="278"/>
+            <p14:sldId id="279"/>
+            <p14:sldId id="280"/>
+            <p14:sldId id="281"/>
+            <p14:sldId id="282"/>
+          </p14:sldIdLst>
+        </p14:section>
+        <p14:section name="MLflow Model Registry" id="{77DE66AA-0E65-45DD-BA5B-711B89992AE9}">
+          <p14:sldIdLst>
+            <p14:sldId id="283"/>
+            <p14:sldId id="284"/>
+            <p14:sldId id="285"/>
+            <p14:sldId id="286"/>
+          </p14:sldIdLst>
+        </p14:section>
+        <p14:section name="MLflow Plugins" id="{2BC25B82-6144-4A24-AE65-D7532ED2BB13}">
+          <p14:sldIdLst>
+            <p14:sldId id="289"/>
+            <p14:sldId id="290"/>
+            <p14:sldId id="287"/>
+            <p14:sldId id="288"/>
           </p14:sldIdLst>
         </p14:section>
       </p14:sectionLst>
+    </p:ext>
+    <p:ext uri="{EFAFB233-063F-42B5-8137-9DF3F51BA10A}">
+      <p15:sldGuideLst xmlns:p15="http://schemas.microsoft.com/office/powerpoint/2012/main"/>
     </p:ext>
   </p:extLst>
 </p:presentation>
@@ -354,6 +395,7 @@
           <a:p>
             <a:fld id="{96DFF08F-DC6B-4601-B491-B0F83F6DD2DA}" type="datetimeFigureOut">
               <a:rPr lang="en-US" dirty="0"/>
+              <a:t>10/13/2020</a:t>
             </a:fld>
             <a:endParaRPr lang="en-US" dirty="0"/>
           </a:p>
@@ -411,6 +453,7 @@
           <a:p>
             <a:fld id="{4FAB73BC-B049-4115-A692-8D63A059BFB8}" type="slidenum">
               <a:rPr lang="en-US" dirty="0"/>
+              <a:t>‹#›</a:t>
             </a:fld>
             <a:endParaRPr lang="en-US" dirty="0"/>
           </a:p>
@@ -519,7 +562,6 @@
               <a:rPr lang="zh-CN" altLang="en-US" smtClean="0"/>
               <a:t>单击此处编辑母版文本样式</a:t>
             </a:r>
-            <a:endParaRPr lang="zh-CN" altLang="en-US" smtClean="0"/>
           </a:p>
           <a:p>
             <a:pPr lvl="1"/>
@@ -527,7 +569,6 @@
               <a:rPr lang="zh-CN" altLang="en-US" smtClean="0"/>
               <a:t>第二级</a:t>
             </a:r>
-            <a:endParaRPr lang="zh-CN" altLang="en-US" smtClean="0"/>
           </a:p>
           <a:p>
             <a:pPr lvl="2"/>
@@ -535,7 +576,6 @@
               <a:rPr lang="zh-CN" altLang="en-US" smtClean="0"/>
               <a:t>第三级</a:t>
             </a:r>
-            <a:endParaRPr lang="zh-CN" altLang="en-US" smtClean="0"/>
           </a:p>
           <a:p>
             <a:pPr lvl="3"/>
@@ -543,7 +583,6 @@
               <a:rPr lang="zh-CN" altLang="en-US" smtClean="0"/>
               <a:t>第四级</a:t>
             </a:r>
-            <a:endParaRPr lang="zh-CN" altLang="en-US" smtClean="0"/>
           </a:p>
           <a:p>
             <a:pPr lvl="4"/>
@@ -572,6 +611,7 @@
           <a:p>
             <a:fld id="{96DFF08F-DC6B-4601-B491-B0F83F6DD2DA}" type="datetimeFigureOut">
               <a:rPr lang="en-US" dirty="0"/>
+              <a:t>10/13/2020</a:t>
             </a:fld>
             <a:endParaRPr lang="en-US" dirty="0"/>
           </a:p>
@@ -613,6 +653,7 @@
           <a:p>
             <a:fld id="{4FAB73BC-B049-4115-A692-8D63A059BFB8}" type="slidenum">
               <a:rPr lang="en-US" dirty="0"/>
+              <a:t>‹#›</a:t>
             </a:fld>
             <a:endParaRPr lang="en-US" dirty="0"/>
           </a:p>
@@ -696,7 +737,6 @@
               <a:rPr lang="zh-CN" altLang="en-US" smtClean="0"/>
               <a:t>单击此处编辑母版文本样式</a:t>
             </a:r>
-            <a:endParaRPr lang="zh-CN" altLang="en-US" smtClean="0"/>
           </a:p>
           <a:p>
             <a:pPr lvl="1"/>
@@ -704,7 +744,6 @@
               <a:rPr lang="zh-CN" altLang="en-US" smtClean="0"/>
               <a:t>第二级</a:t>
             </a:r>
-            <a:endParaRPr lang="zh-CN" altLang="en-US" smtClean="0"/>
           </a:p>
           <a:p>
             <a:pPr lvl="2"/>
@@ -712,7 +751,6 @@
               <a:rPr lang="zh-CN" altLang="en-US" smtClean="0"/>
               <a:t>第三级</a:t>
             </a:r>
-            <a:endParaRPr lang="zh-CN" altLang="en-US" smtClean="0"/>
           </a:p>
           <a:p>
             <a:pPr lvl="3"/>
@@ -720,7 +758,6 @@
               <a:rPr lang="zh-CN" altLang="en-US" smtClean="0"/>
               <a:t>第四级</a:t>
             </a:r>
-            <a:endParaRPr lang="zh-CN" altLang="en-US" smtClean="0"/>
           </a:p>
           <a:p>
             <a:pPr lvl="4"/>
@@ -749,6 +786,7 @@
           <a:p>
             <a:fld id="{96DFF08F-DC6B-4601-B491-B0F83F6DD2DA}" type="datetimeFigureOut">
               <a:rPr lang="en-US" dirty="0"/>
+              <a:t>10/13/2020</a:t>
             </a:fld>
             <a:endParaRPr lang="en-US" dirty="0"/>
           </a:p>
@@ -790,6 +828,7 @@
           <a:p>
             <a:fld id="{4FAB73BC-B049-4115-A692-8D63A059BFB8}" type="slidenum">
               <a:rPr lang="en-US" dirty="0"/>
+              <a:t>‹#›</a:t>
             </a:fld>
             <a:endParaRPr lang="en-US" dirty="0"/>
           </a:p>
@@ -863,7 +902,6 @@
               <a:rPr lang="zh-CN" altLang="en-US" smtClean="0"/>
               <a:t>单击此处编辑母版文本样式</a:t>
             </a:r>
-            <a:endParaRPr lang="zh-CN" altLang="en-US" smtClean="0"/>
           </a:p>
           <a:p>
             <a:pPr lvl="1"/>
@@ -871,7 +909,6 @@
               <a:rPr lang="zh-CN" altLang="en-US" smtClean="0"/>
               <a:t>第二级</a:t>
             </a:r>
-            <a:endParaRPr lang="zh-CN" altLang="en-US" smtClean="0"/>
           </a:p>
           <a:p>
             <a:pPr lvl="2"/>
@@ -879,7 +916,6 @@
               <a:rPr lang="zh-CN" altLang="en-US" smtClean="0"/>
               <a:t>第三级</a:t>
             </a:r>
-            <a:endParaRPr lang="zh-CN" altLang="en-US" smtClean="0"/>
           </a:p>
           <a:p>
             <a:pPr lvl="3"/>
@@ -887,7 +923,6 @@
               <a:rPr lang="zh-CN" altLang="en-US" smtClean="0"/>
               <a:t>第四级</a:t>
             </a:r>
-            <a:endParaRPr lang="zh-CN" altLang="en-US" smtClean="0"/>
           </a:p>
           <a:p>
             <a:pPr lvl="4"/>
@@ -916,6 +951,7 @@
           <a:p>
             <a:fld id="{96DFF08F-DC6B-4601-B491-B0F83F6DD2DA}" type="datetimeFigureOut">
               <a:rPr lang="en-US" dirty="0"/>
+              <a:t>10/13/2020</a:t>
             </a:fld>
             <a:endParaRPr lang="en-US" dirty="0"/>
           </a:p>
@@ -957,6 +993,7 @@
           <a:p>
             <a:fld id="{4FAB73BC-B049-4115-A692-8D63A059BFB8}" type="slidenum">
               <a:rPr lang="en-US" dirty="0"/>
+              <a:t>‹#›</a:t>
             </a:fld>
             <a:endParaRPr lang="en-US" dirty="0"/>
           </a:p>
@@ -1140,7 +1177,6 @@
               <a:rPr lang="zh-CN" altLang="en-US" smtClean="0"/>
               <a:t>单击此处编辑母版文本样式</a:t>
             </a:r>
-            <a:endParaRPr lang="zh-CN" altLang="en-US" smtClean="0"/>
           </a:p>
         </p:txBody>
       </p:sp>
@@ -1161,6 +1197,7 @@
           <a:p>
             <a:fld id="{96DFF08F-DC6B-4601-B491-B0F83F6DD2DA}" type="datetimeFigureOut">
               <a:rPr lang="en-US" dirty="0"/>
+              <a:t>10/13/2020</a:t>
             </a:fld>
             <a:endParaRPr lang="en-US" dirty="0"/>
           </a:p>
@@ -1202,6 +1239,7 @@
           <a:p>
             <a:fld id="{4FAB73BC-B049-4115-A692-8D63A059BFB8}" type="slidenum">
               <a:rPr lang="en-US" dirty="0"/>
+              <a:t>‹#›</a:t>
             </a:fld>
             <a:endParaRPr lang="en-US" dirty="0"/>
           </a:p>
@@ -1343,7 +1381,6 @@
               <a:rPr lang="zh-CN" altLang="en-US" smtClean="0"/>
               <a:t>单击此处编辑母版文本样式</a:t>
             </a:r>
-            <a:endParaRPr lang="zh-CN" altLang="en-US" smtClean="0"/>
           </a:p>
           <a:p>
             <a:pPr lvl="1"/>
@@ -1351,7 +1388,6 @@
               <a:rPr lang="zh-CN" altLang="en-US" smtClean="0"/>
               <a:t>第二级</a:t>
             </a:r>
-            <a:endParaRPr lang="zh-CN" altLang="en-US" smtClean="0"/>
           </a:p>
           <a:p>
             <a:pPr lvl="2"/>
@@ -1359,7 +1395,6 @@
               <a:rPr lang="zh-CN" altLang="en-US" smtClean="0"/>
               <a:t>第三级</a:t>
             </a:r>
-            <a:endParaRPr lang="zh-CN" altLang="en-US" smtClean="0"/>
           </a:p>
           <a:p>
             <a:pPr lvl="3"/>
@@ -1367,7 +1402,6 @@
               <a:rPr lang="zh-CN" altLang="en-US" smtClean="0"/>
               <a:t>第四级</a:t>
             </a:r>
-            <a:endParaRPr lang="zh-CN" altLang="en-US" smtClean="0"/>
           </a:p>
           <a:p>
             <a:pPr lvl="4"/>
@@ -1432,7 +1466,6 @@
               <a:rPr lang="zh-CN" altLang="en-US" smtClean="0"/>
               <a:t>单击此处编辑母版文本样式</a:t>
             </a:r>
-            <a:endParaRPr lang="zh-CN" altLang="en-US" smtClean="0"/>
           </a:p>
           <a:p>
             <a:pPr lvl="1"/>
@@ -1440,7 +1473,6 @@
               <a:rPr lang="zh-CN" altLang="en-US" smtClean="0"/>
               <a:t>第二级</a:t>
             </a:r>
-            <a:endParaRPr lang="zh-CN" altLang="en-US" smtClean="0"/>
           </a:p>
           <a:p>
             <a:pPr lvl="2"/>
@@ -1448,7 +1480,6 @@
               <a:rPr lang="zh-CN" altLang="en-US" smtClean="0"/>
               <a:t>第三级</a:t>
             </a:r>
-            <a:endParaRPr lang="zh-CN" altLang="en-US" smtClean="0"/>
           </a:p>
           <a:p>
             <a:pPr lvl="3"/>
@@ -1456,7 +1487,6 @@
               <a:rPr lang="zh-CN" altLang="en-US" smtClean="0"/>
               <a:t>第四级</a:t>
             </a:r>
-            <a:endParaRPr lang="zh-CN" altLang="en-US" smtClean="0"/>
           </a:p>
           <a:p>
             <a:pPr lvl="4"/>
@@ -1485,6 +1515,7 @@
           <a:p>
             <a:fld id="{96DFF08F-DC6B-4601-B491-B0F83F6DD2DA}" type="datetimeFigureOut">
               <a:rPr lang="en-US" dirty="0"/>
+              <a:t>10/13/2020</a:t>
             </a:fld>
             <a:endParaRPr lang="en-US" dirty="0"/>
           </a:p>
@@ -1526,6 +1557,7 @@
           <a:p>
             <a:fld id="{4FAB73BC-B049-4115-A692-8D63A059BFB8}" type="slidenum">
               <a:rPr lang="en-US" dirty="0"/>
+              <a:t>‹#›</a:t>
             </a:fld>
             <a:endParaRPr lang="en-US" dirty="0"/>
           </a:p>
@@ -1644,7 +1676,6 @@
               <a:rPr lang="zh-CN" altLang="en-US" smtClean="0"/>
               <a:t>单击此处编辑母版文本样式</a:t>
             </a:r>
-            <a:endParaRPr lang="zh-CN" altLang="en-US" smtClean="0"/>
           </a:p>
         </p:txBody>
       </p:sp>
@@ -1701,7 +1732,6 @@
               <a:rPr lang="zh-CN" altLang="en-US" smtClean="0"/>
               <a:t>单击此处编辑母版文本样式</a:t>
             </a:r>
-            <a:endParaRPr lang="zh-CN" altLang="en-US" smtClean="0"/>
           </a:p>
           <a:p>
             <a:pPr lvl="1"/>
@@ -1709,7 +1739,6 @@
               <a:rPr lang="zh-CN" altLang="en-US" smtClean="0"/>
               <a:t>第二级</a:t>
             </a:r>
-            <a:endParaRPr lang="zh-CN" altLang="en-US" smtClean="0"/>
           </a:p>
           <a:p>
             <a:pPr lvl="2"/>
@@ -1717,7 +1746,6 @@
               <a:rPr lang="zh-CN" altLang="en-US" smtClean="0"/>
               <a:t>第三级</a:t>
             </a:r>
-            <a:endParaRPr lang="zh-CN" altLang="en-US" smtClean="0"/>
           </a:p>
           <a:p>
             <a:pPr lvl="3"/>
@@ -1725,7 +1753,6 @@
               <a:rPr lang="zh-CN" altLang="en-US" smtClean="0"/>
               <a:t>第四级</a:t>
             </a:r>
-            <a:endParaRPr lang="zh-CN" altLang="en-US" smtClean="0"/>
           </a:p>
           <a:p>
             <a:pPr lvl="4"/>
@@ -1802,7 +1829,6 @@
               <a:rPr lang="zh-CN" altLang="en-US" smtClean="0"/>
               <a:t>单击此处编辑母版文本样式</a:t>
             </a:r>
-            <a:endParaRPr lang="zh-CN" altLang="en-US" smtClean="0"/>
           </a:p>
         </p:txBody>
       </p:sp>
@@ -1859,7 +1885,6 @@
               <a:rPr lang="zh-CN" altLang="en-US" smtClean="0"/>
               <a:t>单击此处编辑母版文本样式</a:t>
             </a:r>
-            <a:endParaRPr lang="zh-CN" altLang="en-US" smtClean="0"/>
           </a:p>
           <a:p>
             <a:pPr lvl="1"/>
@@ -1867,7 +1892,6 @@
               <a:rPr lang="zh-CN" altLang="en-US" smtClean="0"/>
               <a:t>第二级</a:t>
             </a:r>
-            <a:endParaRPr lang="zh-CN" altLang="en-US" smtClean="0"/>
           </a:p>
           <a:p>
             <a:pPr lvl="2"/>
@@ -1875,7 +1899,6 @@
               <a:rPr lang="zh-CN" altLang="en-US" smtClean="0"/>
               <a:t>第三级</a:t>
             </a:r>
-            <a:endParaRPr lang="zh-CN" altLang="en-US" smtClean="0"/>
           </a:p>
           <a:p>
             <a:pPr lvl="3"/>
@@ -1883,7 +1906,6 @@
               <a:rPr lang="zh-CN" altLang="en-US" smtClean="0"/>
               <a:t>第四级</a:t>
             </a:r>
-            <a:endParaRPr lang="zh-CN" altLang="en-US" smtClean="0"/>
           </a:p>
           <a:p>
             <a:pPr lvl="4"/>
@@ -1912,6 +1934,7 @@
           <a:p>
             <a:fld id="{96DFF08F-DC6B-4601-B491-B0F83F6DD2DA}" type="datetimeFigureOut">
               <a:rPr lang="en-US" dirty="0"/>
+              <a:t>10/13/2020</a:t>
             </a:fld>
             <a:endParaRPr lang="en-US" dirty="0"/>
           </a:p>
@@ -1953,6 +1976,7 @@
           <a:p>
             <a:fld id="{4FAB73BC-B049-4115-A692-8D63A059BFB8}" type="slidenum">
               <a:rPr lang="en-US" dirty="0"/>
+              <a:t>‹#›</a:t>
             </a:fld>
             <a:endParaRPr lang="en-US" dirty="0"/>
           </a:p>
@@ -2023,6 +2047,7 @@
           <a:p>
             <a:fld id="{96DFF08F-DC6B-4601-B491-B0F83F6DD2DA}" type="datetimeFigureOut">
               <a:rPr lang="en-US" dirty="0"/>
+              <a:t>10/13/2020</a:t>
             </a:fld>
             <a:endParaRPr lang="en-US" dirty="0"/>
           </a:p>
@@ -2064,6 +2089,7 @@
           <a:p>
             <a:fld id="{4FAB73BC-B049-4115-A692-8D63A059BFB8}" type="slidenum">
               <a:rPr lang="en-US" dirty="0"/>
+              <a:t>‹#›</a:t>
             </a:fld>
             <a:endParaRPr lang="en-US" dirty="0"/>
           </a:p>
@@ -2111,6 +2137,7 @@
           <a:p>
             <a:fld id="{96DFF08F-DC6B-4601-B491-B0F83F6DD2DA}" type="datetimeFigureOut">
               <a:rPr lang="en-US" dirty="0"/>
+              <a:t>10/13/2020</a:t>
             </a:fld>
             <a:endParaRPr lang="en-US" dirty="0"/>
           </a:p>
@@ -2152,6 +2179,7 @@
           <a:p>
             <a:fld id="{4FAB73BC-B049-4115-A692-8D63A059BFB8}" type="slidenum">
               <a:rPr lang="en-US" dirty="0"/>
+              <a:t>‹#›</a:t>
             </a:fld>
             <a:endParaRPr lang="en-US" dirty="0"/>
           </a:p>
@@ -2272,7 +2300,6 @@
               <a:rPr lang="zh-CN" altLang="en-US" smtClean="0"/>
               <a:t>单击此处编辑母版文本样式</a:t>
             </a:r>
-            <a:endParaRPr lang="zh-CN" altLang="en-US" smtClean="0"/>
           </a:p>
           <a:p>
             <a:pPr lvl="1"/>
@@ -2280,7 +2307,6 @@
               <a:rPr lang="zh-CN" altLang="en-US" smtClean="0"/>
               <a:t>第二级</a:t>
             </a:r>
-            <a:endParaRPr lang="zh-CN" altLang="en-US" smtClean="0"/>
           </a:p>
           <a:p>
             <a:pPr lvl="2"/>
@@ -2288,7 +2314,6 @@
               <a:rPr lang="zh-CN" altLang="en-US" smtClean="0"/>
               <a:t>第三级</a:t>
             </a:r>
-            <a:endParaRPr lang="zh-CN" altLang="en-US" smtClean="0"/>
           </a:p>
           <a:p>
             <a:pPr lvl="3"/>
@@ -2296,7 +2321,6 @@
               <a:rPr lang="zh-CN" altLang="en-US" smtClean="0"/>
               <a:t>第四级</a:t>
             </a:r>
-            <a:endParaRPr lang="zh-CN" altLang="en-US" smtClean="0"/>
           </a:p>
           <a:p>
             <a:pPr lvl="4"/>
@@ -2378,7 +2402,6 @@
               <a:rPr lang="zh-CN" altLang="en-US" smtClean="0"/>
               <a:t>单击此处编辑母版文本样式</a:t>
             </a:r>
-            <a:endParaRPr lang="zh-CN" altLang="en-US" smtClean="0"/>
           </a:p>
         </p:txBody>
       </p:sp>
@@ -2399,6 +2422,7 @@
           <a:p>
             <a:fld id="{96DFF08F-DC6B-4601-B491-B0F83F6DD2DA}" type="datetimeFigureOut">
               <a:rPr lang="en-US" dirty="0"/>
+              <a:t>10/13/2020</a:t>
             </a:fld>
             <a:endParaRPr lang="en-US" dirty="0"/>
           </a:p>
@@ -2440,6 +2464,7 @@
           <a:p>
             <a:fld id="{4FAB73BC-B049-4115-A692-8D63A059BFB8}" type="slidenum">
               <a:rPr lang="en-US" dirty="0"/>
+              <a:t>‹#›</a:t>
             </a:fld>
             <a:endParaRPr lang="en-US" dirty="0"/>
           </a:p>
@@ -2644,7 +2669,6 @@
               <a:rPr lang="zh-CN" altLang="en-US" smtClean="0"/>
               <a:t>单击此处编辑母版文本样式</a:t>
             </a:r>
-            <a:endParaRPr lang="zh-CN" altLang="en-US" smtClean="0"/>
           </a:p>
         </p:txBody>
       </p:sp>
@@ -2665,6 +2689,7 @@
           <a:p>
             <a:fld id="{96DFF08F-DC6B-4601-B491-B0F83F6DD2DA}" type="datetimeFigureOut">
               <a:rPr lang="en-US" dirty="0"/>
+              <a:t>10/13/2020</a:t>
             </a:fld>
             <a:endParaRPr lang="en-US" dirty="0"/>
           </a:p>
@@ -2706,6 +2731,7 @@
           <a:p>
             <a:fld id="{4FAB73BC-B049-4115-A692-8D63A059BFB8}" type="slidenum">
               <a:rPr lang="en-US" dirty="0"/>
+              <a:t>‹#›</a:t>
             </a:fld>
             <a:endParaRPr lang="en-US" dirty="0"/>
           </a:p>
@@ -2847,7 +2873,6 @@
               <a:rPr lang="zh-CN" altLang="en-US" smtClean="0"/>
               <a:t>单击此处编辑母版文本样式</a:t>
             </a:r>
-            <a:endParaRPr lang="zh-CN" altLang="en-US" smtClean="0"/>
           </a:p>
           <a:p>
             <a:pPr lvl="1"/>
@@ -2855,7 +2880,6 @@
               <a:rPr lang="zh-CN" altLang="en-US" smtClean="0"/>
               <a:t>第二级</a:t>
             </a:r>
-            <a:endParaRPr lang="zh-CN" altLang="en-US" smtClean="0"/>
           </a:p>
           <a:p>
             <a:pPr lvl="2"/>
@@ -2863,7 +2887,6 @@
               <a:rPr lang="zh-CN" altLang="en-US" smtClean="0"/>
               <a:t>第三级</a:t>
             </a:r>
-            <a:endParaRPr lang="zh-CN" altLang="en-US" smtClean="0"/>
           </a:p>
           <a:p>
             <a:pPr lvl="3"/>
@@ -2871,7 +2894,6 @@
               <a:rPr lang="zh-CN" altLang="en-US" smtClean="0"/>
               <a:t>第四级</a:t>
             </a:r>
-            <a:endParaRPr lang="zh-CN" altLang="en-US" smtClean="0"/>
           </a:p>
           <a:p>
             <a:pPr lvl="4"/>
@@ -2916,6 +2938,7 @@
           <a:p>
             <a:fld id="{96DFF08F-DC6B-4601-B491-B0F83F6DD2DA}" type="datetimeFigureOut">
               <a:rPr lang="en-US" dirty="0"/>
+              <a:t>10/13/2020</a:t>
             </a:fld>
             <a:endParaRPr lang="en-US" dirty="0"/>
           </a:p>
@@ -2989,6 +3012,7 @@
           <a:p>
             <a:fld id="{4FAB73BC-B049-4115-A692-8D63A059BFB8}" type="slidenum">
               <a:rPr lang="en-US" dirty="0"/>
+              <a:t>‹#›</a:t>
             </a:fld>
             <a:endParaRPr lang="en-US" dirty="0"/>
           </a:p>
@@ -3476,7 +3500,6 @@
               <a:rPr lang="zh-CN" altLang="en-US" dirty="0" err="1" smtClean="0"/>
               <a:t>简介</a:t>
             </a:r>
-            <a:endParaRPr lang="zh-CN" altLang="en-US" dirty="0" err="1" smtClean="0"/>
           </a:p>
         </p:txBody>
       </p:sp>
@@ -3519,7 +3542,6 @@
               <a:rPr lang="zh-CN" altLang="en-US" dirty="0" smtClean="0"/>
               <a:t>就是一个规范，通过该规范组织、描述代码，使得数据科学家或者自动化工具可以直接运行。</a:t>
             </a:r>
-            <a:endParaRPr lang="zh-CN" altLang="en-US" dirty="0" smtClean="0"/>
           </a:p>
           <a:p>
             <a:pPr>
@@ -3571,7 +3593,6 @@
               <a:rPr lang="zh-CN" altLang="en-US" dirty="0" smtClean="0"/>
               <a:t>格式的MLproject文件来更详细的表述工程。</a:t>
             </a:r>
-            <a:endParaRPr lang="zh-CN" altLang="en-US" dirty="0" smtClean="0"/>
           </a:p>
         </p:txBody>
       </p:sp>
@@ -3638,7 +3659,6 @@
               <a:rPr lang="zh-CN" altLang="en-US" dirty="0" smtClean="0"/>
               <a:t>每个工程可以指定如下属性：</a:t>
             </a:r>
-            <a:endParaRPr lang="zh-CN" altLang="en-US" dirty="0" smtClean="0"/>
           </a:p>
           <a:p>
             <a:pPr lvl="1">
@@ -3650,7 +3670,6 @@
               <a:rPr lang="zh-CN" altLang="en-US" dirty="0" smtClean="0"/>
               <a:t>Name：项目名称。</a:t>
             </a:r>
-            <a:endParaRPr lang="zh-CN" altLang="en-US" dirty="0" smtClean="0"/>
           </a:p>
           <a:p>
             <a:pPr lvl="1">
@@ -3662,7 +3681,6 @@
               <a:rPr lang="zh-CN" altLang="en-US" dirty="0" smtClean="0"/>
               <a:t>Entry Points：</a:t>
             </a:r>
-            <a:endParaRPr lang="zh-CN" altLang="en-US" dirty="0" smtClean="0"/>
           </a:p>
           <a:p>
             <a:pPr lvl="2">
@@ -3674,7 +3692,6 @@
               <a:rPr lang="zh-CN" altLang="en-US" dirty="0" smtClean="0"/>
               <a:t>可以在项目中运行的命令，以及有关其参数的信息。</a:t>
             </a:r>
-            <a:endParaRPr lang="zh-CN" altLang="en-US" dirty="0" smtClean="0"/>
           </a:p>
           <a:p>
             <a:pPr lvl="2">
@@ -3686,7 +3703,6 @@
               <a:rPr lang="zh-CN" altLang="en-US" dirty="0" smtClean="0"/>
               <a:t>大多数项目至少包含一个调用的入口点。有些项目包含多个入口点。</a:t>
             </a:r>
-            <a:endParaRPr lang="zh-CN" altLang="en-US" dirty="0" smtClean="0"/>
           </a:p>
           <a:p>
             <a:pPr lvl="2">
@@ -3714,7 +3730,6 @@
               <a:rPr lang="zh-CN" altLang="en-US" dirty="0" smtClean="0"/>
               <a:t>文件。</a:t>
             </a:r>
-            <a:endParaRPr lang="zh-CN" altLang="en-US" dirty="0" smtClean="0"/>
           </a:p>
           <a:p>
             <a:pPr lvl="2">
@@ -3726,7 +3741,6 @@
               <a:rPr lang="zh-CN" altLang="en-US" dirty="0" smtClean="0"/>
               <a:t>指定入口点的时候可以同时指定相应的参数（包括数据类型、默认值）</a:t>
             </a:r>
-            <a:endParaRPr lang="zh-CN" altLang="en-US" dirty="0" smtClean="0"/>
           </a:p>
           <a:p>
             <a:pPr lvl="1">
@@ -3746,7 +3760,6 @@
               <a:rPr lang="zh-CN" altLang="en-US" dirty="0" smtClean="0"/>
               <a:t>代码执行软件环境，包括所有依赖。</a:t>
             </a:r>
-            <a:endParaRPr lang="zh-CN" altLang="en-US" dirty="0" smtClean="0"/>
           </a:p>
         </p:txBody>
       </p:sp>
@@ -3806,7 +3819,6 @@
               <a:rPr lang="zh-CN" altLang="en-US" dirty="0" err="1" smtClean="0"/>
               <a:t>工程环境</a:t>
             </a:r>
-            <a:endParaRPr lang="zh-CN" altLang="en-US" dirty="0" err="1" smtClean="0"/>
           </a:p>
         </p:txBody>
       </p:sp>
@@ -3845,7 +3857,6 @@
               <a:rPr lang="zh-CN" altLang="en-US" dirty="0" smtClean="0"/>
               <a:t>目前支持三种环境：</a:t>
             </a:r>
-            <a:endParaRPr lang="zh-CN" altLang="en-US" dirty="0" smtClean="0"/>
           </a:p>
           <a:p>
             <a:pPr lvl="1">
@@ -3873,7 +3884,6 @@
               <a:rPr lang="zh-CN" altLang="en-US" dirty="0" smtClean="0"/>
               <a:t>Intel MKL）。</a:t>
             </a:r>
-            <a:endParaRPr lang="zh-CN" altLang="en-US" dirty="0" smtClean="0"/>
           </a:p>
           <a:p>
             <a:pPr lvl="1">
@@ -3917,7 +3927,6 @@
               <a:rPr lang="zh-CN" altLang="en-US" dirty="0" smtClean="0"/>
               <a:t>文件。</a:t>
             </a:r>
-            <a:endParaRPr lang="zh-CN" altLang="en-US" dirty="0" smtClean="0"/>
           </a:p>
           <a:p>
             <a:pPr lvl="1">
@@ -3929,7 +3938,6 @@
               <a:rPr lang="zh-CN" altLang="en-US" dirty="0" smtClean="0"/>
               <a:t>System environment：当前环境</a:t>
             </a:r>
-            <a:endParaRPr lang="zh-CN" altLang="en-US" dirty="0" smtClean="0"/>
           </a:p>
         </p:txBody>
       </p:sp>
@@ -3989,7 +3997,6 @@
               <a:rPr lang="zh-CN" altLang="en-US" dirty="0" err="1" smtClean="0"/>
               <a:t>工程目录</a:t>
             </a:r>
-            <a:endParaRPr lang="zh-CN" altLang="en-US" dirty="0" err="1" smtClean="0"/>
           </a:p>
         </p:txBody>
       </p:sp>
@@ -4032,7 +4039,6 @@
               <a:rPr lang="zh-CN" altLang="en-US" dirty="0" smtClean="0"/>
               <a:t>利用下面的规范检测工程属性：</a:t>
             </a:r>
-            <a:endParaRPr lang="zh-CN" altLang="en-US" dirty="0" smtClean="0"/>
           </a:p>
           <a:p>
             <a:pPr lvl="1">
@@ -4050,7 +4056,6 @@
               <a:rPr lang="zh-CN" altLang="en-US" dirty="0" smtClean="0"/>
               <a:t>。</a:t>
             </a:r>
-            <a:endParaRPr lang="zh-CN" altLang="en-US" dirty="0" smtClean="0"/>
           </a:p>
           <a:p>
             <a:pPr lvl="1">
@@ -4092,7 +4097,6 @@
               <a:rPr lang="zh-CN" altLang="en-US" dirty="0" smtClean="0"/>
               <a:t>。默认不包含任何参数，可以在运行时指定。</a:t>
             </a:r>
-            <a:endParaRPr lang="zh-CN" altLang="en-US" dirty="0" smtClean="0"/>
           </a:p>
           <a:p>
             <a:pPr lvl="1">
@@ -4142,7 +4146,6 @@
               <a:rPr lang="zh-CN" altLang="en-US" dirty="0" smtClean="0"/>
               <a:t>环境运行。</a:t>
             </a:r>
-            <a:endParaRPr lang="zh-CN" altLang="en-US" dirty="0" smtClean="0"/>
           </a:p>
         </p:txBody>
       </p:sp>
@@ -4182,14 +4185,14 @@
         <p:nvPicPr>
           <p:cNvPr id="5" name="内容占位符 4"/>
           <p:cNvPicPr>
-            <a:picLocks noChangeAspect="1"/>
+            <a:picLocks noGrp="1" noChangeAspect="1"/>
           </p:cNvPicPr>
           <p:nvPr>
             <p:ph idx="1"/>
           </p:nvPr>
         </p:nvPicPr>
         <p:blipFill>
-          <a:blip r:embed="rId1"/>
+          <a:blip r:embed="rId2"/>
           <a:stretch>
             <a:fillRect/>
           </a:stretch>
@@ -4228,7 +4231,6 @@
               <a:rPr lang="zh-CN" altLang="en-US" dirty="0" err="1" smtClean="0"/>
               <a:t>MLproject文件</a:t>
             </a:r>
-            <a:endParaRPr lang="zh-CN" altLang="en-US" dirty="0" err="1" smtClean="0"/>
           </a:p>
         </p:txBody>
       </p:sp>
@@ -4252,6 +4254,7 @@
           <a:bodyPr wrap="square" rtlCol="0">
             <a:spAutoFit/>
           </a:bodyPr>
+          <a:lstStyle/>
           <a:p>
             <a:pPr marL="285750" indent="-285750">
               <a:buFont typeface="Arial" panose="020B0604020202090204" pitchFamily="34" charset="0"/>
@@ -4265,11 +4268,6 @@
               </a:rPr>
               <a:t>yaml格式</a:t>
             </a:r>
-            <a:endParaRPr lang="zh-CN" altLang="en-US" dirty="0" smtClean="0">
-              <a:solidFill>
-                <a:schemeClr val="accent1"/>
-              </a:solidFill>
-            </a:endParaRPr>
           </a:p>
           <a:p>
             <a:pPr marL="285750" indent="-285750">
@@ -4284,11 +4282,6 @@
               </a:rPr>
               <a:t>位于工程根目录下</a:t>
             </a:r>
-            <a:endParaRPr lang="zh-CN" altLang="en-US" dirty="0" smtClean="0">
-              <a:solidFill>
-                <a:schemeClr val="accent1"/>
-              </a:solidFill>
-            </a:endParaRPr>
           </a:p>
           <a:p>
             <a:pPr lvl="1" indent="0">
@@ -4468,7 +4461,6 @@
               <a:rPr lang="zh-CN" altLang="en-US" dirty="0" smtClean="0"/>
               <a:t>指定参数：</a:t>
             </a:r>
-            <a:endParaRPr lang="zh-CN" altLang="en-US" dirty="0" smtClean="0"/>
           </a:p>
         </p:txBody>
       </p:sp>
@@ -4481,7 +4473,7 @@
           <p:nvPr/>
         </p:nvPicPr>
         <p:blipFill>
-          <a:blip r:embed="rId1"/>
+          <a:blip r:embed="rId2"/>
           <a:stretch>
             <a:fillRect/>
           </a:stretch>
@@ -4505,7 +4497,7 @@
           <p:nvPr/>
         </p:nvPicPr>
         <p:blipFill>
-          <a:blip r:embed="rId2"/>
+          <a:blip r:embed="rId3"/>
           <a:stretch>
             <a:fillRect/>
           </a:stretch>
@@ -4529,7 +4521,7 @@
           <p:nvPr/>
         </p:nvPicPr>
         <p:blipFill>
-          <a:blip r:embed="rId3"/>
+          <a:blip r:embed="rId4"/>
           <a:stretch>
             <a:fillRect/>
           </a:stretch>
@@ -4553,7 +4545,7 @@
           <p:nvPr/>
         </p:nvPicPr>
         <p:blipFill>
-          <a:blip r:embed="rId4"/>
+          <a:blip r:embed="rId5"/>
           <a:stretch>
             <a:fillRect/>
           </a:stretch>
@@ -4624,7 +4616,6 @@
               <a:rPr lang="zh-CN" altLang="en-US" dirty="0" err="1" smtClean="0"/>
               <a:t>运行工程</a:t>
             </a:r>
-            <a:endParaRPr lang="zh-CN" altLang="en-US" dirty="0" err="1" smtClean="0"/>
           </a:p>
         </p:txBody>
       </p:sp>
@@ -4659,7 +4650,6 @@
               <a:rPr lang="zh-CN" altLang="en-US" dirty="0" smtClean="0"/>
               <a:t>两种方式运行</a:t>
             </a:r>
-            <a:endParaRPr lang="zh-CN" altLang="en-US" dirty="0" smtClean="0"/>
           </a:p>
           <a:p>
             <a:pPr lvl="1">
@@ -4671,7 +4661,6 @@
               <a:rPr lang="zh-CN" altLang="en-US" dirty="0" smtClean="0"/>
               <a:t>命令行：mlflow run</a:t>
             </a:r>
-            <a:endParaRPr lang="zh-CN" altLang="en-US" dirty="0" smtClean="0"/>
           </a:p>
           <a:p>
             <a:pPr lvl="1">
@@ -4683,10 +4672,33 @@
               <a:rPr lang="zh-CN" altLang="en-US" dirty="0" smtClean="0"/>
               <a:t>Python API：mlflow.projects.run()</a:t>
             </a:r>
-            <a:endParaRPr lang="zh-CN" altLang="en-US" dirty="0" smtClean="0"/>
-          </a:p>
-        </p:txBody>
-      </p:sp>
+          </a:p>
+        </p:txBody>
+      </p:sp>
+      <p:pic>
+        <p:nvPicPr>
+          <p:cNvPr id="5" name="图片 4"/>
+          <p:cNvPicPr>
+            <a:picLocks noChangeAspect="1"/>
+          </p:cNvPicPr>
+          <p:nvPr/>
+        </p:nvPicPr>
+        <p:blipFill>
+          <a:blip r:embed="rId2"/>
+          <a:stretch>
+            <a:fillRect/>
+          </a:stretch>
+        </p:blipFill>
+        <p:spPr>
+          <a:xfrm>
+            <a:off x="5756189" y="444586"/>
+            <a:ext cx="5638800" cy="5886450"/>
+          </a:xfrm>
+          <a:prstGeom prst="rect">
+            <a:avLst/>
+          </a:prstGeom>
+        </p:spPr>
+      </p:pic>
     </p:spTree>
   </p:cSld>
   <p:clrMapOvr>
@@ -4719,6 +4731,67 @@
           <a:chExt cx="0" cy="0"/>
         </a:xfrm>
       </p:grpSpPr>
+      <p:pic>
+        <p:nvPicPr>
+          <p:cNvPr id="4" name="图片 3"/>
+          <p:cNvPicPr>
+            <a:picLocks noChangeAspect="1"/>
+          </p:cNvPicPr>
+          <p:nvPr/>
+        </p:nvPicPr>
+        <p:blipFill>
+          <a:blip r:embed="rId2"/>
+          <a:stretch>
+            <a:fillRect/>
+          </a:stretch>
+        </p:blipFill>
+        <p:spPr>
+          <a:xfrm>
+            <a:off x="402117" y="345989"/>
+            <a:ext cx="4936001" cy="6067168"/>
+          </a:xfrm>
+          <a:prstGeom prst="rect">
+            <a:avLst/>
+          </a:prstGeom>
+        </p:spPr>
+      </p:pic>
+    </p:spTree>
+    <p:extLst>
+      <p:ext uri="{BB962C8B-B14F-4D97-AF65-F5344CB8AC3E}">
+        <p14:creationId xmlns:p14="http://schemas.microsoft.com/office/powerpoint/2010/main" val="774266605"/>
+      </p:ext>
+    </p:extLst>
+  </p:cSld>
+  <p:clrMapOvr>
+    <a:masterClrMapping/>
+  </p:clrMapOvr>
+  <p:timing>
+    <p:tnLst>
+      <p:par>
+        <p:cTn id="1" dur="indefinite" restart="never" nodeType="tmRoot"/>
+      </p:par>
+    </p:tnLst>
+  </p:timing>
+</p:sld>
+</file>
+
+<file path=ppt/slides/slide18.xml><?xml version="1.0" encoding="utf-8"?>
+<p:sld xmlns:a="http://schemas.openxmlformats.org/drawingml/2006/main" xmlns:r="http://schemas.openxmlformats.org/officeDocument/2006/relationships" xmlns:p="http://schemas.openxmlformats.org/presentationml/2006/main">
+  <p:cSld>
+    <p:spTree>
+      <p:nvGrpSpPr>
+        <p:cNvPr id="1" name=""/>
+        <p:cNvGrpSpPr/>
+        <p:nvPr/>
+      </p:nvGrpSpPr>
+      <p:grpSpPr>
+        <a:xfrm>
+          <a:off x="0" y="0"/>
+          <a:ext cx="0" cy="0"/>
+          <a:chOff x="0" y="0"/>
+          <a:chExt cx="0" cy="0"/>
+        </a:xfrm>
+      </p:grpSpPr>
       <p:sp>
         <p:nvSpPr>
           <p:cNvPr id="2" name="标题 1"/>
@@ -4735,14 +4808,154 @@
           <a:lstStyle/>
           <a:p>
             <a:r>
-              <a:rPr lang="zh-CN" altLang="en-US" cap="none" dirty="0" err="1"/>
-              <a:t>示例</a:t>
-            </a:r>
-            <a:endParaRPr lang="zh-CN" altLang="en-US" cap="none" dirty="0" err="1"/>
+              <a:rPr lang="en-US" altLang="zh-CN" cap="none" dirty="0" err="1" smtClean="0"/>
+              <a:t>Mlflow</a:t>
+            </a:r>
+            <a:r>
+              <a:rPr lang="en-US" altLang="zh-CN" cap="none" dirty="0" smtClean="0"/>
+              <a:t> </a:t>
+            </a:r>
+            <a:r>
+              <a:rPr lang="en-US" altLang="zh-CN" cap="none" dirty="0"/>
+              <a:t>Models</a:t>
+            </a:r>
           </a:p>
         </p:txBody>
       </p:sp>
     </p:spTree>
+    <p:extLst>
+      <p:ext uri="{BB962C8B-B14F-4D97-AF65-F5344CB8AC3E}">
+        <p14:creationId xmlns:p14="http://schemas.microsoft.com/office/powerpoint/2010/main" val="930328145"/>
+      </p:ext>
+    </p:extLst>
+  </p:cSld>
+  <p:clrMapOvr>
+    <a:masterClrMapping/>
+  </p:clrMapOvr>
+  <p:timing>
+    <p:tnLst>
+      <p:par>
+        <p:cTn id="1" dur="indefinite" restart="never" nodeType="tmRoot"/>
+      </p:par>
+    </p:tnLst>
+  </p:timing>
+</p:sld>
+</file>
+
+<file path=ppt/slides/slide19.xml><?xml version="1.0" encoding="utf-8"?>
+<p:sld xmlns:a="http://schemas.openxmlformats.org/drawingml/2006/main" xmlns:r="http://schemas.openxmlformats.org/officeDocument/2006/relationships" xmlns:p="http://schemas.openxmlformats.org/presentationml/2006/main">
+  <p:cSld>
+    <p:spTree>
+      <p:nvGrpSpPr>
+        <p:cNvPr id="1" name=""/>
+        <p:cNvGrpSpPr/>
+        <p:nvPr/>
+      </p:nvGrpSpPr>
+      <p:grpSpPr>
+        <a:xfrm>
+          <a:off x="0" y="0"/>
+          <a:ext cx="0" cy="0"/>
+          <a:chOff x="0" y="0"/>
+          <a:chExt cx="0" cy="0"/>
+        </a:xfrm>
+      </p:grpSpPr>
+      <p:sp>
+        <p:nvSpPr>
+          <p:cNvPr id="2" name="标题 1"/>
+          <p:cNvSpPr>
+            <a:spLocks noGrp="1"/>
+          </p:cNvSpPr>
+          <p:nvPr>
+            <p:ph type="title"/>
+          </p:nvPr>
+        </p:nvSpPr>
+        <p:spPr>
+          <a:xfrm>
+            <a:off x="1140351" y="263610"/>
+            <a:ext cx="9875520" cy="1356360"/>
+          </a:xfrm>
+        </p:spPr>
+        <p:txBody>
+          <a:bodyPr/>
+          <a:lstStyle/>
+          <a:p>
+            <a:r>
+              <a:rPr lang="zh-CN" altLang="en-US" dirty="0" smtClean="0"/>
+              <a:t>简介</a:t>
+            </a:r>
+            <a:endParaRPr lang="zh-CN" altLang="en-US" dirty="0"/>
+          </a:p>
+        </p:txBody>
+      </p:sp>
+      <p:sp>
+        <p:nvSpPr>
+          <p:cNvPr id="3" name="内容占位符 2"/>
+          <p:cNvSpPr>
+            <a:spLocks noGrp="1"/>
+          </p:cNvSpPr>
+          <p:nvPr>
+            <p:ph idx="1"/>
+          </p:nvPr>
+        </p:nvSpPr>
+        <p:spPr>
+          <a:xfrm>
+            <a:off x="1143000" y="1499286"/>
+            <a:ext cx="9872871" cy="4596714"/>
+          </a:xfrm>
+        </p:spPr>
+        <p:txBody>
+          <a:bodyPr>
+            <a:normAutofit/>
+          </a:bodyPr>
+          <a:lstStyle/>
+          <a:p>
+            <a:pPr>
+              <a:lnSpc>
+                <a:spcPct val="150000"/>
+              </a:lnSpc>
+            </a:pPr>
+            <a:r>
+              <a:rPr lang="en-US" altLang="zh-CN" dirty="0" err="1"/>
+              <a:t>MLflow</a:t>
+            </a:r>
+            <a:r>
+              <a:rPr lang="en-US" altLang="zh-CN" dirty="0"/>
+              <a:t> Model </a:t>
+            </a:r>
+            <a:r>
+              <a:rPr lang="zh-CN" altLang="en-US" dirty="0" smtClean="0"/>
+              <a:t>是用来打包机器学习模型的一个标准格式，可以用于各种下游工具。如，实时在线服务、批量推理等。</a:t>
+            </a:r>
+            <a:endParaRPr lang="en-US" altLang="zh-CN" dirty="0" smtClean="0"/>
+          </a:p>
+          <a:p>
+            <a:pPr>
+              <a:lnSpc>
+                <a:spcPct val="150000"/>
+              </a:lnSpc>
+            </a:pPr>
+            <a:r>
+              <a:rPr lang="zh-CN" altLang="en-US" dirty="0" smtClean="0"/>
+              <a:t>这种格式定义了一个规范，基于该规范用户可以保存不同风格（</a:t>
+            </a:r>
+            <a:r>
+              <a:rPr lang="en-US" altLang="zh-CN" dirty="0"/>
+              <a:t> flavors </a:t>
+            </a:r>
+            <a:r>
+              <a:rPr lang="zh-CN" altLang="en-US" dirty="0" smtClean="0"/>
+              <a:t>）的模型，并且可以被下游工具识别。</a:t>
+            </a:r>
+            <a:endParaRPr lang="en-US" altLang="zh-CN" dirty="0" smtClean="0"/>
+          </a:p>
+        </p:txBody>
+      </p:sp>
+    </p:spTree>
+    <p:extLst>
+      <p:ext uri="{BB962C8B-B14F-4D97-AF65-F5344CB8AC3E}">
+        <p14:creationId xmlns:p14="http://schemas.microsoft.com/office/powerpoint/2010/main" val="131647168"/>
+      </p:ext>
+    </p:extLst>
   </p:cSld>
   <p:clrMapOvr>
     <a:masterClrMapping/>
@@ -5038,6 +5251,1974 @@
 </p:sld>
 </file>
 
+<file path=ppt/slides/slide20.xml><?xml version="1.0" encoding="utf-8"?>
+<p:sld xmlns:a="http://schemas.openxmlformats.org/drawingml/2006/main" xmlns:r="http://schemas.openxmlformats.org/officeDocument/2006/relationships" xmlns:p="http://schemas.openxmlformats.org/presentationml/2006/main">
+  <p:cSld>
+    <p:spTree>
+      <p:nvGrpSpPr>
+        <p:cNvPr id="1" name=""/>
+        <p:cNvGrpSpPr/>
+        <p:nvPr/>
+      </p:nvGrpSpPr>
+      <p:grpSpPr>
+        <a:xfrm>
+          <a:off x="0" y="0"/>
+          <a:ext cx="0" cy="0"/>
+          <a:chOff x="0" y="0"/>
+          <a:chExt cx="0" cy="0"/>
+        </a:xfrm>
+      </p:grpSpPr>
+      <p:sp>
+        <p:nvSpPr>
+          <p:cNvPr id="2" name="标题 1"/>
+          <p:cNvSpPr>
+            <a:spLocks noGrp="1"/>
+          </p:cNvSpPr>
+          <p:nvPr>
+            <p:ph type="title"/>
+          </p:nvPr>
+        </p:nvSpPr>
+        <p:spPr>
+          <a:xfrm>
+            <a:off x="1140351" y="263610"/>
+            <a:ext cx="9875520" cy="1356360"/>
+          </a:xfrm>
+        </p:spPr>
+        <p:txBody>
+          <a:bodyPr/>
+          <a:lstStyle/>
+          <a:p>
+            <a:r>
+              <a:rPr lang="zh-CN" altLang="en-US" dirty="0" smtClean="0"/>
+              <a:t>存储格式</a:t>
+            </a:r>
+            <a:endParaRPr lang="zh-CN" altLang="en-US" dirty="0"/>
+          </a:p>
+        </p:txBody>
+      </p:sp>
+      <p:sp>
+        <p:nvSpPr>
+          <p:cNvPr id="3" name="内容占位符 2"/>
+          <p:cNvSpPr>
+            <a:spLocks noGrp="1"/>
+          </p:cNvSpPr>
+          <p:nvPr>
+            <p:ph idx="1"/>
+          </p:nvPr>
+        </p:nvSpPr>
+        <p:spPr>
+          <a:xfrm>
+            <a:off x="955589" y="1392194"/>
+            <a:ext cx="10060282" cy="1227438"/>
+          </a:xfrm>
+        </p:spPr>
+        <p:txBody>
+          <a:bodyPr>
+            <a:normAutofit lnSpcReduction="10000"/>
+          </a:bodyPr>
+          <a:lstStyle/>
+          <a:p>
+            <a:pPr>
+              <a:lnSpc>
+                <a:spcPct val="150000"/>
+              </a:lnSpc>
+            </a:pPr>
+            <a:r>
+              <a:rPr lang="zh-CN" altLang="en-US" dirty="0" smtClean="0"/>
+              <a:t>每个</a:t>
+            </a:r>
+            <a:r>
+              <a:rPr lang="en-US" altLang="zh-CN" dirty="0" err="1"/>
+              <a:t>MLflow</a:t>
+            </a:r>
+            <a:r>
+              <a:rPr lang="en-US" altLang="zh-CN" dirty="0"/>
+              <a:t> Model </a:t>
+            </a:r>
+            <a:r>
+              <a:rPr lang="zh-CN" altLang="en-US" dirty="0" smtClean="0"/>
+              <a:t>是一个包含任意文件的目录，根目录下包含</a:t>
+            </a:r>
+            <a:r>
+              <a:rPr lang="en-US" altLang="zh-CN" dirty="0" err="1" smtClean="0"/>
+              <a:t>MLmodel</a:t>
+            </a:r>
+            <a:r>
+              <a:rPr lang="zh-CN" altLang="en-US" dirty="0" smtClean="0"/>
+              <a:t>文件。</a:t>
+            </a:r>
+            <a:endParaRPr lang="en-US" altLang="zh-CN" dirty="0" smtClean="0"/>
+          </a:p>
+          <a:p>
+            <a:pPr>
+              <a:lnSpc>
+                <a:spcPct val="150000"/>
+              </a:lnSpc>
+            </a:pPr>
+            <a:r>
+              <a:rPr lang="en-US" altLang="zh-CN" dirty="0" err="1" smtClean="0"/>
+              <a:t>Mlmodel</a:t>
+            </a:r>
+            <a:r>
+              <a:rPr lang="zh-CN" altLang="en-US" dirty="0" smtClean="0"/>
+              <a:t>可以定义模型以什么风格使用。</a:t>
+            </a:r>
+            <a:endParaRPr lang="en-US" altLang="zh-CN" dirty="0" smtClean="0"/>
+          </a:p>
+        </p:txBody>
+      </p:sp>
+      <p:sp>
+        <p:nvSpPr>
+          <p:cNvPr id="7" name="内容占位符 2"/>
+          <p:cNvSpPr txBox="1">
+            <a:spLocks/>
+          </p:cNvSpPr>
+          <p:nvPr/>
+        </p:nvSpPr>
+        <p:spPr>
+          <a:xfrm>
+            <a:off x="955589" y="2619632"/>
+            <a:ext cx="6400800" cy="3616411"/>
+          </a:xfrm>
+          <a:prstGeom prst="rect">
+            <a:avLst/>
+          </a:prstGeom>
+        </p:spPr>
+        <p:txBody>
+          <a:bodyPr vert="horz" lIns="91440" tIns="45720" rIns="91440" bIns="45720" rtlCol="0">
+            <a:normAutofit fontScale="92500" lnSpcReduction="10000"/>
+          </a:bodyPr>
+          <a:lstStyle>
+            <a:lvl1pPr marL="228600" indent="-182880" algn="l" defTabSz="914400" rtl="0" eaLnBrk="1" latinLnBrk="0" hangingPunct="1">
+              <a:lnSpc>
+                <a:spcPct val="90000"/>
+              </a:lnSpc>
+              <a:spcBef>
+                <a:spcPts val="1400"/>
+              </a:spcBef>
+              <a:buClr>
+                <a:schemeClr val="accent1"/>
+              </a:buClr>
+              <a:buSzPct val="80000"/>
+              <a:buFont typeface="Corbel" pitchFamily="34" charset="0"/>
+              <a:buChar char="•"/>
+              <a:defRPr sz="2200" kern="1200">
+                <a:solidFill>
+                  <a:schemeClr val="accent1"/>
+                </a:solidFill>
+                <a:latin typeface="+mn-lt"/>
+                <a:ea typeface="+mn-ea"/>
+                <a:cs typeface="+mn-cs"/>
+              </a:defRPr>
+            </a:lvl1pPr>
+            <a:lvl2pPr marL="457200" indent="-182880" algn="l" defTabSz="914400" rtl="0" eaLnBrk="1" latinLnBrk="0" hangingPunct="1">
+              <a:lnSpc>
+                <a:spcPct val="90000"/>
+              </a:lnSpc>
+              <a:spcBef>
+                <a:spcPts val="200"/>
+              </a:spcBef>
+              <a:spcAft>
+                <a:spcPts val="400"/>
+              </a:spcAft>
+              <a:buClr>
+                <a:schemeClr val="accent1"/>
+              </a:buClr>
+              <a:buSzPct val="80000"/>
+              <a:buFont typeface="Corbel" pitchFamily="34" charset="0"/>
+              <a:buChar char="•"/>
+              <a:defRPr sz="2000" kern="1200">
+                <a:solidFill>
+                  <a:schemeClr val="accent1"/>
+                </a:solidFill>
+                <a:latin typeface="+mn-lt"/>
+                <a:ea typeface="+mn-ea"/>
+                <a:cs typeface="+mn-cs"/>
+              </a:defRPr>
+            </a:lvl2pPr>
+            <a:lvl3pPr marL="731520" indent="-182880" algn="l" defTabSz="914400" rtl="0" eaLnBrk="1" latinLnBrk="0" hangingPunct="1">
+              <a:lnSpc>
+                <a:spcPct val="90000"/>
+              </a:lnSpc>
+              <a:spcBef>
+                <a:spcPts val="200"/>
+              </a:spcBef>
+              <a:spcAft>
+                <a:spcPts val="400"/>
+              </a:spcAft>
+              <a:buClr>
+                <a:schemeClr val="accent1"/>
+              </a:buClr>
+              <a:buSzPct val="80000"/>
+              <a:buFont typeface="Corbel" pitchFamily="34" charset="0"/>
+              <a:buChar char="•"/>
+              <a:defRPr sz="1800" kern="1200">
+                <a:solidFill>
+                  <a:schemeClr val="accent1"/>
+                </a:solidFill>
+                <a:latin typeface="+mn-lt"/>
+                <a:ea typeface="+mn-ea"/>
+                <a:cs typeface="+mn-cs"/>
+              </a:defRPr>
+            </a:lvl3pPr>
+            <a:lvl4pPr marL="1005840" indent="-182880" algn="l" defTabSz="914400" rtl="0" eaLnBrk="1" latinLnBrk="0" hangingPunct="1">
+              <a:lnSpc>
+                <a:spcPct val="90000"/>
+              </a:lnSpc>
+              <a:spcBef>
+                <a:spcPts val="200"/>
+              </a:spcBef>
+              <a:spcAft>
+                <a:spcPts val="400"/>
+              </a:spcAft>
+              <a:buClr>
+                <a:schemeClr val="accent1"/>
+              </a:buClr>
+              <a:buSzPct val="80000"/>
+              <a:buFont typeface="Corbel" pitchFamily="34" charset="0"/>
+              <a:buChar char="•"/>
+              <a:defRPr sz="1600" kern="1200">
+                <a:solidFill>
+                  <a:schemeClr val="accent1"/>
+                </a:solidFill>
+                <a:latin typeface="+mn-lt"/>
+                <a:ea typeface="+mn-ea"/>
+                <a:cs typeface="+mn-cs"/>
+              </a:defRPr>
+            </a:lvl4pPr>
+            <a:lvl5pPr marL="1280160" indent="-182880" algn="l" defTabSz="914400" rtl="0" eaLnBrk="1" latinLnBrk="0" hangingPunct="1">
+              <a:lnSpc>
+                <a:spcPct val="90000"/>
+              </a:lnSpc>
+              <a:spcBef>
+                <a:spcPts val="200"/>
+              </a:spcBef>
+              <a:spcAft>
+                <a:spcPts val="400"/>
+              </a:spcAft>
+              <a:buClr>
+                <a:schemeClr val="accent1"/>
+              </a:buClr>
+              <a:buSzPct val="80000"/>
+              <a:buFont typeface="Corbel" pitchFamily="34" charset="0"/>
+              <a:buChar char="•"/>
+              <a:defRPr sz="1600" kern="1200">
+                <a:solidFill>
+                  <a:schemeClr val="accent1"/>
+                </a:solidFill>
+                <a:latin typeface="+mn-lt"/>
+                <a:ea typeface="+mn-ea"/>
+                <a:cs typeface="+mn-cs"/>
+              </a:defRPr>
+            </a:lvl5pPr>
+            <a:lvl6pPr marL="1600200" indent="-228600" algn="l" defTabSz="914400" rtl="0" eaLnBrk="1" latinLnBrk="0" hangingPunct="1">
+              <a:lnSpc>
+                <a:spcPct val="90000"/>
+              </a:lnSpc>
+              <a:spcBef>
+                <a:spcPts val="200"/>
+              </a:spcBef>
+              <a:spcAft>
+                <a:spcPts val="400"/>
+              </a:spcAft>
+              <a:buClr>
+                <a:schemeClr val="accent1"/>
+              </a:buClr>
+              <a:buSzPct val="80000"/>
+              <a:buFont typeface="Corbel" pitchFamily="34" charset="0"/>
+              <a:buChar char="•"/>
+              <a:defRPr sz="1600" kern="1200">
+                <a:solidFill>
+                  <a:schemeClr val="accent1"/>
+                </a:solidFill>
+                <a:latin typeface="+mn-lt"/>
+                <a:ea typeface="+mn-ea"/>
+                <a:cs typeface="+mn-cs"/>
+              </a:defRPr>
+            </a:lvl6pPr>
+            <a:lvl7pPr marL="1899920" indent="-228600" algn="l" defTabSz="914400" rtl="0" eaLnBrk="1" latinLnBrk="0" hangingPunct="1">
+              <a:lnSpc>
+                <a:spcPct val="90000"/>
+              </a:lnSpc>
+              <a:spcBef>
+                <a:spcPts val="200"/>
+              </a:spcBef>
+              <a:spcAft>
+                <a:spcPts val="400"/>
+              </a:spcAft>
+              <a:buClr>
+                <a:schemeClr val="accent1"/>
+              </a:buClr>
+              <a:buSzPct val="80000"/>
+              <a:buFont typeface="Corbel" pitchFamily="34" charset="0"/>
+              <a:buChar char="•"/>
+              <a:defRPr sz="1600" kern="1200">
+                <a:solidFill>
+                  <a:schemeClr val="accent1"/>
+                </a:solidFill>
+                <a:latin typeface="+mn-lt"/>
+                <a:ea typeface="+mn-ea"/>
+                <a:cs typeface="+mn-cs"/>
+              </a:defRPr>
+            </a:lvl7pPr>
+            <a:lvl8pPr marL="2200275" indent="-228600" algn="l" defTabSz="914400" rtl="0" eaLnBrk="1" latinLnBrk="0" hangingPunct="1">
+              <a:lnSpc>
+                <a:spcPct val="90000"/>
+              </a:lnSpc>
+              <a:spcBef>
+                <a:spcPts val="200"/>
+              </a:spcBef>
+              <a:spcAft>
+                <a:spcPts val="400"/>
+              </a:spcAft>
+              <a:buClr>
+                <a:schemeClr val="accent1"/>
+              </a:buClr>
+              <a:buSzPct val="80000"/>
+              <a:buFont typeface="Corbel" pitchFamily="34" charset="0"/>
+              <a:buChar char="•"/>
+              <a:defRPr sz="1600" kern="1200">
+                <a:solidFill>
+                  <a:schemeClr val="accent1"/>
+                </a:solidFill>
+                <a:latin typeface="+mn-lt"/>
+                <a:ea typeface="+mn-ea"/>
+                <a:cs typeface="+mn-cs"/>
+              </a:defRPr>
+            </a:lvl8pPr>
+            <a:lvl9pPr marL="2499995" indent="-228600" algn="l" defTabSz="914400" rtl="0" eaLnBrk="1" latinLnBrk="0" hangingPunct="1">
+              <a:lnSpc>
+                <a:spcPct val="90000"/>
+              </a:lnSpc>
+              <a:spcBef>
+                <a:spcPts val="200"/>
+              </a:spcBef>
+              <a:spcAft>
+                <a:spcPts val="400"/>
+              </a:spcAft>
+              <a:buClr>
+                <a:schemeClr val="accent1"/>
+              </a:buClr>
+              <a:buSzPct val="80000"/>
+              <a:buFont typeface="Corbel" pitchFamily="34" charset="0"/>
+              <a:buChar char="•"/>
+              <a:defRPr sz="1600" kern="1200">
+                <a:solidFill>
+                  <a:schemeClr val="accent1"/>
+                </a:solidFill>
+                <a:latin typeface="+mn-lt"/>
+                <a:ea typeface="+mn-ea"/>
+                <a:cs typeface="+mn-cs"/>
+              </a:defRPr>
+            </a:lvl9pPr>
+          </a:lstStyle>
+          <a:p>
+            <a:pPr>
+              <a:lnSpc>
+                <a:spcPct val="150000"/>
+              </a:lnSpc>
+            </a:pPr>
+            <a:r>
+              <a:rPr lang="en-US" altLang="zh-CN" sz="1800" dirty="0" smtClean="0"/>
+              <a:t>Flavors</a:t>
+            </a:r>
+            <a:r>
+              <a:rPr lang="zh-CN" altLang="en-US" sz="1800" dirty="0" smtClean="0"/>
+              <a:t>是</a:t>
+            </a:r>
+            <a:r>
+              <a:rPr lang="en-US" altLang="zh-CN" sz="1800" dirty="0" err="1" smtClean="0"/>
+              <a:t>MLflow</a:t>
+            </a:r>
+            <a:r>
+              <a:rPr lang="en-US" altLang="zh-CN" sz="1800" dirty="0" smtClean="0"/>
+              <a:t> Models</a:t>
+            </a:r>
+            <a:r>
+              <a:rPr lang="zh-CN" altLang="en-US" sz="1800" dirty="0" smtClean="0"/>
+              <a:t>具有强大能力的关键概念。</a:t>
+            </a:r>
+            <a:endParaRPr lang="en-US" altLang="zh-CN" sz="1800" dirty="0" smtClean="0"/>
+          </a:p>
+          <a:p>
+            <a:pPr lvl="1">
+              <a:lnSpc>
+                <a:spcPct val="150000"/>
+              </a:lnSpc>
+            </a:pPr>
+            <a:r>
+              <a:rPr lang="zh-CN" altLang="en-US" sz="1600" dirty="0" smtClean="0"/>
+              <a:t>通过该规范部署工具可以识别不同的模型。</a:t>
+            </a:r>
+            <a:endParaRPr lang="en-US" altLang="zh-CN" sz="1600" dirty="0" smtClean="0"/>
+          </a:p>
+          <a:p>
+            <a:pPr lvl="1">
+              <a:lnSpc>
+                <a:spcPct val="150000"/>
+              </a:lnSpc>
+            </a:pPr>
+            <a:r>
+              <a:rPr lang="zh-CN" altLang="en-US" sz="1600" dirty="0" smtClean="0"/>
+              <a:t>这样工具或者平台可以不用整合每种机器学习库，就可以支持任意机器学习库生成的模型。</a:t>
+            </a:r>
+            <a:endParaRPr lang="en-US" altLang="zh-CN" sz="1600" dirty="0" smtClean="0"/>
+          </a:p>
+          <a:p>
+            <a:pPr lvl="1">
+              <a:lnSpc>
+                <a:spcPct val="150000"/>
+              </a:lnSpc>
+            </a:pPr>
+            <a:r>
+              <a:rPr lang="en-US" altLang="zh-CN" sz="1600" dirty="0" err="1" smtClean="0"/>
+              <a:t>Mlflow</a:t>
+            </a:r>
+            <a:r>
+              <a:rPr lang="zh-CN" altLang="en-US" sz="1600" dirty="0" smtClean="0"/>
+              <a:t>定义了几种标准风格，内置的部署工具均支持。如：</a:t>
+            </a:r>
+            <a:r>
+              <a:rPr lang="en-US" altLang="zh-CN" sz="1600" dirty="0" smtClean="0"/>
+              <a:t> Python function</a:t>
+            </a:r>
+            <a:r>
+              <a:rPr lang="zh-CN" altLang="en-US" sz="1600" dirty="0" smtClean="0"/>
+              <a:t>、</a:t>
+            </a:r>
+            <a:r>
+              <a:rPr lang="en-US" altLang="zh-CN" sz="1600" dirty="0" err="1" smtClean="0"/>
+              <a:t>sklearn</a:t>
+            </a:r>
+            <a:endParaRPr lang="en-US" altLang="zh-CN" sz="1600" dirty="0" smtClean="0"/>
+          </a:p>
+          <a:p>
+            <a:pPr lvl="1">
+              <a:lnSpc>
+                <a:spcPct val="150000"/>
+              </a:lnSpc>
+            </a:pPr>
+            <a:r>
+              <a:rPr lang="zh-CN" altLang="en-US" sz="1600" dirty="0" smtClean="0"/>
+              <a:t>自定义：</a:t>
+            </a:r>
+            <a:endParaRPr lang="en-US" altLang="zh-CN" sz="1600" dirty="0" smtClean="0"/>
+          </a:p>
+          <a:p>
+            <a:pPr lvl="2">
+              <a:lnSpc>
+                <a:spcPct val="150000"/>
+              </a:lnSpc>
+            </a:pPr>
+            <a:r>
+              <a:rPr lang="en-US" altLang="zh-CN" sz="1600" dirty="0"/>
+              <a:t>python model</a:t>
+            </a:r>
+          </a:p>
+          <a:p>
+            <a:pPr lvl="2">
+              <a:lnSpc>
+                <a:spcPct val="150000"/>
+              </a:lnSpc>
+            </a:pPr>
+            <a:r>
+              <a:rPr lang="zh-CN" altLang="en-US" sz="1600" dirty="0" smtClean="0"/>
+              <a:t>自定义</a:t>
+            </a:r>
+            <a:r>
+              <a:rPr lang="en-US" altLang="zh-CN" sz="1600" dirty="0" smtClean="0"/>
+              <a:t>flavors</a:t>
+            </a:r>
+          </a:p>
+          <a:p>
+            <a:pPr lvl="2">
+              <a:lnSpc>
+                <a:spcPct val="150000"/>
+              </a:lnSpc>
+            </a:pPr>
+            <a:endParaRPr lang="en-US" altLang="zh-CN" dirty="0" smtClean="0"/>
+          </a:p>
+        </p:txBody>
+      </p:sp>
+      <p:pic>
+        <p:nvPicPr>
+          <p:cNvPr id="8" name="图片 7"/>
+          <p:cNvPicPr>
+            <a:picLocks noChangeAspect="1"/>
+          </p:cNvPicPr>
+          <p:nvPr/>
+        </p:nvPicPr>
+        <p:blipFill>
+          <a:blip r:embed="rId2"/>
+          <a:stretch>
+            <a:fillRect/>
+          </a:stretch>
+        </p:blipFill>
+        <p:spPr>
+          <a:xfrm>
+            <a:off x="8063121" y="2520778"/>
+            <a:ext cx="2952750" cy="3390900"/>
+          </a:xfrm>
+          <a:prstGeom prst="rect">
+            <a:avLst/>
+          </a:prstGeom>
+        </p:spPr>
+      </p:pic>
+    </p:spTree>
+    <p:extLst>
+      <p:ext uri="{BB962C8B-B14F-4D97-AF65-F5344CB8AC3E}">
+        <p14:creationId xmlns:p14="http://schemas.microsoft.com/office/powerpoint/2010/main" val="3907669038"/>
+      </p:ext>
+    </p:extLst>
+  </p:cSld>
+  <p:clrMapOvr>
+    <a:masterClrMapping/>
+  </p:clrMapOvr>
+  <p:timing>
+    <p:tnLst>
+      <p:par>
+        <p:cTn id="1" dur="indefinite" restart="never" nodeType="tmRoot"/>
+      </p:par>
+    </p:tnLst>
+  </p:timing>
+</p:sld>
+</file>
+
+<file path=ppt/slides/slide21.xml><?xml version="1.0" encoding="utf-8"?>
+<p:sld xmlns:a="http://schemas.openxmlformats.org/drawingml/2006/main" xmlns:r="http://schemas.openxmlformats.org/officeDocument/2006/relationships" xmlns:p="http://schemas.openxmlformats.org/presentationml/2006/main">
+  <p:cSld>
+    <p:spTree>
+      <p:nvGrpSpPr>
+        <p:cNvPr id="1" name=""/>
+        <p:cNvGrpSpPr/>
+        <p:nvPr/>
+      </p:nvGrpSpPr>
+      <p:grpSpPr>
+        <a:xfrm>
+          <a:off x="0" y="0"/>
+          <a:ext cx="0" cy="0"/>
+          <a:chOff x="0" y="0"/>
+          <a:chExt cx="0" cy="0"/>
+        </a:xfrm>
+      </p:grpSpPr>
+      <p:pic>
+        <p:nvPicPr>
+          <p:cNvPr id="8" name="图片 7"/>
+          <p:cNvPicPr>
+            <a:picLocks noChangeAspect="1"/>
+          </p:cNvPicPr>
+          <p:nvPr/>
+        </p:nvPicPr>
+        <p:blipFill>
+          <a:blip r:embed="rId2"/>
+          <a:stretch>
+            <a:fillRect/>
+          </a:stretch>
+        </p:blipFill>
+        <p:spPr>
+          <a:xfrm>
+            <a:off x="7108609" y="245460"/>
+            <a:ext cx="4581525" cy="1752600"/>
+          </a:xfrm>
+          <a:prstGeom prst="rect">
+            <a:avLst/>
+          </a:prstGeom>
+        </p:spPr>
+      </p:pic>
+      <p:sp>
+        <p:nvSpPr>
+          <p:cNvPr id="9" name="文本框 8"/>
+          <p:cNvSpPr txBox="1"/>
+          <p:nvPr/>
+        </p:nvSpPr>
+        <p:spPr>
+          <a:xfrm>
+            <a:off x="6537752" y="2094347"/>
+            <a:ext cx="4860324" cy="3575338"/>
+          </a:xfrm>
+          <a:prstGeom prst="rect">
+            <a:avLst/>
+          </a:prstGeom>
+          <a:noFill/>
+        </p:spPr>
+        <p:txBody>
+          <a:bodyPr wrap="square" rtlCol="0">
+            <a:spAutoFit/>
+          </a:bodyPr>
+          <a:lstStyle/>
+          <a:p>
+            <a:pPr marL="228600" indent="-182880" defTabSz="914400">
+              <a:lnSpc>
+                <a:spcPct val="150000"/>
+              </a:lnSpc>
+              <a:spcBef>
+                <a:spcPts val="1400"/>
+              </a:spcBef>
+              <a:buClr>
+                <a:schemeClr val="accent1"/>
+              </a:buClr>
+              <a:buSzPct val="80000"/>
+              <a:buFont typeface="Corbel" pitchFamily="34" charset="0"/>
+              <a:buChar char="•"/>
+            </a:pPr>
+            <a:r>
+              <a:rPr lang="zh-CN" altLang="en-US" sz="1600" dirty="0" smtClean="0">
+                <a:solidFill>
+                  <a:schemeClr val="accent1"/>
+                </a:solidFill>
+              </a:rPr>
+              <a:t>支持</a:t>
+            </a:r>
+            <a:r>
+              <a:rPr lang="en-US" altLang="zh-CN" sz="1600" dirty="0" err="1" smtClean="0">
+                <a:solidFill>
+                  <a:schemeClr val="accent1"/>
+                </a:solidFill>
+              </a:rPr>
+              <a:t>sklearn</a:t>
+            </a:r>
+            <a:r>
+              <a:rPr lang="zh-CN" altLang="en-US" sz="1600" dirty="0" smtClean="0">
+                <a:solidFill>
+                  <a:schemeClr val="accent1"/>
+                </a:solidFill>
+              </a:rPr>
+              <a:t>或者</a:t>
+            </a:r>
+            <a:r>
+              <a:rPr lang="en-US" altLang="zh-CN" sz="1600" dirty="0" err="1" smtClean="0">
+                <a:solidFill>
+                  <a:schemeClr val="accent1"/>
+                </a:solidFill>
+              </a:rPr>
+              <a:t>python_function</a:t>
+            </a:r>
+            <a:r>
+              <a:rPr lang="zh-CN" altLang="en-US" sz="1600" dirty="0" smtClean="0">
+                <a:solidFill>
+                  <a:schemeClr val="accent1"/>
+                </a:solidFill>
+              </a:rPr>
+              <a:t>的工具都可以使用该模型</a:t>
+            </a:r>
+            <a:endParaRPr lang="en-US" altLang="zh-CN" sz="1600" dirty="0" smtClean="0">
+              <a:solidFill>
+                <a:schemeClr val="accent1"/>
+              </a:solidFill>
+            </a:endParaRPr>
+          </a:p>
+          <a:p>
+            <a:pPr marL="228600" indent="-182880" defTabSz="914400">
+              <a:lnSpc>
+                <a:spcPct val="150000"/>
+              </a:lnSpc>
+              <a:spcBef>
+                <a:spcPts val="1400"/>
+              </a:spcBef>
+              <a:buClr>
+                <a:schemeClr val="accent1"/>
+              </a:buClr>
+              <a:buSzPct val="80000"/>
+              <a:buFont typeface="Corbel" pitchFamily="34" charset="0"/>
+              <a:buChar char="•"/>
+            </a:pPr>
+            <a:r>
+              <a:rPr lang="en-US" altLang="zh-CN" sz="1600" dirty="0" err="1" smtClean="0">
+                <a:solidFill>
+                  <a:schemeClr val="accent1"/>
+                </a:solidFill>
+              </a:rPr>
+              <a:t>Mlmodel</a:t>
+            </a:r>
+            <a:r>
+              <a:rPr lang="zh-CN" altLang="en-US" sz="1600" dirty="0" smtClean="0">
+                <a:solidFill>
+                  <a:schemeClr val="accent1"/>
+                </a:solidFill>
+              </a:rPr>
+              <a:t>相应字段：</a:t>
+            </a:r>
+            <a:endParaRPr lang="en-US" altLang="zh-CN" sz="1600" dirty="0" smtClean="0">
+              <a:solidFill>
+                <a:schemeClr val="accent1"/>
+              </a:solidFill>
+            </a:endParaRPr>
+          </a:p>
+          <a:p>
+            <a:pPr marL="685800" lvl="1" indent="-182880" defTabSz="914400">
+              <a:lnSpc>
+                <a:spcPct val="150000"/>
+              </a:lnSpc>
+              <a:spcBef>
+                <a:spcPts val="1400"/>
+              </a:spcBef>
+              <a:buClr>
+                <a:schemeClr val="accent1"/>
+              </a:buClr>
+              <a:buSzPct val="80000"/>
+              <a:buFont typeface="Corbel" pitchFamily="34" charset="0"/>
+              <a:buChar char="•"/>
+            </a:pPr>
+            <a:r>
+              <a:rPr lang="en-US" altLang="zh-CN" sz="1600" dirty="0" err="1" smtClean="0">
+                <a:solidFill>
+                  <a:schemeClr val="accent1"/>
+                </a:solidFill>
+              </a:rPr>
+              <a:t>utc_time_created</a:t>
+            </a:r>
+            <a:r>
+              <a:rPr lang="zh-CN" altLang="en-US" sz="1600" dirty="0" smtClean="0">
+                <a:solidFill>
+                  <a:schemeClr val="accent1"/>
+                </a:solidFill>
+              </a:rPr>
+              <a:t>：模型创建时间</a:t>
+            </a:r>
+            <a:endParaRPr lang="en-US" altLang="zh-CN" sz="1600" dirty="0" smtClean="0">
+              <a:solidFill>
+                <a:schemeClr val="accent1"/>
+              </a:solidFill>
+            </a:endParaRPr>
+          </a:p>
+          <a:p>
+            <a:pPr marL="685800" lvl="1" indent="-182880" defTabSz="914400">
+              <a:lnSpc>
+                <a:spcPct val="150000"/>
+              </a:lnSpc>
+              <a:spcBef>
+                <a:spcPts val="1400"/>
+              </a:spcBef>
+              <a:buClr>
+                <a:schemeClr val="accent1"/>
+              </a:buClr>
+              <a:buSzPct val="80000"/>
+              <a:buFont typeface="Corbel" pitchFamily="34" charset="0"/>
+              <a:buChar char="•"/>
+            </a:pPr>
+            <a:r>
+              <a:rPr lang="en-US" altLang="zh-CN" sz="1600" dirty="0" err="1" smtClean="0">
+                <a:solidFill>
+                  <a:schemeClr val="accent1"/>
+                </a:solidFill>
+              </a:rPr>
+              <a:t>run_id</a:t>
+            </a:r>
+            <a:r>
+              <a:rPr lang="zh-CN" altLang="en-US" sz="1600" dirty="0" smtClean="0">
+                <a:solidFill>
+                  <a:schemeClr val="accent1"/>
+                </a:solidFill>
+              </a:rPr>
+              <a:t>：生成该模型的任务</a:t>
+            </a:r>
+            <a:r>
+              <a:rPr lang="en-US" altLang="zh-CN" sz="1600" dirty="0" smtClean="0">
+                <a:solidFill>
+                  <a:schemeClr val="accent1"/>
+                </a:solidFill>
+              </a:rPr>
+              <a:t>id</a:t>
+            </a:r>
+          </a:p>
+          <a:p>
+            <a:pPr marL="685800" lvl="1" indent="-182880" defTabSz="914400">
+              <a:lnSpc>
+                <a:spcPct val="150000"/>
+              </a:lnSpc>
+              <a:spcBef>
+                <a:spcPts val="1400"/>
+              </a:spcBef>
+              <a:buClr>
+                <a:schemeClr val="accent1"/>
+              </a:buClr>
+              <a:buSzPct val="80000"/>
+              <a:buFont typeface="Corbel" pitchFamily="34" charset="0"/>
+              <a:buChar char="•"/>
+            </a:pPr>
+            <a:r>
+              <a:rPr lang="en-US" altLang="zh-CN" sz="1600" dirty="0" smtClean="0">
+                <a:solidFill>
+                  <a:schemeClr val="accent1"/>
+                </a:solidFill>
+              </a:rPr>
+              <a:t>Signature</a:t>
+            </a:r>
+            <a:r>
+              <a:rPr lang="zh-CN" altLang="en-US" sz="1600" dirty="0" smtClean="0">
+                <a:solidFill>
+                  <a:schemeClr val="accent1"/>
+                </a:solidFill>
+              </a:rPr>
+              <a:t>：描述模型的输入输出信息</a:t>
+            </a:r>
+            <a:endParaRPr lang="en-US" altLang="zh-CN" sz="1600" dirty="0">
+              <a:solidFill>
+                <a:schemeClr val="accent1"/>
+              </a:solidFill>
+            </a:endParaRPr>
+          </a:p>
+          <a:p>
+            <a:pPr marL="685800" lvl="1" indent="-182880" defTabSz="914400">
+              <a:lnSpc>
+                <a:spcPct val="150000"/>
+              </a:lnSpc>
+              <a:spcBef>
+                <a:spcPts val="1400"/>
+              </a:spcBef>
+              <a:buClr>
+                <a:schemeClr val="accent1"/>
+              </a:buClr>
+              <a:buSzPct val="80000"/>
+              <a:buFont typeface="Corbel" pitchFamily="34" charset="0"/>
+              <a:buChar char="•"/>
+            </a:pPr>
+            <a:r>
+              <a:rPr lang="en-US" altLang="zh-CN" sz="1600" dirty="0" err="1" smtClean="0">
+                <a:solidFill>
+                  <a:schemeClr val="accent1"/>
+                </a:solidFill>
+              </a:rPr>
+              <a:t>input_example</a:t>
+            </a:r>
+            <a:r>
+              <a:rPr lang="zh-CN" altLang="en-US" sz="1600" dirty="0" smtClean="0">
+                <a:solidFill>
+                  <a:schemeClr val="accent1"/>
+                </a:solidFill>
+              </a:rPr>
+              <a:t>：输入示例</a:t>
+            </a:r>
+            <a:endParaRPr lang="zh-CN" altLang="en-US" sz="1600" dirty="0">
+              <a:solidFill>
+                <a:schemeClr val="accent1"/>
+              </a:solidFill>
+            </a:endParaRPr>
+          </a:p>
+        </p:txBody>
+      </p:sp>
+      <p:pic>
+        <p:nvPicPr>
+          <p:cNvPr id="12" name="图片 11"/>
+          <p:cNvPicPr>
+            <a:picLocks noChangeAspect="1"/>
+          </p:cNvPicPr>
+          <p:nvPr/>
+        </p:nvPicPr>
+        <p:blipFill>
+          <a:blip r:embed="rId3"/>
+          <a:stretch>
+            <a:fillRect/>
+          </a:stretch>
+        </p:blipFill>
+        <p:spPr>
+          <a:xfrm>
+            <a:off x="258074" y="245460"/>
+            <a:ext cx="4933950" cy="1028700"/>
+          </a:xfrm>
+          <a:prstGeom prst="rect">
+            <a:avLst/>
+          </a:prstGeom>
+        </p:spPr>
+      </p:pic>
+      <p:pic>
+        <p:nvPicPr>
+          <p:cNvPr id="13" name="图片 12"/>
+          <p:cNvPicPr>
+            <a:picLocks noChangeAspect="1"/>
+          </p:cNvPicPr>
+          <p:nvPr/>
+        </p:nvPicPr>
+        <p:blipFill>
+          <a:blip r:embed="rId4"/>
+          <a:stretch>
+            <a:fillRect/>
+          </a:stretch>
+        </p:blipFill>
+        <p:spPr>
+          <a:xfrm>
+            <a:off x="258074" y="1491277"/>
+            <a:ext cx="6172200" cy="3743325"/>
+          </a:xfrm>
+          <a:prstGeom prst="rect">
+            <a:avLst/>
+          </a:prstGeom>
+        </p:spPr>
+      </p:pic>
+      <p:pic>
+        <p:nvPicPr>
+          <p:cNvPr id="14" name="图片 13"/>
+          <p:cNvPicPr>
+            <a:picLocks noChangeAspect="1"/>
+          </p:cNvPicPr>
+          <p:nvPr/>
+        </p:nvPicPr>
+        <p:blipFill>
+          <a:blip r:embed="rId5"/>
+          <a:stretch>
+            <a:fillRect/>
+          </a:stretch>
+        </p:blipFill>
+        <p:spPr>
+          <a:xfrm>
+            <a:off x="258074" y="5765972"/>
+            <a:ext cx="6991350" cy="647700"/>
+          </a:xfrm>
+          <a:prstGeom prst="rect">
+            <a:avLst/>
+          </a:prstGeom>
+        </p:spPr>
+      </p:pic>
+    </p:spTree>
+    <p:extLst>
+      <p:ext uri="{BB962C8B-B14F-4D97-AF65-F5344CB8AC3E}">
+        <p14:creationId xmlns:p14="http://schemas.microsoft.com/office/powerpoint/2010/main" val="48928111"/>
+      </p:ext>
+    </p:extLst>
+  </p:cSld>
+  <p:clrMapOvr>
+    <a:masterClrMapping/>
+  </p:clrMapOvr>
+  <p:timing>
+    <p:tnLst>
+      <p:par>
+        <p:cTn id="1" dur="indefinite" restart="never" nodeType="tmRoot"/>
+      </p:par>
+    </p:tnLst>
+  </p:timing>
+</p:sld>
+</file>
+
+<file path=ppt/slides/slide22.xml><?xml version="1.0" encoding="utf-8"?>
+<p:sld xmlns:a="http://schemas.openxmlformats.org/drawingml/2006/main" xmlns:r="http://schemas.openxmlformats.org/officeDocument/2006/relationships" xmlns:p="http://schemas.openxmlformats.org/presentationml/2006/main">
+  <p:cSld>
+    <p:spTree>
+      <p:nvGrpSpPr>
+        <p:cNvPr id="1" name=""/>
+        <p:cNvGrpSpPr/>
+        <p:nvPr/>
+      </p:nvGrpSpPr>
+      <p:grpSpPr>
+        <a:xfrm>
+          <a:off x="0" y="0"/>
+          <a:ext cx="0" cy="0"/>
+          <a:chOff x="0" y="0"/>
+          <a:chExt cx="0" cy="0"/>
+        </a:xfrm>
+      </p:grpSpPr>
+      <p:pic>
+        <p:nvPicPr>
+          <p:cNvPr id="10" name="图片 9"/>
+          <p:cNvPicPr>
+            <a:picLocks noChangeAspect="1"/>
+          </p:cNvPicPr>
+          <p:nvPr/>
+        </p:nvPicPr>
+        <p:blipFill>
+          <a:blip r:embed="rId2"/>
+          <a:stretch>
+            <a:fillRect/>
+          </a:stretch>
+        </p:blipFill>
+        <p:spPr>
+          <a:xfrm>
+            <a:off x="1307370" y="1026916"/>
+            <a:ext cx="6981825" cy="1428750"/>
+          </a:xfrm>
+          <a:prstGeom prst="rect">
+            <a:avLst/>
+          </a:prstGeom>
+        </p:spPr>
+      </p:pic>
+      <p:pic>
+        <p:nvPicPr>
+          <p:cNvPr id="11" name="图片 10"/>
+          <p:cNvPicPr>
+            <a:picLocks noChangeAspect="1"/>
+          </p:cNvPicPr>
+          <p:nvPr/>
+        </p:nvPicPr>
+        <p:blipFill>
+          <a:blip r:embed="rId3"/>
+          <a:stretch>
+            <a:fillRect/>
+          </a:stretch>
+        </p:blipFill>
+        <p:spPr>
+          <a:xfrm>
+            <a:off x="2709347" y="3002064"/>
+            <a:ext cx="6048375" cy="2771775"/>
+          </a:xfrm>
+          <a:prstGeom prst="rect">
+            <a:avLst/>
+          </a:prstGeom>
+        </p:spPr>
+      </p:pic>
+    </p:spTree>
+    <p:extLst>
+      <p:ext uri="{BB962C8B-B14F-4D97-AF65-F5344CB8AC3E}">
+        <p14:creationId xmlns:p14="http://schemas.microsoft.com/office/powerpoint/2010/main" val="3127798141"/>
+      </p:ext>
+    </p:extLst>
+  </p:cSld>
+  <p:clrMapOvr>
+    <a:masterClrMapping/>
+  </p:clrMapOvr>
+  <p:timing>
+    <p:tnLst>
+      <p:par>
+        <p:cTn id="1" dur="indefinite" restart="never" nodeType="tmRoot"/>
+      </p:par>
+    </p:tnLst>
+  </p:timing>
+</p:sld>
+</file>
+
+<file path=ppt/slides/slide23.xml><?xml version="1.0" encoding="utf-8"?>
+<p:sld xmlns:a="http://schemas.openxmlformats.org/drawingml/2006/main" xmlns:r="http://schemas.openxmlformats.org/officeDocument/2006/relationships" xmlns:p="http://schemas.openxmlformats.org/presentationml/2006/main">
+  <p:cSld>
+    <p:spTree>
+      <p:nvGrpSpPr>
+        <p:cNvPr id="1" name=""/>
+        <p:cNvGrpSpPr/>
+        <p:nvPr/>
+      </p:nvGrpSpPr>
+      <p:grpSpPr>
+        <a:xfrm>
+          <a:off x="0" y="0"/>
+          <a:ext cx="0" cy="0"/>
+          <a:chOff x="0" y="0"/>
+          <a:chExt cx="0" cy="0"/>
+        </a:xfrm>
+      </p:grpSpPr>
+      <p:sp>
+        <p:nvSpPr>
+          <p:cNvPr id="2" name="标题 1"/>
+          <p:cNvSpPr>
+            <a:spLocks noGrp="1"/>
+          </p:cNvSpPr>
+          <p:nvPr>
+            <p:ph type="title"/>
+          </p:nvPr>
+        </p:nvSpPr>
+        <p:spPr/>
+        <p:txBody>
+          <a:bodyPr/>
+          <a:lstStyle/>
+          <a:p>
+            <a:r>
+              <a:rPr lang="en-US" altLang="zh-CN" cap="none" dirty="0" err="1"/>
+              <a:t>MLflow</a:t>
+            </a:r>
+            <a:r>
+              <a:rPr lang="en-US" altLang="zh-CN" cap="none" dirty="0"/>
+              <a:t> Model Registry</a:t>
+            </a:r>
+          </a:p>
+        </p:txBody>
+      </p:sp>
+    </p:spTree>
+    <p:extLst>
+      <p:ext uri="{BB962C8B-B14F-4D97-AF65-F5344CB8AC3E}">
+        <p14:creationId xmlns:p14="http://schemas.microsoft.com/office/powerpoint/2010/main" val="2191975964"/>
+      </p:ext>
+    </p:extLst>
+  </p:cSld>
+  <p:clrMapOvr>
+    <a:masterClrMapping/>
+  </p:clrMapOvr>
+  <p:timing>
+    <p:tnLst>
+      <p:par>
+        <p:cTn id="1" dur="indefinite" restart="never" nodeType="tmRoot"/>
+      </p:par>
+    </p:tnLst>
+  </p:timing>
+</p:sld>
+</file>
+
+<file path=ppt/slides/slide24.xml><?xml version="1.0" encoding="utf-8"?>
+<p:sld xmlns:a="http://schemas.openxmlformats.org/drawingml/2006/main" xmlns:r="http://schemas.openxmlformats.org/officeDocument/2006/relationships" xmlns:p="http://schemas.openxmlformats.org/presentationml/2006/main">
+  <p:cSld>
+    <p:spTree>
+      <p:nvGrpSpPr>
+        <p:cNvPr id="1" name=""/>
+        <p:cNvGrpSpPr/>
+        <p:nvPr/>
+      </p:nvGrpSpPr>
+      <p:grpSpPr>
+        <a:xfrm>
+          <a:off x="0" y="0"/>
+          <a:ext cx="0" cy="0"/>
+          <a:chOff x="0" y="0"/>
+          <a:chExt cx="0" cy="0"/>
+        </a:xfrm>
+      </p:grpSpPr>
+      <p:sp>
+        <p:nvSpPr>
+          <p:cNvPr id="2" name="标题 1"/>
+          <p:cNvSpPr>
+            <a:spLocks noGrp="1"/>
+          </p:cNvSpPr>
+          <p:nvPr>
+            <p:ph type="title"/>
+          </p:nvPr>
+        </p:nvSpPr>
+        <p:spPr>
+          <a:xfrm>
+            <a:off x="1140351" y="263610"/>
+            <a:ext cx="9875520" cy="1356360"/>
+          </a:xfrm>
+        </p:spPr>
+        <p:txBody>
+          <a:bodyPr/>
+          <a:lstStyle/>
+          <a:p>
+            <a:r>
+              <a:rPr lang="zh-CN" altLang="en-US" dirty="0" smtClean="0"/>
+              <a:t>简介</a:t>
+            </a:r>
+            <a:endParaRPr lang="zh-CN" altLang="en-US" dirty="0"/>
+          </a:p>
+        </p:txBody>
+      </p:sp>
+      <p:sp>
+        <p:nvSpPr>
+          <p:cNvPr id="3" name="内容占位符 2"/>
+          <p:cNvSpPr>
+            <a:spLocks noGrp="1"/>
+          </p:cNvSpPr>
+          <p:nvPr>
+            <p:ph idx="1"/>
+          </p:nvPr>
+        </p:nvSpPr>
+        <p:spPr>
+          <a:xfrm>
+            <a:off x="1143000" y="1499286"/>
+            <a:ext cx="9872871" cy="4596714"/>
+          </a:xfrm>
+        </p:spPr>
+        <p:txBody>
+          <a:bodyPr>
+            <a:normAutofit/>
+          </a:bodyPr>
+          <a:lstStyle/>
+          <a:p>
+            <a:pPr>
+              <a:lnSpc>
+                <a:spcPct val="150000"/>
+              </a:lnSpc>
+            </a:pPr>
+            <a:r>
+              <a:rPr lang="zh-CN" altLang="en-US" dirty="0" smtClean="0"/>
+              <a:t>模型仓库是一个通过中心化的模型存储、</a:t>
+            </a:r>
+            <a:r>
+              <a:rPr lang="en-US" altLang="zh-CN" dirty="0" smtClean="0"/>
+              <a:t>API</a:t>
+            </a:r>
+            <a:r>
+              <a:rPr lang="zh-CN" altLang="en-US" dirty="0" smtClean="0"/>
+              <a:t>集合以及</a:t>
+            </a:r>
+            <a:r>
+              <a:rPr lang="en-US" altLang="zh-CN" dirty="0" smtClean="0"/>
+              <a:t>UI</a:t>
+            </a:r>
+            <a:r>
+              <a:rPr lang="zh-CN" altLang="en-US" dirty="0" smtClean="0"/>
+              <a:t>协助管理</a:t>
+            </a:r>
+            <a:r>
+              <a:rPr lang="en-US" altLang="zh-CN" dirty="0" err="1"/>
+              <a:t>MLflow</a:t>
+            </a:r>
+            <a:r>
+              <a:rPr lang="en-US" altLang="zh-CN" dirty="0"/>
+              <a:t> Model </a:t>
+            </a:r>
+            <a:r>
+              <a:rPr lang="zh-CN" altLang="en-US" dirty="0" smtClean="0"/>
+              <a:t>全生命周期的组件。</a:t>
+            </a:r>
+            <a:endParaRPr lang="en-US" altLang="zh-CN" dirty="0" smtClean="0"/>
+          </a:p>
+          <a:p>
+            <a:pPr>
+              <a:lnSpc>
+                <a:spcPct val="150000"/>
+              </a:lnSpc>
+            </a:pPr>
+            <a:r>
+              <a:rPr lang="zh-CN" altLang="en-US" dirty="0" smtClean="0"/>
+              <a:t>具有模型血缘（</a:t>
+            </a:r>
+            <a:r>
+              <a:rPr lang="en-US" altLang="zh-CN" dirty="0" smtClean="0"/>
+              <a:t>model lineage</a:t>
+            </a:r>
+            <a:r>
+              <a:rPr lang="zh-CN" altLang="en-US" dirty="0" smtClean="0"/>
+              <a:t>，关联实验和运行</a:t>
+            </a:r>
+            <a:r>
+              <a:rPr lang="en-US" altLang="zh-CN" dirty="0" smtClean="0"/>
+              <a:t>id</a:t>
+            </a:r>
+            <a:r>
+              <a:rPr lang="zh-CN" altLang="en-US" dirty="0" smtClean="0"/>
+              <a:t>）、模型版本控制、发布管理（预发、生产）、以及注解功能</a:t>
+            </a:r>
+            <a:endParaRPr lang="en-US" altLang="zh-CN" dirty="0" smtClean="0"/>
+          </a:p>
+        </p:txBody>
+      </p:sp>
+    </p:spTree>
+    <p:extLst>
+      <p:ext uri="{BB962C8B-B14F-4D97-AF65-F5344CB8AC3E}">
+        <p14:creationId xmlns:p14="http://schemas.microsoft.com/office/powerpoint/2010/main" val="53273777"/>
+      </p:ext>
+    </p:extLst>
+  </p:cSld>
+  <p:clrMapOvr>
+    <a:masterClrMapping/>
+  </p:clrMapOvr>
+  <p:timing>
+    <p:tnLst>
+      <p:par>
+        <p:cTn id="1" dur="indefinite" restart="never" nodeType="tmRoot"/>
+      </p:par>
+    </p:tnLst>
+  </p:timing>
+</p:sld>
+</file>
+
+<file path=ppt/slides/slide25.xml><?xml version="1.0" encoding="utf-8"?>
+<p:sld xmlns:a="http://schemas.openxmlformats.org/drawingml/2006/main" xmlns:r="http://schemas.openxmlformats.org/officeDocument/2006/relationships" xmlns:p="http://schemas.openxmlformats.org/presentationml/2006/main">
+  <p:cSld>
+    <p:spTree>
+      <p:nvGrpSpPr>
+        <p:cNvPr id="1" name=""/>
+        <p:cNvGrpSpPr/>
+        <p:nvPr/>
+      </p:nvGrpSpPr>
+      <p:grpSpPr>
+        <a:xfrm>
+          <a:off x="0" y="0"/>
+          <a:ext cx="0" cy="0"/>
+          <a:chOff x="0" y="0"/>
+          <a:chExt cx="0" cy="0"/>
+        </a:xfrm>
+      </p:grpSpPr>
+      <p:sp>
+        <p:nvSpPr>
+          <p:cNvPr id="2" name="标题 1"/>
+          <p:cNvSpPr>
+            <a:spLocks noGrp="1"/>
+          </p:cNvSpPr>
+          <p:nvPr>
+            <p:ph type="title"/>
+          </p:nvPr>
+        </p:nvSpPr>
+        <p:spPr>
+          <a:xfrm>
+            <a:off x="1140351" y="263610"/>
+            <a:ext cx="9875520" cy="1356360"/>
+          </a:xfrm>
+        </p:spPr>
+        <p:txBody>
+          <a:bodyPr/>
+          <a:lstStyle/>
+          <a:p>
+            <a:r>
+              <a:rPr lang="zh-CN" altLang="en-US" dirty="0"/>
+              <a:t>概念</a:t>
+            </a:r>
+            <a:endParaRPr lang="zh-CN" altLang="en-US" dirty="0"/>
+          </a:p>
+        </p:txBody>
+      </p:sp>
+      <p:sp>
+        <p:nvSpPr>
+          <p:cNvPr id="3" name="内容占位符 2"/>
+          <p:cNvSpPr>
+            <a:spLocks noGrp="1"/>
+          </p:cNvSpPr>
+          <p:nvPr>
+            <p:ph idx="1"/>
+          </p:nvPr>
+        </p:nvSpPr>
+        <p:spPr>
+          <a:xfrm>
+            <a:off x="1143000" y="1499286"/>
+            <a:ext cx="9872871" cy="4596714"/>
+          </a:xfrm>
+        </p:spPr>
+        <p:txBody>
+          <a:bodyPr>
+            <a:normAutofit fontScale="92500" lnSpcReduction="20000"/>
+          </a:bodyPr>
+          <a:lstStyle/>
+          <a:p>
+            <a:pPr>
+              <a:lnSpc>
+                <a:spcPct val="150000"/>
+              </a:lnSpc>
+            </a:pPr>
+            <a:r>
+              <a:rPr lang="en-US" altLang="zh-CN" dirty="0" smtClean="0"/>
+              <a:t>Model</a:t>
+            </a:r>
+            <a:r>
+              <a:rPr lang="zh-CN" altLang="en-US" dirty="0" smtClean="0"/>
+              <a:t>：通过</a:t>
+            </a:r>
+            <a:r>
+              <a:rPr lang="en-US" altLang="zh-CN" dirty="0" err="1" smtClean="0"/>
+              <a:t>mlflow</a:t>
+            </a:r>
+            <a:r>
+              <a:rPr lang="en-US" altLang="zh-CN" dirty="0"/>
+              <a:t>.&lt;</a:t>
+            </a:r>
+            <a:r>
+              <a:rPr lang="en-US" altLang="zh-CN" dirty="0" err="1"/>
+              <a:t>model_flavor</a:t>
+            </a:r>
+            <a:r>
+              <a:rPr lang="en-US" altLang="zh-CN" dirty="0"/>
+              <a:t>&gt;.</a:t>
+            </a:r>
+            <a:r>
+              <a:rPr lang="en-US" altLang="zh-CN" dirty="0" err="1"/>
+              <a:t>log_model</a:t>
+            </a:r>
+            <a:r>
+              <a:rPr lang="en-US" altLang="zh-CN" dirty="0" smtClean="0"/>
+              <a:t>()</a:t>
+            </a:r>
+            <a:r>
+              <a:rPr lang="zh-CN" altLang="en-US" dirty="0" smtClean="0"/>
+              <a:t>保存的模型。</a:t>
+            </a:r>
+            <a:endParaRPr lang="en-US" altLang="zh-CN" dirty="0" smtClean="0"/>
+          </a:p>
+          <a:p>
+            <a:pPr>
+              <a:lnSpc>
+                <a:spcPct val="150000"/>
+              </a:lnSpc>
+            </a:pPr>
+            <a:r>
+              <a:rPr lang="en-US" altLang="zh-CN" dirty="0"/>
+              <a:t>Registered </a:t>
+            </a:r>
+            <a:r>
+              <a:rPr lang="en-US" altLang="zh-CN" dirty="0" smtClean="0"/>
+              <a:t>Model</a:t>
+            </a:r>
+            <a:r>
+              <a:rPr lang="zh-CN" altLang="en-US" dirty="0" smtClean="0"/>
+              <a:t>：上述</a:t>
+            </a:r>
+            <a:r>
+              <a:rPr lang="en-US" altLang="zh-CN" dirty="0" smtClean="0"/>
+              <a:t>model</a:t>
+            </a:r>
+            <a:r>
+              <a:rPr lang="zh-CN" altLang="en-US" dirty="0" smtClean="0"/>
+              <a:t>注册到模型中心。已注册的模型具有唯一名称、版本、发布阶段、模型血缘以及其他一些元数据。</a:t>
+            </a:r>
+            <a:endParaRPr lang="en-US" altLang="zh-CN" dirty="0" smtClean="0"/>
+          </a:p>
+          <a:p>
+            <a:pPr>
+              <a:lnSpc>
+                <a:spcPct val="150000"/>
+              </a:lnSpc>
+            </a:pPr>
+            <a:r>
+              <a:rPr lang="en-US" altLang="zh-CN" dirty="0"/>
+              <a:t>Model </a:t>
+            </a:r>
+            <a:r>
+              <a:rPr lang="en-US" altLang="zh-CN" dirty="0" smtClean="0"/>
+              <a:t>Version</a:t>
+            </a:r>
+            <a:r>
+              <a:rPr lang="zh-CN" altLang="en-US" dirty="0" smtClean="0"/>
+              <a:t>：每个注册的模型具有一个或者多个版本。新模型注册时是</a:t>
+            </a:r>
+            <a:r>
+              <a:rPr lang="en-US" altLang="zh-CN" dirty="0" smtClean="0"/>
+              <a:t>version 1</a:t>
+            </a:r>
+            <a:r>
+              <a:rPr lang="zh-CN" altLang="en-US" dirty="0" smtClean="0"/>
+              <a:t>，新模型注册到同一个模型名称时版本自增。</a:t>
+            </a:r>
+            <a:endParaRPr lang="en-US" altLang="zh-CN" dirty="0"/>
+          </a:p>
+          <a:p>
+            <a:pPr>
+              <a:lnSpc>
+                <a:spcPct val="150000"/>
+              </a:lnSpc>
+            </a:pPr>
+            <a:r>
+              <a:rPr lang="en-US" altLang="zh-CN" dirty="0"/>
+              <a:t>Model </a:t>
+            </a:r>
+            <a:r>
+              <a:rPr lang="en-US" altLang="zh-CN" dirty="0" smtClean="0"/>
+              <a:t>Stage</a:t>
+            </a:r>
+            <a:r>
+              <a:rPr lang="zh-CN" altLang="en-US" dirty="0" smtClean="0"/>
+              <a:t>：模型发布阶段，</a:t>
+            </a:r>
+            <a:r>
+              <a:rPr lang="en-US" altLang="zh-CN" dirty="0" err="1" smtClean="0"/>
+              <a:t>Mlflow</a:t>
+            </a:r>
+            <a:r>
+              <a:rPr lang="zh-CN" altLang="en-US" dirty="0" smtClean="0"/>
+              <a:t>预定义了</a:t>
+            </a:r>
+            <a:r>
+              <a:rPr lang="zh-CN" altLang="en-US" dirty="0"/>
+              <a:t>三</a:t>
+            </a:r>
+            <a:r>
+              <a:rPr lang="zh-CN" altLang="en-US" dirty="0" smtClean="0"/>
+              <a:t>个阶段</a:t>
+            </a:r>
+            <a:r>
+              <a:rPr lang="en-US" altLang="zh-CN" dirty="0" smtClean="0"/>
+              <a:t>Staging</a:t>
+            </a:r>
+            <a:r>
+              <a:rPr lang="zh-CN" altLang="en-US" dirty="0" smtClean="0"/>
+              <a:t>、</a:t>
+            </a:r>
+            <a:r>
+              <a:rPr lang="en-US" altLang="zh-CN" dirty="0" smtClean="0"/>
+              <a:t>Production </a:t>
+            </a:r>
+            <a:r>
+              <a:rPr lang="zh-CN" altLang="en-US" dirty="0" smtClean="0"/>
+              <a:t>、</a:t>
+            </a:r>
+            <a:r>
+              <a:rPr lang="en-US" altLang="zh-CN" dirty="0" smtClean="0"/>
+              <a:t> </a:t>
+            </a:r>
+            <a:r>
+              <a:rPr lang="en-US" altLang="zh-CN" dirty="0"/>
+              <a:t>Archived</a:t>
+            </a:r>
+            <a:endParaRPr lang="en-US" altLang="zh-CN" dirty="0" smtClean="0"/>
+          </a:p>
+          <a:p>
+            <a:pPr>
+              <a:lnSpc>
+                <a:spcPct val="150000"/>
+              </a:lnSpc>
+            </a:pPr>
+            <a:r>
+              <a:rPr lang="en-US" altLang="zh-CN" dirty="0"/>
+              <a:t>Annotations and </a:t>
+            </a:r>
+            <a:r>
+              <a:rPr lang="en-US" altLang="zh-CN" dirty="0" smtClean="0"/>
+              <a:t>Descriptions</a:t>
+            </a:r>
+            <a:r>
+              <a:rPr lang="zh-CN" altLang="en-US" dirty="0" smtClean="0"/>
+              <a:t>：可以使用</a:t>
+            </a:r>
+            <a:r>
+              <a:rPr lang="en-US" altLang="zh-CN" dirty="0" smtClean="0"/>
+              <a:t>markdown</a:t>
+            </a:r>
+            <a:r>
+              <a:rPr lang="zh-CN" altLang="en-US" dirty="0" smtClean="0"/>
+              <a:t>给模型或者每个版本添加注释。如，算法描述、使用的数据集及方法</a:t>
+            </a:r>
+            <a:endParaRPr lang="en-US" altLang="zh-CN" dirty="0" smtClean="0"/>
+          </a:p>
+        </p:txBody>
+      </p:sp>
+    </p:spTree>
+    <p:extLst>
+      <p:ext uri="{BB962C8B-B14F-4D97-AF65-F5344CB8AC3E}">
+        <p14:creationId xmlns:p14="http://schemas.microsoft.com/office/powerpoint/2010/main" val="1446495805"/>
+      </p:ext>
+    </p:extLst>
+  </p:cSld>
+  <p:clrMapOvr>
+    <a:masterClrMapping/>
+  </p:clrMapOvr>
+  <p:timing>
+    <p:tnLst>
+      <p:par>
+        <p:cTn id="1" dur="indefinite" restart="never" nodeType="tmRoot"/>
+      </p:par>
+    </p:tnLst>
+  </p:timing>
+</p:sld>
+</file>
+
+<file path=ppt/slides/slide26.xml><?xml version="1.0" encoding="utf-8"?>
+<p:sld xmlns:a="http://schemas.openxmlformats.org/drawingml/2006/main" xmlns:r="http://schemas.openxmlformats.org/officeDocument/2006/relationships" xmlns:p="http://schemas.openxmlformats.org/presentationml/2006/main">
+  <p:cSld>
+    <p:spTree>
+      <p:nvGrpSpPr>
+        <p:cNvPr id="1" name=""/>
+        <p:cNvGrpSpPr/>
+        <p:nvPr/>
+      </p:nvGrpSpPr>
+      <p:grpSpPr>
+        <a:xfrm>
+          <a:off x="0" y="0"/>
+          <a:ext cx="0" cy="0"/>
+          <a:chOff x="0" y="0"/>
+          <a:chExt cx="0" cy="0"/>
+        </a:xfrm>
+      </p:grpSpPr>
+      <p:sp>
+        <p:nvSpPr>
+          <p:cNvPr id="2" name="标题 1"/>
+          <p:cNvSpPr>
+            <a:spLocks noGrp="1"/>
+          </p:cNvSpPr>
+          <p:nvPr>
+            <p:ph type="title"/>
+          </p:nvPr>
+        </p:nvSpPr>
+        <p:spPr>
+          <a:xfrm>
+            <a:off x="1140351" y="263610"/>
+            <a:ext cx="9875520" cy="1356360"/>
+          </a:xfrm>
+        </p:spPr>
+        <p:txBody>
+          <a:bodyPr/>
+          <a:lstStyle/>
+          <a:p>
+            <a:r>
+              <a:rPr lang="zh-CN" altLang="en-US" dirty="0" smtClean="0"/>
+              <a:t>使用模型</a:t>
+            </a:r>
+            <a:endParaRPr lang="zh-CN" altLang="en-US" dirty="0"/>
+          </a:p>
+        </p:txBody>
+      </p:sp>
+      <p:pic>
+        <p:nvPicPr>
+          <p:cNvPr id="4" name="内容占位符 3"/>
+          <p:cNvPicPr>
+            <a:picLocks noGrp="1" noChangeAspect="1"/>
+          </p:cNvPicPr>
+          <p:nvPr>
+            <p:ph idx="1"/>
+          </p:nvPr>
+        </p:nvPicPr>
+        <p:blipFill>
+          <a:blip r:embed="rId2"/>
+          <a:stretch>
+            <a:fillRect/>
+          </a:stretch>
+        </p:blipFill>
+        <p:spPr>
+          <a:xfrm>
+            <a:off x="970069" y="2168610"/>
+            <a:ext cx="4171950" cy="2162175"/>
+          </a:xfrm>
+          <a:prstGeom prst="rect">
+            <a:avLst/>
+          </a:prstGeom>
+        </p:spPr>
+      </p:pic>
+      <p:pic>
+        <p:nvPicPr>
+          <p:cNvPr id="5" name="图片 4"/>
+          <p:cNvPicPr>
+            <a:picLocks noChangeAspect="1"/>
+          </p:cNvPicPr>
+          <p:nvPr/>
+        </p:nvPicPr>
+        <p:blipFill>
+          <a:blip r:embed="rId3"/>
+          <a:stretch>
+            <a:fillRect/>
+          </a:stretch>
+        </p:blipFill>
+        <p:spPr>
+          <a:xfrm>
+            <a:off x="5616789" y="2416259"/>
+            <a:ext cx="5934075" cy="1666875"/>
+          </a:xfrm>
+          <a:prstGeom prst="rect">
+            <a:avLst/>
+          </a:prstGeom>
+        </p:spPr>
+      </p:pic>
+    </p:spTree>
+    <p:extLst>
+      <p:ext uri="{BB962C8B-B14F-4D97-AF65-F5344CB8AC3E}">
+        <p14:creationId xmlns:p14="http://schemas.microsoft.com/office/powerpoint/2010/main" val="2395691550"/>
+      </p:ext>
+    </p:extLst>
+  </p:cSld>
+  <p:clrMapOvr>
+    <a:masterClrMapping/>
+  </p:clrMapOvr>
+  <p:timing>
+    <p:tnLst>
+      <p:par>
+        <p:cTn id="1" dur="indefinite" restart="never" nodeType="tmRoot"/>
+      </p:par>
+    </p:tnLst>
+  </p:timing>
+</p:sld>
+</file>
+
+<file path=ppt/slides/slide27.xml><?xml version="1.0" encoding="utf-8"?>
+<p:sld xmlns:a="http://schemas.openxmlformats.org/drawingml/2006/main" xmlns:r="http://schemas.openxmlformats.org/officeDocument/2006/relationships" xmlns:p="http://schemas.openxmlformats.org/presentationml/2006/main">
+  <p:cSld>
+    <p:spTree>
+      <p:nvGrpSpPr>
+        <p:cNvPr id="1" name=""/>
+        <p:cNvGrpSpPr/>
+        <p:nvPr/>
+      </p:nvGrpSpPr>
+      <p:grpSpPr>
+        <a:xfrm>
+          <a:off x="0" y="0"/>
+          <a:ext cx="0" cy="0"/>
+          <a:chOff x="0" y="0"/>
+          <a:chExt cx="0" cy="0"/>
+        </a:xfrm>
+      </p:grpSpPr>
+      <p:sp>
+        <p:nvSpPr>
+          <p:cNvPr id="2" name="标题 1"/>
+          <p:cNvSpPr>
+            <a:spLocks noGrp="1"/>
+          </p:cNvSpPr>
+          <p:nvPr>
+            <p:ph type="title"/>
+          </p:nvPr>
+        </p:nvSpPr>
+        <p:spPr/>
+        <p:txBody>
+          <a:bodyPr/>
+          <a:lstStyle/>
+          <a:p>
+            <a:r>
+              <a:rPr lang="en-US" altLang="zh-CN" cap="none" dirty="0" err="1"/>
+              <a:t>MLflow</a:t>
+            </a:r>
+            <a:r>
+              <a:rPr lang="en-US" altLang="zh-CN" cap="none" dirty="0"/>
+              <a:t> Plugins</a:t>
+            </a:r>
+          </a:p>
+        </p:txBody>
+      </p:sp>
+    </p:spTree>
+    <p:extLst>
+      <p:ext uri="{BB962C8B-B14F-4D97-AF65-F5344CB8AC3E}">
+        <p14:creationId xmlns:p14="http://schemas.microsoft.com/office/powerpoint/2010/main" val="3258098586"/>
+      </p:ext>
+    </p:extLst>
+  </p:cSld>
+  <p:clrMapOvr>
+    <a:masterClrMapping/>
+  </p:clrMapOvr>
+  <p:timing>
+    <p:tnLst>
+      <p:par>
+        <p:cTn id="1" dur="indefinite" restart="never" nodeType="tmRoot"/>
+      </p:par>
+    </p:tnLst>
+  </p:timing>
+</p:sld>
+</file>
+
+<file path=ppt/slides/slide28.xml><?xml version="1.0" encoding="utf-8"?>
+<p:sld xmlns:a="http://schemas.openxmlformats.org/drawingml/2006/main" xmlns:r="http://schemas.openxmlformats.org/officeDocument/2006/relationships" xmlns:p="http://schemas.openxmlformats.org/presentationml/2006/main">
+  <p:cSld>
+    <p:spTree>
+      <p:nvGrpSpPr>
+        <p:cNvPr id="1" name=""/>
+        <p:cNvGrpSpPr/>
+        <p:nvPr/>
+      </p:nvGrpSpPr>
+      <p:grpSpPr>
+        <a:xfrm>
+          <a:off x="0" y="0"/>
+          <a:ext cx="0" cy="0"/>
+          <a:chOff x="0" y="0"/>
+          <a:chExt cx="0" cy="0"/>
+        </a:xfrm>
+      </p:grpSpPr>
+      <p:sp>
+        <p:nvSpPr>
+          <p:cNvPr id="2" name="标题 1"/>
+          <p:cNvSpPr>
+            <a:spLocks noGrp="1"/>
+          </p:cNvSpPr>
+          <p:nvPr>
+            <p:ph type="title"/>
+          </p:nvPr>
+        </p:nvSpPr>
+        <p:spPr>
+          <a:xfrm>
+            <a:off x="1140351" y="263610"/>
+            <a:ext cx="9875520" cy="1356360"/>
+          </a:xfrm>
+        </p:spPr>
+        <p:txBody>
+          <a:bodyPr/>
+          <a:lstStyle/>
+          <a:p>
+            <a:r>
+              <a:rPr lang="zh-CN" altLang="en-US" dirty="0" smtClean="0"/>
+              <a:t>支持的插件类型</a:t>
+            </a:r>
+            <a:endParaRPr lang="zh-CN" altLang="en-US" dirty="0"/>
+          </a:p>
+        </p:txBody>
+      </p:sp>
+      <p:sp>
+        <p:nvSpPr>
+          <p:cNvPr id="3" name="内容占位符 2"/>
+          <p:cNvSpPr>
+            <a:spLocks noGrp="1"/>
+          </p:cNvSpPr>
+          <p:nvPr>
+            <p:ph idx="1"/>
+          </p:nvPr>
+        </p:nvSpPr>
+        <p:spPr>
+          <a:xfrm>
+            <a:off x="1143000" y="1499286"/>
+            <a:ext cx="9872871" cy="4596714"/>
+          </a:xfrm>
+        </p:spPr>
+        <p:txBody>
+          <a:bodyPr>
+            <a:normAutofit/>
+          </a:bodyPr>
+          <a:lstStyle/>
+          <a:p>
+            <a:pPr>
+              <a:lnSpc>
+                <a:spcPct val="150000"/>
+              </a:lnSpc>
+            </a:pPr>
+            <a:r>
+              <a:rPr lang="en-US" altLang="zh-CN" dirty="0"/>
+              <a:t>Tracking Store: </a:t>
+            </a:r>
+            <a:r>
+              <a:rPr lang="zh-CN" altLang="en-US" dirty="0" smtClean="0"/>
+              <a:t>运行记录存储</a:t>
+            </a:r>
+            <a:endParaRPr lang="en-US" altLang="zh-CN" dirty="0"/>
+          </a:p>
+          <a:p>
+            <a:pPr>
+              <a:lnSpc>
+                <a:spcPct val="150000"/>
+              </a:lnSpc>
+            </a:pPr>
+            <a:r>
+              <a:rPr lang="en-US" altLang="zh-CN" dirty="0" err="1"/>
+              <a:t>ArtifactRepository</a:t>
+            </a:r>
+            <a:r>
+              <a:rPr lang="en-US" altLang="zh-CN" dirty="0"/>
+              <a:t>: </a:t>
+            </a:r>
+            <a:r>
+              <a:rPr lang="zh-CN" altLang="en-US" dirty="0" smtClean="0"/>
+              <a:t>生成结果的存储</a:t>
+            </a:r>
+            <a:endParaRPr lang="en-US" altLang="zh-CN" dirty="0" smtClean="0"/>
+          </a:p>
+          <a:p>
+            <a:pPr>
+              <a:lnSpc>
+                <a:spcPct val="150000"/>
+              </a:lnSpc>
+            </a:pPr>
+            <a:r>
+              <a:rPr lang="en-US" altLang="zh-CN" dirty="0" smtClean="0"/>
+              <a:t>Run </a:t>
+            </a:r>
+            <a:r>
+              <a:rPr lang="en-US" altLang="zh-CN" dirty="0"/>
+              <a:t>context providers: </a:t>
+            </a:r>
+            <a:r>
+              <a:rPr lang="en-US" altLang="zh-CN" dirty="0" smtClean="0"/>
+              <a:t>  </a:t>
+            </a:r>
+            <a:r>
+              <a:rPr lang="en-US" altLang="zh-CN" dirty="0" err="1" smtClean="0"/>
+              <a:t>mlflow.start_run</a:t>
+            </a:r>
+            <a:r>
+              <a:rPr lang="en-US" altLang="zh-CN" dirty="0"/>
+              <a:t>() </a:t>
+            </a:r>
+            <a:r>
+              <a:rPr lang="zh-CN" altLang="en-US" dirty="0" smtClean="0"/>
+              <a:t>设置运行标签</a:t>
+            </a:r>
+            <a:endParaRPr lang="en-US" altLang="zh-CN" dirty="0" smtClean="0"/>
+          </a:p>
+          <a:p>
+            <a:pPr>
+              <a:lnSpc>
+                <a:spcPct val="150000"/>
+              </a:lnSpc>
+            </a:pPr>
+            <a:r>
+              <a:rPr lang="en-US" altLang="zh-CN" dirty="0" smtClean="0"/>
+              <a:t>Model </a:t>
+            </a:r>
+            <a:r>
+              <a:rPr lang="en-US" altLang="zh-CN" dirty="0"/>
+              <a:t>Registry Store: </a:t>
+            </a:r>
+            <a:r>
+              <a:rPr lang="zh-CN" altLang="en-US" dirty="0" smtClean="0"/>
+              <a:t>模型仓库的存储方案</a:t>
+            </a:r>
+            <a:endParaRPr lang="en-US" altLang="zh-CN" dirty="0" smtClean="0"/>
+          </a:p>
+          <a:p>
+            <a:pPr>
+              <a:lnSpc>
+                <a:spcPct val="150000"/>
+              </a:lnSpc>
+            </a:pPr>
+            <a:r>
+              <a:rPr lang="en-US" altLang="zh-CN" dirty="0" err="1" smtClean="0"/>
+              <a:t>MLFlow</a:t>
+            </a:r>
+            <a:r>
+              <a:rPr lang="en-US" altLang="zh-CN" dirty="0" smtClean="0"/>
+              <a:t> </a:t>
+            </a:r>
+            <a:r>
+              <a:rPr lang="en-US" altLang="zh-CN" dirty="0"/>
+              <a:t>Project backend: </a:t>
+            </a:r>
+            <a:r>
+              <a:rPr lang="zh-CN" altLang="en-US" dirty="0" smtClean="0"/>
+              <a:t>工程执行集群（</a:t>
+            </a:r>
+            <a:r>
+              <a:rPr lang="en-US" altLang="zh-CN" dirty="0" smtClean="0"/>
+              <a:t>k8s</a:t>
+            </a:r>
+            <a:r>
+              <a:rPr lang="zh-CN" altLang="en-US" dirty="0" smtClean="0"/>
+              <a:t>）</a:t>
+            </a:r>
+            <a:endParaRPr lang="en-US" altLang="zh-CN" dirty="0" smtClean="0"/>
+          </a:p>
+        </p:txBody>
+      </p:sp>
+    </p:spTree>
+    <p:extLst>
+      <p:ext uri="{BB962C8B-B14F-4D97-AF65-F5344CB8AC3E}">
+        <p14:creationId xmlns:p14="http://schemas.microsoft.com/office/powerpoint/2010/main" val="3848072445"/>
+      </p:ext>
+    </p:extLst>
+  </p:cSld>
+  <p:clrMapOvr>
+    <a:masterClrMapping/>
+  </p:clrMapOvr>
+  <p:timing>
+    <p:tnLst>
+      <p:par>
+        <p:cTn id="1" dur="indefinite" restart="never" nodeType="tmRoot"/>
+      </p:par>
+    </p:tnLst>
+  </p:timing>
+</p:sld>
+</file>
+
+<file path=ppt/slides/slide29.xml><?xml version="1.0" encoding="utf-8"?>
+<p:sld xmlns:a="http://schemas.openxmlformats.org/drawingml/2006/main" xmlns:r="http://schemas.openxmlformats.org/officeDocument/2006/relationships" xmlns:p="http://schemas.openxmlformats.org/presentationml/2006/main">
+  <p:cSld>
+    <p:spTree>
+      <p:nvGrpSpPr>
+        <p:cNvPr id="1" name=""/>
+        <p:cNvGrpSpPr/>
+        <p:nvPr/>
+      </p:nvGrpSpPr>
+      <p:grpSpPr>
+        <a:xfrm>
+          <a:off x="0" y="0"/>
+          <a:ext cx="0" cy="0"/>
+          <a:chOff x="0" y="0"/>
+          <a:chExt cx="0" cy="0"/>
+        </a:xfrm>
+      </p:grpSpPr>
+      <p:sp>
+        <p:nvSpPr>
+          <p:cNvPr id="2" name="标题 1"/>
+          <p:cNvSpPr>
+            <a:spLocks noGrp="1"/>
+          </p:cNvSpPr>
+          <p:nvPr>
+            <p:ph type="title"/>
+          </p:nvPr>
+        </p:nvSpPr>
+        <p:spPr/>
+        <p:txBody>
+          <a:bodyPr/>
+          <a:lstStyle/>
+          <a:p>
+            <a:r>
+              <a:rPr lang="en-US" altLang="zh-CN" cap="none" dirty="0" err="1" smtClean="0"/>
+              <a:t>KuAI</a:t>
+            </a:r>
+            <a:r>
+              <a:rPr lang="zh-CN" altLang="en-US" cap="none" dirty="0" smtClean="0"/>
+              <a:t>整合</a:t>
+            </a:r>
+            <a:endParaRPr lang="zh-CN" altLang="en-US" cap="none" dirty="0"/>
+          </a:p>
+        </p:txBody>
+      </p:sp>
+    </p:spTree>
+    <p:extLst>
+      <p:ext uri="{BB962C8B-B14F-4D97-AF65-F5344CB8AC3E}">
+        <p14:creationId xmlns:p14="http://schemas.microsoft.com/office/powerpoint/2010/main" val="3273162820"/>
+      </p:ext>
+    </p:extLst>
+  </p:cSld>
+  <p:clrMapOvr>
+    <a:masterClrMapping/>
+  </p:clrMapOvr>
+  <p:timing>
+    <p:tnLst>
+      <p:par>
+        <p:cTn id="1" dur="indefinite" restart="never" nodeType="tmRoot"/>
+      </p:par>
+    </p:tnLst>
+  </p:timing>
+</p:sld>
+</file>
+
 <file path=ppt/slides/slide3.xml><?xml version="1.0" encoding="utf-8"?>
 <p:sld xmlns:a="http://schemas.openxmlformats.org/drawingml/2006/main" xmlns:r="http://schemas.openxmlformats.org/officeDocument/2006/relationships" xmlns:p="http://schemas.openxmlformats.org/presentationml/2006/main">
   <p:cSld>
@@ -5083,6 +7264,114 @@
         </p:txBody>
       </p:sp>
     </p:spTree>
+  </p:cSld>
+  <p:clrMapOvr>
+    <a:masterClrMapping/>
+  </p:clrMapOvr>
+  <p:timing>
+    <p:tnLst>
+      <p:par>
+        <p:cTn id="1" dur="indefinite" restart="never" nodeType="tmRoot"/>
+      </p:par>
+    </p:tnLst>
+  </p:timing>
+</p:sld>
+</file>
+
+<file path=ppt/slides/slide30.xml><?xml version="1.0" encoding="utf-8"?>
+<p:sld xmlns:a="http://schemas.openxmlformats.org/drawingml/2006/main" xmlns:r="http://schemas.openxmlformats.org/officeDocument/2006/relationships" xmlns:p="http://schemas.openxmlformats.org/presentationml/2006/main">
+  <p:cSld>
+    <p:spTree>
+      <p:nvGrpSpPr>
+        <p:cNvPr id="1" name=""/>
+        <p:cNvGrpSpPr/>
+        <p:nvPr/>
+      </p:nvGrpSpPr>
+      <p:grpSpPr>
+        <a:xfrm>
+          <a:off x="0" y="0"/>
+          <a:ext cx="0" cy="0"/>
+          <a:chOff x="0" y="0"/>
+          <a:chExt cx="0" cy="0"/>
+        </a:xfrm>
+      </p:grpSpPr>
+      <p:sp>
+        <p:nvSpPr>
+          <p:cNvPr id="3" name="内容占位符 2"/>
+          <p:cNvSpPr>
+            <a:spLocks noGrp="1"/>
+          </p:cNvSpPr>
+          <p:nvPr>
+            <p:ph idx="1"/>
+          </p:nvPr>
+        </p:nvSpPr>
+        <p:spPr>
+          <a:xfrm>
+            <a:off x="1151273" y="980303"/>
+            <a:ext cx="9872871" cy="3907412"/>
+          </a:xfrm>
+        </p:spPr>
+        <p:txBody>
+          <a:bodyPr>
+            <a:normAutofit/>
+          </a:bodyPr>
+          <a:lstStyle/>
+          <a:p>
+            <a:pPr>
+              <a:lnSpc>
+                <a:spcPct val="150000"/>
+              </a:lnSpc>
+            </a:pPr>
+            <a:r>
+              <a:rPr lang="zh-CN" altLang="en-US" dirty="0" smtClean="0"/>
+              <a:t>试验如何借鉴到模型训练里</a:t>
+            </a:r>
+            <a:endParaRPr lang="en-US" altLang="zh-CN" dirty="0" smtClean="0"/>
+          </a:p>
+          <a:p>
+            <a:pPr>
+              <a:lnSpc>
+                <a:spcPct val="150000"/>
+              </a:lnSpc>
+            </a:pPr>
+            <a:r>
+              <a:rPr lang="zh-CN" altLang="en-US" dirty="0" smtClean="0"/>
+              <a:t>工程需要打通开发和部署</a:t>
+            </a:r>
+            <a:endParaRPr lang="en-US" altLang="zh-CN" dirty="0" smtClean="0"/>
+          </a:p>
+          <a:p>
+            <a:pPr>
+              <a:lnSpc>
+                <a:spcPct val="150000"/>
+              </a:lnSpc>
+            </a:pPr>
+            <a:r>
+              <a:rPr lang="zh-CN" altLang="en-US" dirty="0" smtClean="0"/>
+              <a:t>模型保存格式</a:t>
+            </a:r>
+            <a:endParaRPr lang="en-US" altLang="zh-CN" dirty="0" smtClean="0"/>
+          </a:p>
+          <a:p>
+            <a:pPr>
+              <a:lnSpc>
+                <a:spcPct val="150000"/>
+              </a:lnSpc>
+            </a:pPr>
+            <a:r>
+              <a:rPr lang="zh-CN" altLang="en-US" dirty="0" smtClean="0"/>
+              <a:t>模型仓库</a:t>
+            </a:r>
+            <a:endParaRPr lang="zh-CN" altLang="en-US" dirty="0" smtClean="0"/>
+          </a:p>
+        </p:txBody>
+      </p:sp>
+    </p:spTree>
+    <p:extLst>
+      <p:ext uri="{BB962C8B-B14F-4D97-AF65-F5344CB8AC3E}">
+        <p14:creationId xmlns:p14="http://schemas.microsoft.com/office/powerpoint/2010/main" val="1711034947"/>
+      </p:ext>
+    </p:extLst>
   </p:cSld>
   <p:clrMapOvr>
     <a:masterClrMapping/>
@@ -5365,22 +7654,27 @@
           </p:cNvGraphicFramePr>
           <p:nvPr>
             <p:ph idx="1"/>
+            <p:extLst>
+              <p:ext uri="{D42A27DB-BD31-4B8C-83A1-F6EECF244321}">
+                <p14:modId xmlns:p14="http://schemas.microsoft.com/office/powerpoint/2010/main" val="800583121"/>
+              </p:ext>
+            </p:extLst>
           </p:nvPr>
         </p:nvGraphicFramePr>
         <p:xfrm>
-          <a:off x="3446965" y="2773272"/>
-          <a:ext cx="5603875" cy="2542540"/>
+          <a:off x="1285103" y="1351005"/>
+          <a:ext cx="9432323" cy="4489622"/>
         </p:xfrm>
         <a:graphic>
           <a:graphicData uri="http://schemas.openxmlformats.org/presentationml/2006/ole">
             <mc:AlternateContent xmlns:mc="http://schemas.openxmlformats.org/markup-compatibility/2006">
               <mc:Choice xmlns:v="urn:schemas-microsoft-com:vml" Requires="v">
-                <p:oleObj spid="_x0000_s1055" name="文档" r:id="rId1" imgW="5765800" imgH="2616200" progId="Word.Document.12">
+                <p:oleObj spid="_x0000_s1139" name="文档" r:id="rId3" imgW="5755755" imgH="3746274" progId="Word.Document.12">
                   <p:embed/>
                 </p:oleObj>
               </mc:Choice>
               <mc:Fallback>
-                <p:oleObj name="文档" r:id="rId1" imgW="5765800" imgH="2616200" progId="Word.Document.12">
+                <p:oleObj name="文档" r:id="rId3" imgW="5755755" imgH="3746274" progId="Word.Document.12">
                   <p:embed/>
                   <p:pic>
                     <p:nvPicPr>
@@ -5389,15 +7683,15 @@
                       <p:nvPr/>
                     </p:nvPicPr>
                     <p:blipFill>
-                      <a:blip r:embed="rId2"/>
+                      <a:blip r:embed="rId4"/>
                       <a:stretch>
                         <a:fillRect/>
                       </a:stretch>
                     </p:blipFill>
                     <p:spPr>
                       <a:xfrm>
-                        <a:off x="3446965" y="2773272"/>
-                        <a:ext cx="5603875" cy="2542540"/>
+                        <a:off x="1285103" y="1351005"/>
+                        <a:ext cx="9432323" cy="4489622"/>
                       </a:xfrm>
                       <a:prstGeom prst="rect">
                         <a:avLst/>
@@ -5451,7 +7745,7 @@
           <p:nvPr/>
         </p:nvPicPr>
         <p:blipFill>
-          <a:blip r:embed="rId1"/>
+          <a:blip r:embed="rId2"/>
           <a:stretch>
             <a:fillRect/>
           </a:stretch>
@@ -5475,7 +7769,7 @@
           <p:nvPr/>
         </p:nvPicPr>
         <p:blipFill>
-          <a:blip r:embed="rId2"/>
+          <a:blip r:embed="rId3"/>
           <a:stretch>
             <a:fillRect/>
           </a:stretch>
@@ -5499,7 +7793,7 @@
           <p:nvPr/>
         </p:nvPicPr>
         <p:blipFill>
-          <a:blip r:embed="rId3"/>
+          <a:blip r:embed="rId4"/>
           <a:stretch>
             <a:fillRect/>
           </a:stretch>
@@ -5523,7 +7817,7 @@
           <p:nvPr/>
         </p:nvPicPr>
         <p:blipFill>
-          <a:blip r:embed="rId4"/>
+          <a:blip r:embed="rId5"/>
           <a:stretch>
             <a:fillRect/>
           </a:stretch>
@@ -5547,7 +7841,7 @@
           <p:nvPr/>
         </p:nvPicPr>
         <p:blipFill>
-          <a:blip r:embed="rId5"/>
+          <a:blip r:embed="rId6"/>
           <a:stretch>
             <a:fillRect/>
           </a:stretch>
@@ -5571,7 +7865,7 @@
           <p:nvPr/>
         </p:nvPicPr>
         <p:blipFill>
-          <a:blip r:embed="rId6"/>
+          <a:blip r:embed="rId7"/>
           <a:stretch>
             <a:fillRect/>
           </a:stretch>
@@ -5595,7 +7889,7 @@
           <p:nvPr/>
         </p:nvPicPr>
         <p:blipFill>
-          <a:blip r:embed="rId7"/>
+          <a:blip r:embed="rId8"/>
           <a:stretch>
             <a:fillRect/>
           </a:stretch>
@@ -5989,7 +8283,7 @@
           <p:nvPr/>
         </p:nvPicPr>
         <p:blipFill>
-          <a:blip r:embed="rId1"/>
+          <a:blip r:embed="rId2"/>
           <a:stretch>
             <a:fillRect/>
           </a:stretch>
@@ -6013,7 +8307,7 @@
           <p:nvPr/>
         </p:nvPicPr>
         <p:blipFill>
-          <a:blip r:embed="rId2"/>
+          <a:blip r:embed="rId3"/>
           <a:stretch>
             <a:fillRect/>
           </a:stretch>
@@ -6037,7 +8331,7 @@
           <p:nvPr/>
         </p:nvPicPr>
         <p:blipFill>
-          <a:blip r:embed="rId3"/>
+          <a:blip r:embed="rId4"/>
           <a:stretch>
             <a:fillRect/>
           </a:stretch>
@@ -6061,7 +8355,7 @@
           <p:nvPr/>
         </p:nvPicPr>
         <p:blipFill>
-          <a:blip r:embed="rId4"/>
+          <a:blip r:embed="rId5"/>
           <a:stretch>
             <a:fillRect/>
           </a:stretch>
@@ -6357,7 +8651,7 @@
         </p:spPr>
         <p:txBody>
           <a:bodyPr>
-            <a:normAutofit lnSpcReduction="10000"/>
+            <a:normAutofit/>
           </a:bodyPr>
           <a:lstStyle/>
           <a:p>
@@ -6498,9 +8792,6 @@
               </a:rPr>
               <a:t>记录、可视化指标的变化历史。</a:t>
             </a:r>
-            <a:endParaRPr lang="zh-CN" altLang="en-US" sz="1800" dirty="0" smtClean="0">
-              <a:sym typeface="+mn-ea"/>
-            </a:endParaRPr>
           </a:p>
           <a:p>
             <a:pPr lvl="1">
@@ -6516,7 +8807,6 @@
               <a:rPr lang="zh-CN" altLang="en-US" sz="1800" dirty="0" smtClean="0"/>
               <a:t>：任意形式的输出文件。比如，images (PNGs), models (pickled scikit-learn model), data files (Parquet file) as artifacts。</a:t>
             </a:r>
-            <a:endParaRPr lang="zh-CN" altLang="en-US" sz="1800" dirty="0" smtClean="0"/>
           </a:p>
         </p:txBody>
       </p:sp>
@@ -6821,6 +9111,8 @@
       </a:bgFillStyleLst>
     </a:fmtScheme>
   </a:themeElements>
+  <a:objectDefaults/>
+  <a:extraClrSchemeLst/>
   <a:extLst>
     <a:ext uri="{05A4C25C-085E-4340-85A3-A5531E510DB2}">
       <thm15:themeFamily xmlns:thm15="http://schemas.microsoft.com/office/thememl/2012/main" name="Office Theme" id="{62F939B6-93AF-4DB8-9C6B-D6C7DFDC589F}" vid="{4A3C46E8-61CC-4603-A589-7422A47A8E4A}"/>
